--- a/lecture-materials/Compute/aws_batch/aws_batch.pptx
+++ b/lecture-materials/Compute/aws_batch/aws_batch.pptx
@@ -116,6 +116,11 @@
       </a:defRPr>
     </a:lvl9pPr>
   </p:defaultTextStyle>
+  <p:extLst>
+    <p:ext uri="{EFAFB233-063F-42B5-8137-9DF3F51BA10A}">
+      <p15:sldGuideLst xmlns:p15="http://schemas.microsoft.com/office/powerpoint/2012/main"/>
+    </p:ext>
+  </p:extLst>
 </p:presentation>
 </file>
 
@@ -201,7 +206,7 @@
           <a:p>
             <a:fld id="{546B6D56-32AA-4CAB-BCAB-1DCBD20B3DA3}" type="datetimeFigureOut">
               <a:rPr lang="en-US" smtClean="0"/>
-              <a:t>9/10/2023</a:t>
+              <a:t>9/18/23</a:t>
             </a:fld>
             <a:endParaRPr lang="en-US"/>
           </a:p>
@@ -265,35 +270,35 @@
           <a:p>
             <a:pPr lvl="0"/>
             <a:r>
-              <a:rPr lang="ru-RU" smtClean="0"/>
+              <a:rPr lang="ru-RU"/>
               <a:t>Образец текста</a:t>
             </a:r>
           </a:p>
           <a:p>
             <a:pPr lvl="1"/>
             <a:r>
-              <a:rPr lang="ru-RU" smtClean="0"/>
+              <a:rPr lang="ru-RU"/>
               <a:t>Второй уровень</a:t>
             </a:r>
           </a:p>
           <a:p>
             <a:pPr lvl="2"/>
             <a:r>
-              <a:rPr lang="ru-RU" smtClean="0"/>
+              <a:rPr lang="ru-RU"/>
               <a:t>Третий уровень</a:t>
             </a:r>
           </a:p>
           <a:p>
             <a:pPr lvl="3"/>
             <a:r>
-              <a:rPr lang="ru-RU" smtClean="0"/>
+              <a:rPr lang="ru-RU"/>
               <a:t>Четвертый уровень</a:t>
             </a:r>
           </a:p>
           <a:p>
             <a:pPr lvl="4"/>
             <a:r>
-              <a:rPr lang="ru-RU" smtClean="0"/>
+              <a:rPr lang="ru-RU"/>
               <a:t>Пятый уровень</a:t>
             </a:r>
             <a:endParaRPr lang="en-US"/>
@@ -1351,7 +1356,7 @@
           </a:lstStyle>
           <a:p>
             <a:r>
-              <a:rPr lang="ru-RU" smtClean="0"/>
+              <a:rPr lang="ru-RU"/>
               <a:t>Образец заголовка</a:t>
             </a:r>
             <a:endParaRPr lang="en-US"/>
@@ -1416,7 +1421,7 @@
           </a:lstStyle>
           <a:p>
             <a:r>
-              <a:rPr lang="ru-RU" smtClean="0"/>
+              <a:rPr lang="ru-RU"/>
               <a:t>Образец подзаголовка</a:t>
             </a:r>
             <a:endParaRPr lang="en-US"/>
@@ -1440,7 +1445,7 @@
           <a:p>
             <a:fld id="{35EBBF67-8A33-4B3D-A6E4-49127C39A4DF}" type="datetimeFigureOut">
               <a:rPr lang="en-US" smtClean="0"/>
-              <a:t>9/10/2023</a:t>
+              <a:t>9/18/23</a:t>
             </a:fld>
             <a:endParaRPr lang="en-US"/>
           </a:p>
@@ -1534,7 +1539,7 @@
           <a:lstStyle/>
           <a:p>
             <a:r>
-              <a:rPr lang="ru-RU" smtClean="0"/>
+              <a:rPr lang="ru-RU"/>
               <a:t>Образец заголовка</a:t>
             </a:r>
             <a:endParaRPr lang="en-US"/>
@@ -1558,35 +1563,35 @@
           <a:p>
             <a:pPr lvl="0"/>
             <a:r>
-              <a:rPr lang="ru-RU" smtClean="0"/>
+              <a:rPr lang="ru-RU"/>
               <a:t>Образец текста</a:t>
             </a:r>
           </a:p>
           <a:p>
             <a:pPr lvl="1"/>
             <a:r>
-              <a:rPr lang="ru-RU" smtClean="0"/>
+              <a:rPr lang="ru-RU"/>
               <a:t>Второй уровень</a:t>
             </a:r>
           </a:p>
           <a:p>
             <a:pPr lvl="2"/>
             <a:r>
-              <a:rPr lang="ru-RU" smtClean="0"/>
+              <a:rPr lang="ru-RU"/>
               <a:t>Третий уровень</a:t>
             </a:r>
           </a:p>
           <a:p>
             <a:pPr lvl="3"/>
             <a:r>
-              <a:rPr lang="ru-RU" smtClean="0"/>
+              <a:rPr lang="ru-RU"/>
               <a:t>Четвертый уровень</a:t>
             </a:r>
           </a:p>
           <a:p>
             <a:pPr lvl="4"/>
             <a:r>
-              <a:rPr lang="ru-RU" smtClean="0"/>
+              <a:rPr lang="ru-RU"/>
               <a:t>Пятый уровень</a:t>
             </a:r>
             <a:endParaRPr lang="en-US"/>
@@ -1610,7 +1615,7 @@
           <a:p>
             <a:fld id="{35EBBF67-8A33-4B3D-A6E4-49127C39A4DF}" type="datetimeFigureOut">
               <a:rPr lang="en-US" smtClean="0"/>
-              <a:t>9/10/2023</a:t>
+              <a:t>9/18/23</a:t>
             </a:fld>
             <a:endParaRPr lang="en-US"/>
           </a:p>
@@ -1709,7 +1714,7 @@
           <a:lstStyle/>
           <a:p>
             <a:r>
-              <a:rPr lang="ru-RU" smtClean="0"/>
+              <a:rPr lang="ru-RU"/>
               <a:t>Образец заголовка</a:t>
             </a:r>
             <a:endParaRPr lang="en-US"/>
@@ -1738,35 +1743,35 @@
           <a:p>
             <a:pPr lvl="0"/>
             <a:r>
-              <a:rPr lang="ru-RU" smtClean="0"/>
+              <a:rPr lang="ru-RU"/>
               <a:t>Образец текста</a:t>
             </a:r>
           </a:p>
           <a:p>
             <a:pPr lvl="1"/>
             <a:r>
-              <a:rPr lang="ru-RU" smtClean="0"/>
+              <a:rPr lang="ru-RU"/>
               <a:t>Второй уровень</a:t>
             </a:r>
           </a:p>
           <a:p>
             <a:pPr lvl="2"/>
             <a:r>
-              <a:rPr lang="ru-RU" smtClean="0"/>
+              <a:rPr lang="ru-RU"/>
               <a:t>Третий уровень</a:t>
             </a:r>
           </a:p>
           <a:p>
             <a:pPr lvl="3"/>
             <a:r>
-              <a:rPr lang="ru-RU" smtClean="0"/>
+              <a:rPr lang="ru-RU"/>
               <a:t>Четвертый уровень</a:t>
             </a:r>
           </a:p>
           <a:p>
             <a:pPr lvl="4"/>
             <a:r>
-              <a:rPr lang="ru-RU" smtClean="0"/>
+              <a:rPr lang="ru-RU"/>
               <a:t>Пятый уровень</a:t>
             </a:r>
             <a:endParaRPr lang="en-US"/>
@@ -1790,7 +1795,7 @@
           <a:p>
             <a:fld id="{35EBBF67-8A33-4B3D-A6E4-49127C39A4DF}" type="datetimeFigureOut">
               <a:rPr lang="en-US" smtClean="0"/>
-              <a:t>9/10/2023</a:t>
+              <a:t>9/18/23</a:t>
             </a:fld>
             <a:endParaRPr lang="en-US"/>
           </a:p>
@@ -1884,7 +1889,7 @@
           <a:lstStyle/>
           <a:p>
             <a:r>
-              <a:rPr lang="ru-RU" smtClean="0"/>
+              <a:rPr lang="ru-RU"/>
               <a:t>Образец заголовка</a:t>
             </a:r>
             <a:endParaRPr lang="en-US"/>
@@ -1908,35 +1913,35 @@
           <a:p>
             <a:pPr lvl="0"/>
             <a:r>
-              <a:rPr lang="ru-RU" smtClean="0"/>
+              <a:rPr lang="ru-RU"/>
               <a:t>Образец текста</a:t>
             </a:r>
           </a:p>
           <a:p>
             <a:pPr lvl="1"/>
             <a:r>
-              <a:rPr lang="ru-RU" smtClean="0"/>
+              <a:rPr lang="ru-RU"/>
               <a:t>Второй уровень</a:t>
             </a:r>
           </a:p>
           <a:p>
             <a:pPr lvl="2"/>
             <a:r>
-              <a:rPr lang="ru-RU" smtClean="0"/>
+              <a:rPr lang="ru-RU"/>
               <a:t>Третий уровень</a:t>
             </a:r>
           </a:p>
           <a:p>
             <a:pPr lvl="3"/>
             <a:r>
-              <a:rPr lang="ru-RU" smtClean="0"/>
+              <a:rPr lang="ru-RU"/>
               <a:t>Четвертый уровень</a:t>
             </a:r>
           </a:p>
           <a:p>
             <a:pPr lvl="4"/>
             <a:r>
-              <a:rPr lang="ru-RU" smtClean="0"/>
+              <a:rPr lang="ru-RU"/>
               <a:t>Пятый уровень</a:t>
             </a:r>
             <a:endParaRPr lang="en-US"/>
@@ -1960,7 +1965,7 @@
           <a:p>
             <a:fld id="{35EBBF67-8A33-4B3D-A6E4-49127C39A4DF}" type="datetimeFigureOut">
               <a:rPr lang="en-US" smtClean="0"/>
-              <a:t>9/10/2023</a:t>
+              <a:t>9/18/23</a:t>
             </a:fld>
             <a:endParaRPr lang="en-US"/>
           </a:p>
@@ -2063,7 +2068,7 @@
           </a:lstStyle>
           <a:p>
             <a:r>
-              <a:rPr lang="ru-RU" smtClean="0"/>
+              <a:rPr lang="ru-RU"/>
               <a:t>Образец заголовка</a:t>
             </a:r>
             <a:endParaRPr lang="en-US"/>
@@ -2183,7 +2188,7 @@
           <a:p>
             <a:pPr lvl="0"/>
             <a:r>
-              <a:rPr lang="ru-RU" smtClean="0"/>
+              <a:rPr lang="ru-RU"/>
               <a:t>Образец текста</a:t>
             </a:r>
           </a:p>
@@ -2206,7 +2211,7 @@
           <a:p>
             <a:fld id="{35EBBF67-8A33-4B3D-A6E4-49127C39A4DF}" type="datetimeFigureOut">
               <a:rPr lang="en-US" smtClean="0"/>
-              <a:t>9/10/2023</a:t>
+              <a:t>9/18/23</a:t>
             </a:fld>
             <a:endParaRPr lang="en-US"/>
           </a:p>
@@ -2300,7 +2305,7 @@
           <a:lstStyle/>
           <a:p>
             <a:r>
-              <a:rPr lang="ru-RU" smtClean="0"/>
+              <a:rPr lang="ru-RU"/>
               <a:t>Образец заголовка</a:t>
             </a:r>
             <a:endParaRPr lang="en-US"/>
@@ -2329,35 +2334,35 @@
           <a:p>
             <a:pPr lvl="0"/>
             <a:r>
-              <a:rPr lang="ru-RU" smtClean="0"/>
+              <a:rPr lang="ru-RU"/>
               <a:t>Образец текста</a:t>
             </a:r>
           </a:p>
           <a:p>
             <a:pPr lvl="1"/>
             <a:r>
-              <a:rPr lang="ru-RU" smtClean="0"/>
+              <a:rPr lang="ru-RU"/>
               <a:t>Второй уровень</a:t>
             </a:r>
           </a:p>
           <a:p>
             <a:pPr lvl="2"/>
             <a:r>
-              <a:rPr lang="ru-RU" smtClean="0"/>
+              <a:rPr lang="ru-RU"/>
               <a:t>Третий уровень</a:t>
             </a:r>
           </a:p>
           <a:p>
             <a:pPr lvl="3"/>
             <a:r>
-              <a:rPr lang="ru-RU" smtClean="0"/>
+              <a:rPr lang="ru-RU"/>
               <a:t>Четвертый уровень</a:t>
             </a:r>
           </a:p>
           <a:p>
             <a:pPr lvl="4"/>
             <a:r>
-              <a:rPr lang="ru-RU" smtClean="0"/>
+              <a:rPr lang="ru-RU"/>
               <a:t>Пятый уровень</a:t>
             </a:r>
             <a:endParaRPr lang="en-US"/>
@@ -2386,35 +2391,35 @@
           <a:p>
             <a:pPr lvl="0"/>
             <a:r>
-              <a:rPr lang="ru-RU" smtClean="0"/>
+              <a:rPr lang="ru-RU"/>
               <a:t>Образец текста</a:t>
             </a:r>
           </a:p>
           <a:p>
             <a:pPr lvl="1"/>
             <a:r>
-              <a:rPr lang="ru-RU" smtClean="0"/>
+              <a:rPr lang="ru-RU"/>
               <a:t>Второй уровень</a:t>
             </a:r>
           </a:p>
           <a:p>
             <a:pPr lvl="2"/>
             <a:r>
-              <a:rPr lang="ru-RU" smtClean="0"/>
+              <a:rPr lang="ru-RU"/>
               <a:t>Третий уровень</a:t>
             </a:r>
           </a:p>
           <a:p>
             <a:pPr lvl="3"/>
             <a:r>
-              <a:rPr lang="ru-RU" smtClean="0"/>
+              <a:rPr lang="ru-RU"/>
               <a:t>Четвертый уровень</a:t>
             </a:r>
           </a:p>
           <a:p>
             <a:pPr lvl="4"/>
             <a:r>
-              <a:rPr lang="ru-RU" smtClean="0"/>
+              <a:rPr lang="ru-RU"/>
               <a:t>Пятый уровень</a:t>
             </a:r>
             <a:endParaRPr lang="en-US"/>
@@ -2438,7 +2443,7 @@
           <a:p>
             <a:fld id="{35EBBF67-8A33-4B3D-A6E4-49127C39A4DF}" type="datetimeFigureOut">
               <a:rPr lang="en-US" smtClean="0"/>
-              <a:t>9/10/2023</a:t>
+              <a:t>9/18/23</a:t>
             </a:fld>
             <a:endParaRPr lang="en-US"/>
           </a:p>
@@ -2537,7 +2542,7 @@
           <a:lstStyle/>
           <a:p>
             <a:r>
-              <a:rPr lang="ru-RU" smtClean="0"/>
+              <a:rPr lang="ru-RU"/>
               <a:t>Образец заголовка</a:t>
             </a:r>
             <a:endParaRPr lang="en-US"/>
@@ -2603,7 +2608,7 @@
           <a:p>
             <a:pPr lvl="0"/>
             <a:r>
-              <a:rPr lang="ru-RU" smtClean="0"/>
+              <a:rPr lang="ru-RU"/>
               <a:t>Образец текста</a:t>
             </a:r>
           </a:p>
@@ -2631,35 +2636,35 @@
           <a:p>
             <a:pPr lvl="0"/>
             <a:r>
-              <a:rPr lang="ru-RU" smtClean="0"/>
+              <a:rPr lang="ru-RU"/>
               <a:t>Образец текста</a:t>
             </a:r>
           </a:p>
           <a:p>
             <a:pPr lvl="1"/>
             <a:r>
-              <a:rPr lang="ru-RU" smtClean="0"/>
+              <a:rPr lang="ru-RU"/>
               <a:t>Второй уровень</a:t>
             </a:r>
           </a:p>
           <a:p>
             <a:pPr lvl="2"/>
             <a:r>
-              <a:rPr lang="ru-RU" smtClean="0"/>
+              <a:rPr lang="ru-RU"/>
               <a:t>Третий уровень</a:t>
             </a:r>
           </a:p>
           <a:p>
             <a:pPr lvl="3"/>
             <a:r>
-              <a:rPr lang="ru-RU" smtClean="0"/>
+              <a:rPr lang="ru-RU"/>
               <a:t>Четвертый уровень</a:t>
             </a:r>
           </a:p>
           <a:p>
             <a:pPr lvl="4"/>
             <a:r>
-              <a:rPr lang="ru-RU" smtClean="0"/>
+              <a:rPr lang="ru-RU"/>
               <a:t>Пятый уровень</a:t>
             </a:r>
             <a:endParaRPr lang="en-US"/>
@@ -2725,7 +2730,7 @@
           <a:p>
             <a:pPr lvl="0"/>
             <a:r>
-              <a:rPr lang="ru-RU" smtClean="0"/>
+              <a:rPr lang="ru-RU"/>
               <a:t>Образец текста</a:t>
             </a:r>
           </a:p>
@@ -2753,35 +2758,35 @@
           <a:p>
             <a:pPr lvl="0"/>
             <a:r>
-              <a:rPr lang="ru-RU" smtClean="0"/>
+              <a:rPr lang="ru-RU"/>
               <a:t>Образец текста</a:t>
             </a:r>
           </a:p>
           <a:p>
             <a:pPr lvl="1"/>
             <a:r>
-              <a:rPr lang="ru-RU" smtClean="0"/>
+              <a:rPr lang="ru-RU"/>
               <a:t>Второй уровень</a:t>
             </a:r>
           </a:p>
           <a:p>
             <a:pPr lvl="2"/>
             <a:r>
-              <a:rPr lang="ru-RU" smtClean="0"/>
+              <a:rPr lang="ru-RU"/>
               <a:t>Третий уровень</a:t>
             </a:r>
           </a:p>
           <a:p>
             <a:pPr lvl="3"/>
             <a:r>
-              <a:rPr lang="ru-RU" smtClean="0"/>
+              <a:rPr lang="ru-RU"/>
               <a:t>Четвертый уровень</a:t>
             </a:r>
           </a:p>
           <a:p>
             <a:pPr lvl="4"/>
             <a:r>
-              <a:rPr lang="ru-RU" smtClean="0"/>
+              <a:rPr lang="ru-RU"/>
               <a:t>Пятый уровень</a:t>
             </a:r>
             <a:endParaRPr lang="en-US"/>
@@ -2805,7 +2810,7 @@
           <a:p>
             <a:fld id="{35EBBF67-8A33-4B3D-A6E4-49127C39A4DF}" type="datetimeFigureOut">
               <a:rPr lang="en-US" smtClean="0"/>
-              <a:t>9/10/2023</a:t>
+              <a:t>9/18/23</a:t>
             </a:fld>
             <a:endParaRPr lang="en-US"/>
           </a:p>
@@ -2899,7 +2904,7 @@
           <a:lstStyle/>
           <a:p>
             <a:r>
-              <a:rPr lang="ru-RU" smtClean="0"/>
+              <a:rPr lang="ru-RU"/>
               <a:t>Образец заголовка</a:t>
             </a:r>
             <a:endParaRPr lang="en-US"/>
@@ -2923,7 +2928,7 @@
           <a:p>
             <a:fld id="{35EBBF67-8A33-4B3D-A6E4-49127C39A4DF}" type="datetimeFigureOut">
               <a:rPr lang="en-US" smtClean="0"/>
-              <a:t>9/10/2023</a:t>
+              <a:t>9/18/23</a:t>
             </a:fld>
             <a:endParaRPr lang="en-US"/>
           </a:p>
@@ -3018,7 +3023,7 @@
           <a:p>
             <a:fld id="{35EBBF67-8A33-4B3D-A6E4-49127C39A4DF}" type="datetimeFigureOut">
               <a:rPr lang="en-US" smtClean="0"/>
-              <a:t>9/10/2023</a:t>
+              <a:t>9/18/23</a:t>
             </a:fld>
             <a:endParaRPr lang="en-US"/>
           </a:p>
@@ -3121,7 +3126,7 @@
           </a:lstStyle>
           <a:p>
             <a:r>
-              <a:rPr lang="ru-RU" smtClean="0"/>
+              <a:rPr lang="ru-RU"/>
               <a:t>Образец заголовка</a:t>
             </a:r>
             <a:endParaRPr lang="en-US"/>
@@ -3178,35 +3183,35 @@
           <a:p>
             <a:pPr lvl="0"/>
             <a:r>
-              <a:rPr lang="ru-RU" smtClean="0"/>
+              <a:rPr lang="ru-RU"/>
               <a:t>Образец текста</a:t>
             </a:r>
           </a:p>
           <a:p>
             <a:pPr lvl="1"/>
             <a:r>
-              <a:rPr lang="ru-RU" smtClean="0"/>
+              <a:rPr lang="ru-RU"/>
               <a:t>Второй уровень</a:t>
             </a:r>
           </a:p>
           <a:p>
             <a:pPr lvl="2"/>
             <a:r>
-              <a:rPr lang="ru-RU" smtClean="0"/>
+              <a:rPr lang="ru-RU"/>
               <a:t>Третий уровень</a:t>
             </a:r>
           </a:p>
           <a:p>
             <a:pPr lvl="3"/>
             <a:r>
-              <a:rPr lang="ru-RU" smtClean="0"/>
+              <a:rPr lang="ru-RU"/>
               <a:t>Четвертый уровень</a:t>
             </a:r>
           </a:p>
           <a:p>
             <a:pPr lvl="4"/>
             <a:r>
-              <a:rPr lang="ru-RU" smtClean="0"/>
+              <a:rPr lang="ru-RU"/>
               <a:t>Пятый уровень</a:t>
             </a:r>
             <a:endParaRPr lang="en-US"/>
@@ -3272,7 +3277,7 @@
           <a:p>
             <a:pPr lvl="0"/>
             <a:r>
-              <a:rPr lang="ru-RU" smtClean="0"/>
+              <a:rPr lang="ru-RU"/>
               <a:t>Образец текста</a:t>
             </a:r>
           </a:p>
@@ -3295,7 +3300,7 @@
           <a:p>
             <a:fld id="{35EBBF67-8A33-4B3D-A6E4-49127C39A4DF}" type="datetimeFigureOut">
               <a:rPr lang="en-US" smtClean="0"/>
-              <a:t>9/10/2023</a:t>
+              <a:t>9/18/23</a:t>
             </a:fld>
             <a:endParaRPr lang="en-US"/>
           </a:p>
@@ -3398,7 +3403,7 @@
           </a:lstStyle>
           <a:p>
             <a:r>
-              <a:rPr lang="ru-RU" smtClean="0"/>
+              <a:rPr lang="ru-RU"/>
               <a:t>Образец заголовка</a:t>
             </a:r>
             <a:endParaRPr lang="en-US"/>
@@ -3525,7 +3530,7 @@
           <a:p>
             <a:pPr lvl="0"/>
             <a:r>
-              <a:rPr lang="ru-RU" smtClean="0"/>
+              <a:rPr lang="ru-RU"/>
               <a:t>Образец текста</a:t>
             </a:r>
           </a:p>
@@ -3548,7 +3553,7 @@
           <a:p>
             <a:fld id="{35EBBF67-8A33-4B3D-A6E4-49127C39A4DF}" type="datetimeFigureOut">
               <a:rPr lang="en-US" smtClean="0"/>
-              <a:t>9/10/2023</a:t>
+              <a:t>9/18/23</a:t>
             </a:fld>
             <a:endParaRPr lang="en-US"/>
           </a:p>
@@ -3657,7 +3662,7 @@
           <a:lstStyle/>
           <a:p>
             <a:r>
-              <a:rPr lang="ru-RU" smtClean="0"/>
+              <a:rPr lang="ru-RU"/>
               <a:t>Образец заголовка</a:t>
             </a:r>
             <a:endParaRPr lang="en-US"/>
@@ -3691,35 +3696,35 @@
           <a:p>
             <a:pPr lvl="0"/>
             <a:r>
-              <a:rPr lang="ru-RU" smtClean="0"/>
+              <a:rPr lang="ru-RU"/>
               <a:t>Образец текста</a:t>
             </a:r>
           </a:p>
           <a:p>
             <a:pPr lvl="1"/>
             <a:r>
-              <a:rPr lang="ru-RU" smtClean="0"/>
+              <a:rPr lang="ru-RU"/>
               <a:t>Второй уровень</a:t>
             </a:r>
           </a:p>
           <a:p>
             <a:pPr lvl="2"/>
             <a:r>
-              <a:rPr lang="ru-RU" smtClean="0"/>
+              <a:rPr lang="ru-RU"/>
               <a:t>Третий уровень</a:t>
             </a:r>
           </a:p>
           <a:p>
             <a:pPr lvl="3"/>
             <a:r>
-              <a:rPr lang="ru-RU" smtClean="0"/>
+              <a:rPr lang="ru-RU"/>
               <a:t>Четвертый уровень</a:t>
             </a:r>
           </a:p>
           <a:p>
             <a:pPr lvl="4"/>
             <a:r>
-              <a:rPr lang="ru-RU" smtClean="0"/>
+              <a:rPr lang="ru-RU"/>
               <a:t>Пятый уровень</a:t>
             </a:r>
             <a:endParaRPr lang="en-US"/>
@@ -3761,7 +3766,7 @@
           <a:p>
             <a:fld id="{35EBBF67-8A33-4B3D-A6E4-49127C39A4DF}" type="datetimeFigureOut">
               <a:rPr lang="en-US" smtClean="0"/>
-              <a:t>9/10/2023</a:t>
+              <a:t>9/18/23</a:t>
             </a:fld>
             <a:endParaRPr lang="en-US"/>
           </a:p>
@@ -4185,13 +4190,8 @@
           <a:p>
             <a:r>
               <a:rPr lang="en-US" sz="3200" dirty="0"/>
-              <a:t>What Is AWS Batch</a:t>
-            </a:r>
-            <a:r>
-              <a:rPr lang="en-US" sz="3200" dirty="0" smtClean="0"/>
-              <a:t>?</a:t>
-            </a:r>
-            <a:endParaRPr lang="en-US" sz="3200" dirty="0"/>
+              <a:t>What Is AWS Batch?</a:t>
+            </a:r>
           </a:p>
         </p:txBody>
       </p:sp>
@@ -4221,14 +4221,13 @@
               <a:buNone/>
             </a:pPr>
             <a:r>
-              <a:rPr lang="en-US" sz="1400" b="1" dirty="0" smtClean="0"/>
+              <a:rPr lang="en-US" sz="1400" b="1" dirty="0"/>
               <a:t>AWS Batch </a:t>
             </a:r>
             <a:r>
-              <a:rPr lang="en-US" sz="1400" dirty="0" smtClean="0"/>
+              <a:rPr lang="en-US" sz="1400" dirty="0"/>
               <a:t>helps you to run batch computing workloads of any scale. AWS Batch automatically provisions compute resources and optimizes the workload distribution based on the quantity and scale of the workloads. With AWS Batch, there's no need to install or manage batch computing software, so you can focus your time on analyzing results and solving problems.</a:t>
             </a:r>
-            <a:endParaRPr lang="en-US" sz="1400" dirty="0"/>
           </a:p>
         </p:txBody>
       </p:sp>
@@ -4338,23 +4337,15 @@
             </a:r>
             <a:r>
               <a:rPr lang="en-US" sz="1400" b="1" dirty="0"/>
-              <a:t>AWS Batch event stream </a:t>
-            </a:r>
-            <a:r>
-              <a:rPr lang="en-US" sz="1400" b="1" dirty="0" smtClean="0"/>
-              <a:t>for </a:t>
-            </a:r>
-            <a:r>
-              <a:rPr lang="en-US" sz="1400" b="1" dirty="0" err="1" smtClean="0"/>
+              <a:t>AWS Batch event stream for </a:t>
+            </a:r>
+            <a:r>
+              <a:rPr lang="en-US" sz="1400" b="1" dirty="0" err="1"/>
               <a:t>CloudWatch</a:t>
             </a:r>
             <a:r>
-              <a:rPr lang="en-US" sz="1400" b="1" dirty="0" smtClean="0"/>
-              <a:t> Events</a:t>
-            </a:r>
-            <a:r>
               <a:rPr lang="en-US" sz="1400" b="1" dirty="0"/>
-              <a:t> </a:t>
+              <a:t> Events </a:t>
             </a:r>
             <a:r>
               <a:rPr lang="en-US" sz="1400" dirty="0"/>
@@ -4433,10 +4424,9 @@
           <a:lstStyle/>
           <a:p>
             <a:r>
-              <a:rPr lang="en-US" sz="3200" dirty="0" smtClean="0"/>
+              <a:rPr lang="en-US" sz="3200" dirty="0"/>
               <a:t>Components of AWS Batch:</a:t>
             </a:r>
-            <a:endParaRPr lang="en-US" sz="3200" dirty="0"/>
           </a:p>
         </p:txBody>
       </p:sp>
@@ -4657,10 +4647,10 @@
               <a:buNone/>
             </a:pPr>
             <a:r>
-              <a:rPr lang="en-US" sz="1400" dirty="0" smtClean="0"/>
+              <a:rPr lang="en-US" sz="1400" dirty="0"/>
               <a:t>Workflow steps:</a:t>
             </a:r>
-            <a:endParaRPr lang="ru-RU" sz="1400" dirty="0" smtClean="0"/>
+            <a:endParaRPr lang="ru-RU" sz="1400" dirty="0"/>
           </a:p>
           <a:p>
             <a:pPr marL="342900" indent="-342900">
@@ -4800,13 +4790,9 @@
             </a:pPr>
             <a:r>
               <a:rPr lang="en-US" sz="1400" dirty="0"/>
-              <a:t>Workflow steps</a:t>
-            </a:r>
-            <a:r>
-              <a:rPr lang="en-US" sz="1400" dirty="0" smtClean="0"/>
-              <a:t>:</a:t>
-            </a:r>
-            <a:endParaRPr lang="ru-RU" sz="1400" dirty="0" smtClean="0"/>
+              <a:t>Workflow steps:</a:t>
+            </a:r>
+            <a:endParaRPr lang="ru-RU" sz="1400" dirty="0"/>
           </a:p>
           <a:p>
             <a:pPr marL="342900" indent="-342900">
@@ -4988,39 +4974,30 @@
               <a:buNone/>
             </a:pPr>
             <a:r>
-              <a:rPr lang="en-US" sz="1400" dirty="0" smtClean="0"/>
+              <a:rPr lang="en-US" sz="1400" dirty="0"/>
               <a:t>Operating third-party commercial or open-source batch processing systems is no longer necessary thanks to AWS Batch. Because it is fully connected with the AWS platform, you can leverage its networking, scalability, and administration features. It enables users to take advantage of the services without worrying about setting up and managing the required infrastructure.</a:t>
             </a:r>
-            <a:endParaRPr lang="ru-RU" sz="1400" dirty="0" smtClean="0"/>
+            <a:endParaRPr lang="ru-RU" sz="1400" dirty="0"/>
           </a:p>
           <a:p>
             <a:r>
               <a:rPr lang="en-US" sz="1400" i="1" u="sng" dirty="0"/>
-              <a:t>Fully </a:t>
-            </a:r>
-            <a:r>
-              <a:rPr lang="en-US" sz="1400" i="1" u="sng" dirty="0" smtClean="0"/>
-              <a:t>managed</a:t>
-            </a:r>
-            <a:endParaRPr lang="ru-RU" sz="1400" i="1" u="sng" dirty="0" smtClean="0"/>
+              <a:t>Fully managed</a:t>
+            </a:r>
+            <a:endParaRPr lang="ru-RU" sz="1400" i="1" u="sng" dirty="0"/>
           </a:p>
           <a:p>
             <a:r>
               <a:rPr lang="en-US" sz="1400" i="1" u="sng" dirty="0"/>
-              <a:t>Integrated with </a:t>
-            </a:r>
-            <a:r>
-              <a:rPr lang="en-US" sz="1400" i="1" u="sng" dirty="0" smtClean="0"/>
-              <a:t>AWS</a:t>
-            </a:r>
-            <a:endParaRPr lang="ru-RU" sz="1400" i="1" u="sng" dirty="0" smtClean="0"/>
+              <a:t>Integrated with AWS</a:t>
+            </a:r>
+            <a:endParaRPr lang="ru-RU" sz="1400" i="1" u="sng" dirty="0"/>
           </a:p>
           <a:p>
             <a:r>
               <a:rPr lang="en-US" sz="1400" i="1" u="sng" dirty="0"/>
               <a:t>Cost-optimized resource provisioning</a:t>
             </a:r>
-            <a:endParaRPr lang="en-US" sz="1400" i="1" u="sng" dirty="0"/>
           </a:p>
         </p:txBody>
       </p:sp>
@@ -5073,13 +5050,8 @@
           <a:p>
             <a:r>
               <a:rPr lang="en-US" sz="3200" dirty="0"/>
-              <a:t>AWS Batch Use </a:t>
-            </a:r>
-            <a:r>
-              <a:rPr lang="en-US" sz="3200" dirty="0" smtClean="0"/>
-              <a:t>Cases</a:t>
-            </a:r>
-            <a:endParaRPr lang="en-US" sz="3200" dirty="0"/>
+              <a:t>AWS Batch Use Cases</a:t>
+            </a:r>
           </a:p>
         </p:txBody>
       </p:sp>
@@ -5110,18 +5082,14 @@
             </a:pPr>
             <a:r>
               <a:rPr lang="en-US" sz="1400" b="1" dirty="0"/>
-              <a:t>Financial services: Post-trade </a:t>
-            </a:r>
-            <a:r>
-              <a:rPr lang="en-US" sz="1400" b="1" dirty="0" smtClean="0"/>
-              <a:t>analytics</a:t>
+              <a:t>Financial services: Post-trade analytics</a:t>
             </a:r>
             <a:r>
               <a:rPr lang="ru-RU" sz="1400" b="1" dirty="0"/>
               <a:t> </a:t>
             </a:r>
             <a:r>
-              <a:rPr lang="en-US" sz="1400" b="1" dirty="0" smtClean="0"/>
+              <a:rPr lang="en-US" sz="1400" b="1" dirty="0"/>
               <a:t>:</a:t>
             </a:r>
           </a:p>
@@ -5130,10 +5098,9 @@
               <a:buNone/>
             </a:pPr>
             <a:r>
-              <a:rPr lang="en-US" sz="1400" dirty="0" smtClean="0"/>
+              <a:rPr lang="en-US" sz="1400" dirty="0"/>
               <a:t>It automates the evaluation of market performance, execution reporting, and transaction expenses for the day.</a:t>
             </a:r>
-            <a:endParaRPr lang="en-US" sz="1400" dirty="0"/>
           </a:p>
         </p:txBody>
       </p:sp>
@@ -5209,10 +5176,9 @@
           <a:lstStyle/>
           <a:p>
             <a:r>
-              <a:rPr lang="en-US" sz="3200" dirty="0" smtClean="0"/>
+              <a:rPr lang="en-US" sz="3200" dirty="0"/>
               <a:t>AWS Batch Use Cases</a:t>
             </a:r>
-            <a:endParaRPr lang="en-US" sz="3200" dirty="0"/>
           </a:p>
         </p:txBody>
       </p:sp>
@@ -5242,24 +5208,23 @@
               <a:buNone/>
             </a:pPr>
             <a:r>
-              <a:rPr lang="en-US" sz="1400" b="1" dirty="0" smtClean="0"/>
+              <a:rPr lang="en-US" sz="1400" b="1" dirty="0"/>
               <a:t>Life sciences: Drug screening for </a:t>
             </a:r>
             <a:r>
-              <a:rPr lang="en-US" sz="1400" b="1" dirty="0" err="1" smtClean="0"/>
+              <a:rPr lang="en-US" sz="1400" b="1" dirty="0" err="1"/>
               <a:t>biopharma</a:t>
             </a:r>
-            <a:endParaRPr lang="en-US" sz="1400" b="1" dirty="0" smtClean="0"/>
+            <a:endParaRPr lang="en-US" sz="1400" b="1" dirty="0"/>
           </a:p>
           <a:p>
             <a:pPr marL="0" indent="0">
               <a:buNone/>
             </a:pPr>
             <a:r>
-              <a:rPr lang="en-US" sz="1400" dirty="0" smtClean="0"/>
+              <a:rPr lang="en-US" sz="1400" dirty="0"/>
               <a:t>It rapidly goes through smaller molecule libraries in search of new drugs.</a:t>
             </a:r>
-            <a:endParaRPr lang="en-US" sz="1400" dirty="0"/>
           </a:p>
         </p:txBody>
       </p:sp>
@@ -5335,10 +5300,9 @@
           <a:lstStyle/>
           <a:p>
             <a:r>
-              <a:rPr lang="en-US" sz="3200" dirty="0" smtClean="0"/>
+              <a:rPr lang="en-US" sz="3200" dirty="0"/>
               <a:t>AWS Batch Use Cases</a:t>
             </a:r>
-            <a:endParaRPr lang="en-US" sz="3200" dirty="0"/>
           </a:p>
         </p:txBody>
       </p:sp>
@@ -5368,7 +5332,7 @@
               <a:buNone/>
             </a:pPr>
             <a:r>
-              <a:rPr lang="en-US" sz="1400" b="1" dirty="0" smtClean="0"/>
+              <a:rPr lang="en-US" sz="1400" b="1" dirty="0"/>
               <a:t>Digital media: Visual effects rendering</a:t>
             </a:r>
           </a:p>
@@ -5377,10 +5341,9 @@
               <a:buNone/>
             </a:pPr>
             <a:r>
-              <a:rPr lang="en-US" sz="1400" dirty="0" smtClean="0"/>
+              <a:rPr lang="en-US" sz="1400" dirty="0"/>
               <a:t>It reduces the requirement for human intervention by automating content rendering tasks and eliminating execution dependencies or resource scheduling.</a:t>
             </a:r>
-            <a:endParaRPr lang="en-US" sz="1400" dirty="0"/>
           </a:p>
         </p:txBody>
       </p:sp>

--- a/lecture-materials/Compute/aws_batch/aws_batch.pptx
+++ b/lecture-materials/Compute/aws_batch/aws_batch.pptx
@@ -5,19 +5,20 @@
     <p:sldMasterId id="2147483648" r:id="rId1"/>
   </p:sldMasterIdLst>
   <p:notesMasterIdLst>
-    <p:notesMasterId r:id="rId12"/>
+    <p:notesMasterId r:id="rId13"/>
   </p:notesMasterIdLst>
   <p:sldIdLst>
-    <p:sldId id="257" r:id="rId2"/>
-    <p:sldId id="258" r:id="rId3"/>
-    <p:sldId id="259" r:id="rId4"/>
-    <p:sldId id="260" r:id="rId5"/>
-    <p:sldId id="261" r:id="rId6"/>
-    <p:sldId id="262" r:id="rId7"/>
-    <p:sldId id="263" r:id="rId8"/>
-    <p:sldId id="264" r:id="rId9"/>
+    <p:sldId id="267" r:id="rId2"/>
+    <p:sldId id="257" r:id="rId3"/>
+    <p:sldId id="268" r:id="rId4"/>
+    <p:sldId id="258" r:id="rId5"/>
+    <p:sldId id="259" r:id="rId6"/>
+    <p:sldId id="260" r:id="rId7"/>
+    <p:sldId id="261" r:id="rId8"/>
+    <p:sldId id="262" r:id="rId9"/>
     <p:sldId id="265" r:id="rId10"/>
     <p:sldId id="266" r:id="rId11"/>
+    <p:sldId id="269" r:id="rId12"/>
   </p:sldIdLst>
   <p:sldSz cx="12192000" cy="6858000"/>
   <p:notesSz cx="6858000" cy="9144000"/>
@@ -206,7 +207,7 @@
           <a:p>
             <a:fld id="{546B6D56-32AA-4CAB-BCAB-1DCBD20B3DA3}" type="datetimeFigureOut">
               <a:rPr lang="en-US" smtClean="0"/>
-              <a:t>9/18/23</a:t>
+              <a:t>1/24/24</a:t>
             </a:fld>
             <a:endParaRPr lang="en-US"/>
           </a:p>
@@ -539,7 +540,7 @@
           <a:p>
             <a:fld id="{72D46B67-D831-41E3-B91E-C2C1F26D8EE9}" type="slidenum">
               <a:rPr lang="en-US" smtClean="0"/>
-              <a:t>1</a:t>
+              <a:t>2</a:t>
             </a:fld>
             <a:endParaRPr lang="en-US"/>
           </a:p>
@@ -549,90 +550,6 @@
     <p:extLst>
       <p:ext uri="{BB962C8B-B14F-4D97-AF65-F5344CB8AC3E}">
         <p14:creationId xmlns:p14="http://schemas.microsoft.com/office/powerpoint/2010/main" val="2666113161"/>
-      </p:ext>
-    </p:extLst>
-  </p:cSld>
-  <p:clrMapOvr>
-    <a:masterClrMapping/>
-  </p:clrMapOvr>
-</p:notes>
-</file>
-
-<file path=ppt/notesSlides/notesSlide10.xml><?xml version="1.0" encoding="utf-8"?>
-<p:notes xmlns:a="http://schemas.openxmlformats.org/drawingml/2006/main" xmlns:r="http://schemas.openxmlformats.org/officeDocument/2006/relationships" xmlns:p="http://schemas.openxmlformats.org/presentationml/2006/main">
-  <p:cSld>
-    <p:spTree>
-      <p:nvGrpSpPr>
-        <p:cNvPr id="1" name=""/>
-        <p:cNvGrpSpPr/>
-        <p:nvPr/>
-      </p:nvGrpSpPr>
-      <p:grpSpPr>
-        <a:xfrm>
-          <a:off x="0" y="0"/>
-          <a:ext cx="0" cy="0"/>
-          <a:chOff x="0" y="0"/>
-          <a:chExt cx="0" cy="0"/>
-        </a:xfrm>
-      </p:grpSpPr>
-      <p:sp>
-        <p:nvSpPr>
-          <p:cNvPr id="2" name="Образ слайда 1"/>
-          <p:cNvSpPr>
-            <a:spLocks noGrp="1" noRot="1" noChangeAspect="1"/>
-          </p:cNvSpPr>
-          <p:nvPr>
-            <p:ph type="sldImg"/>
-          </p:nvPr>
-        </p:nvSpPr>
-        <p:spPr/>
-      </p:sp>
-      <p:sp>
-        <p:nvSpPr>
-          <p:cNvPr id="3" name="Заметки 2"/>
-          <p:cNvSpPr>
-            <a:spLocks noGrp="1"/>
-          </p:cNvSpPr>
-          <p:nvPr>
-            <p:ph type="body" idx="1"/>
-          </p:nvPr>
-        </p:nvSpPr>
-        <p:spPr/>
-        <p:txBody>
-          <a:bodyPr/>
-          <a:lstStyle/>
-          <a:p>
-            <a:endParaRPr lang="en-US" dirty="0"/>
-          </a:p>
-        </p:txBody>
-      </p:sp>
-      <p:sp>
-        <p:nvSpPr>
-          <p:cNvPr id="4" name="Номер слайда 3"/>
-          <p:cNvSpPr>
-            <a:spLocks noGrp="1"/>
-          </p:cNvSpPr>
-          <p:nvPr>
-            <p:ph type="sldNum" sz="quarter" idx="10"/>
-          </p:nvPr>
-        </p:nvSpPr>
-        <p:spPr/>
-        <p:txBody>
-          <a:bodyPr/>
-          <a:lstStyle/>
-          <a:p>
-            <a:fld id="{72D46B67-D831-41E3-B91E-C2C1F26D8EE9}" type="slidenum">
-              <a:rPr lang="en-US" smtClean="0"/>
-              <a:t>10</a:t>
-            </a:fld>
-            <a:endParaRPr lang="en-US"/>
-          </a:p>
-        </p:txBody>
-      </p:sp>
-    </p:spTree>
-    <p:extLst>
-      <p:ext uri="{BB962C8B-B14F-4D97-AF65-F5344CB8AC3E}">
-        <p14:creationId xmlns:p14="http://schemas.microsoft.com/office/powerpoint/2010/main" val="3348862180"/>
       </p:ext>
     </p:extLst>
   </p:cSld>
@@ -707,7 +624,7 @@
           <a:p>
             <a:fld id="{72D46B67-D831-41E3-B91E-C2C1F26D8EE9}" type="slidenum">
               <a:rPr lang="en-US" smtClean="0"/>
-              <a:t>2</a:t>
+              <a:t>4</a:t>
             </a:fld>
             <a:endParaRPr lang="en-US"/>
           </a:p>
@@ -791,7 +708,7 @@
           <a:p>
             <a:fld id="{72D46B67-D831-41E3-B91E-C2C1F26D8EE9}" type="slidenum">
               <a:rPr lang="en-US" smtClean="0"/>
-              <a:t>3</a:t>
+              <a:t>5</a:t>
             </a:fld>
             <a:endParaRPr lang="en-US"/>
           </a:p>
@@ -875,7 +792,7 @@
           <a:p>
             <a:fld id="{72D46B67-D831-41E3-B91E-C2C1F26D8EE9}" type="slidenum">
               <a:rPr lang="en-US" smtClean="0"/>
-              <a:t>4</a:t>
+              <a:t>6</a:t>
             </a:fld>
             <a:endParaRPr lang="en-US"/>
           </a:p>
@@ -959,7 +876,7 @@
           <a:p>
             <a:fld id="{72D46B67-D831-41E3-B91E-C2C1F26D8EE9}" type="slidenum">
               <a:rPr lang="en-US" smtClean="0"/>
-              <a:t>5</a:t>
+              <a:t>7</a:t>
             </a:fld>
             <a:endParaRPr lang="en-US"/>
           </a:p>
@@ -1043,7 +960,7 @@
           <a:p>
             <a:fld id="{72D46B67-D831-41E3-B91E-C2C1F26D8EE9}" type="slidenum">
               <a:rPr lang="en-US" smtClean="0"/>
-              <a:t>6</a:t>
+              <a:t>8</a:t>
             </a:fld>
             <a:endParaRPr lang="en-US"/>
           </a:p>
@@ -1127,7 +1044,7 @@
           <a:p>
             <a:fld id="{72D46B67-D831-41E3-B91E-C2C1F26D8EE9}" type="slidenum">
               <a:rPr lang="en-US" smtClean="0"/>
-              <a:t>7</a:t>
+              <a:t>9</a:t>
             </a:fld>
             <a:endParaRPr lang="en-US"/>
           </a:p>
@@ -1136,7 +1053,7 @@
     </p:spTree>
     <p:extLst>
       <p:ext uri="{BB962C8B-B14F-4D97-AF65-F5344CB8AC3E}">
-        <p14:creationId xmlns:p14="http://schemas.microsoft.com/office/powerpoint/2010/main" val="1716118429"/>
+        <p14:creationId xmlns:p14="http://schemas.microsoft.com/office/powerpoint/2010/main" val="3307058428"/>
       </p:ext>
     </p:extLst>
   </p:cSld>
@@ -1211,7 +1128,7 @@
           <a:p>
             <a:fld id="{72D46B67-D831-41E3-B91E-C2C1F26D8EE9}" type="slidenum">
               <a:rPr lang="en-US" smtClean="0"/>
-              <a:t>8</a:t>
+              <a:t>10</a:t>
             </a:fld>
             <a:endParaRPr lang="en-US"/>
           </a:p>
@@ -1220,91 +1137,7 @@
     </p:spTree>
     <p:extLst>
       <p:ext uri="{BB962C8B-B14F-4D97-AF65-F5344CB8AC3E}">
-        <p14:creationId xmlns:p14="http://schemas.microsoft.com/office/powerpoint/2010/main" val="2224086683"/>
-      </p:ext>
-    </p:extLst>
-  </p:cSld>
-  <p:clrMapOvr>
-    <a:masterClrMapping/>
-  </p:clrMapOvr>
-</p:notes>
-</file>
-
-<file path=ppt/notesSlides/notesSlide9.xml><?xml version="1.0" encoding="utf-8"?>
-<p:notes xmlns:a="http://schemas.openxmlformats.org/drawingml/2006/main" xmlns:r="http://schemas.openxmlformats.org/officeDocument/2006/relationships" xmlns:p="http://schemas.openxmlformats.org/presentationml/2006/main">
-  <p:cSld>
-    <p:spTree>
-      <p:nvGrpSpPr>
-        <p:cNvPr id="1" name=""/>
-        <p:cNvGrpSpPr/>
-        <p:nvPr/>
-      </p:nvGrpSpPr>
-      <p:grpSpPr>
-        <a:xfrm>
-          <a:off x="0" y="0"/>
-          <a:ext cx="0" cy="0"/>
-          <a:chOff x="0" y="0"/>
-          <a:chExt cx="0" cy="0"/>
-        </a:xfrm>
-      </p:grpSpPr>
-      <p:sp>
-        <p:nvSpPr>
-          <p:cNvPr id="2" name="Образ слайда 1"/>
-          <p:cNvSpPr>
-            <a:spLocks noGrp="1" noRot="1" noChangeAspect="1"/>
-          </p:cNvSpPr>
-          <p:nvPr>
-            <p:ph type="sldImg"/>
-          </p:nvPr>
-        </p:nvSpPr>
-        <p:spPr/>
-      </p:sp>
-      <p:sp>
-        <p:nvSpPr>
-          <p:cNvPr id="3" name="Заметки 2"/>
-          <p:cNvSpPr>
-            <a:spLocks noGrp="1"/>
-          </p:cNvSpPr>
-          <p:nvPr>
-            <p:ph type="body" idx="1"/>
-          </p:nvPr>
-        </p:nvSpPr>
-        <p:spPr/>
-        <p:txBody>
-          <a:bodyPr/>
-          <a:lstStyle/>
-          <a:p>
-            <a:endParaRPr lang="en-US" dirty="0"/>
-          </a:p>
-        </p:txBody>
-      </p:sp>
-      <p:sp>
-        <p:nvSpPr>
-          <p:cNvPr id="4" name="Номер слайда 3"/>
-          <p:cNvSpPr>
-            <a:spLocks noGrp="1"/>
-          </p:cNvSpPr>
-          <p:nvPr>
-            <p:ph type="sldNum" sz="quarter" idx="10"/>
-          </p:nvPr>
-        </p:nvSpPr>
-        <p:spPr/>
-        <p:txBody>
-          <a:bodyPr/>
-          <a:lstStyle/>
-          <a:p>
-            <a:fld id="{72D46B67-D831-41E3-B91E-C2C1F26D8EE9}" type="slidenum">
-              <a:rPr lang="en-US" smtClean="0"/>
-              <a:t>9</a:t>
-            </a:fld>
-            <a:endParaRPr lang="en-US"/>
-          </a:p>
-        </p:txBody>
-      </p:sp>
-    </p:spTree>
-    <p:extLst>
-      <p:ext uri="{BB962C8B-B14F-4D97-AF65-F5344CB8AC3E}">
-        <p14:creationId xmlns:p14="http://schemas.microsoft.com/office/powerpoint/2010/main" val="3307058428"/>
+        <p14:creationId xmlns:p14="http://schemas.microsoft.com/office/powerpoint/2010/main" val="3348862180"/>
       </p:ext>
     </p:extLst>
   </p:cSld>
@@ -1445,7 +1278,7 @@
           <a:p>
             <a:fld id="{35EBBF67-8A33-4B3D-A6E4-49127C39A4DF}" type="datetimeFigureOut">
               <a:rPr lang="en-US" smtClean="0"/>
-              <a:t>9/18/23</a:t>
+              <a:t>1/24/24</a:t>
             </a:fld>
             <a:endParaRPr lang="en-US"/>
           </a:p>
@@ -1615,7 +1448,7 @@
           <a:p>
             <a:fld id="{35EBBF67-8A33-4B3D-A6E4-49127C39A4DF}" type="datetimeFigureOut">
               <a:rPr lang="en-US" smtClean="0"/>
-              <a:t>9/18/23</a:t>
+              <a:t>1/24/24</a:t>
             </a:fld>
             <a:endParaRPr lang="en-US"/>
           </a:p>
@@ -1795,7 +1628,7 @@
           <a:p>
             <a:fld id="{35EBBF67-8A33-4B3D-A6E4-49127C39A4DF}" type="datetimeFigureOut">
               <a:rPr lang="en-US" smtClean="0"/>
-              <a:t>9/18/23</a:t>
+              <a:t>1/24/24</a:t>
             </a:fld>
             <a:endParaRPr lang="en-US"/>
           </a:p>
@@ -1965,7 +1798,7 @@
           <a:p>
             <a:fld id="{35EBBF67-8A33-4B3D-A6E4-49127C39A4DF}" type="datetimeFigureOut">
               <a:rPr lang="en-US" smtClean="0"/>
-              <a:t>9/18/23</a:t>
+              <a:t>1/24/24</a:t>
             </a:fld>
             <a:endParaRPr lang="en-US"/>
           </a:p>
@@ -2211,7 +2044,7 @@
           <a:p>
             <a:fld id="{35EBBF67-8A33-4B3D-A6E4-49127C39A4DF}" type="datetimeFigureOut">
               <a:rPr lang="en-US" smtClean="0"/>
-              <a:t>9/18/23</a:t>
+              <a:t>1/24/24</a:t>
             </a:fld>
             <a:endParaRPr lang="en-US"/>
           </a:p>
@@ -2443,7 +2276,7 @@
           <a:p>
             <a:fld id="{35EBBF67-8A33-4B3D-A6E4-49127C39A4DF}" type="datetimeFigureOut">
               <a:rPr lang="en-US" smtClean="0"/>
-              <a:t>9/18/23</a:t>
+              <a:t>1/24/24</a:t>
             </a:fld>
             <a:endParaRPr lang="en-US"/>
           </a:p>
@@ -2810,7 +2643,7 @@
           <a:p>
             <a:fld id="{35EBBF67-8A33-4B3D-A6E4-49127C39A4DF}" type="datetimeFigureOut">
               <a:rPr lang="en-US" smtClean="0"/>
-              <a:t>9/18/23</a:t>
+              <a:t>1/24/24</a:t>
             </a:fld>
             <a:endParaRPr lang="en-US"/>
           </a:p>
@@ -2928,7 +2761,7 @@
           <a:p>
             <a:fld id="{35EBBF67-8A33-4B3D-A6E4-49127C39A4DF}" type="datetimeFigureOut">
               <a:rPr lang="en-US" smtClean="0"/>
-              <a:t>9/18/23</a:t>
+              <a:t>1/24/24</a:t>
             </a:fld>
             <a:endParaRPr lang="en-US"/>
           </a:p>
@@ -3023,7 +2856,7 @@
           <a:p>
             <a:fld id="{35EBBF67-8A33-4B3D-A6E4-49127C39A4DF}" type="datetimeFigureOut">
               <a:rPr lang="en-US" smtClean="0"/>
-              <a:t>9/18/23</a:t>
+              <a:t>1/24/24</a:t>
             </a:fld>
             <a:endParaRPr lang="en-US"/>
           </a:p>
@@ -3300,7 +3133,7 @@
           <a:p>
             <a:fld id="{35EBBF67-8A33-4B3D-A6E4-49127C39A4DF}" type="datetimeFigureOut">
               <a:rPr lang="en-US" smtClean="0"/>
-              <a:t>9/18/23</a:t>
+              <a:t>1/24/24</a:t>
             </a:fld>
             <a:endParaRPr lang="en-US"/>
           </a:p>
@@ -3553,7 +3386,7 @@
           <a:p>
             <a:fld id="{35EBBF67-8A33-4B3D-A6E4-49127C39A4DF}" type="datetimeFigureOut">
               <a:rPr lang="en-US" smtClean="0"/>
-              <a:t>9/18/23</a:t>
+              <a:t>1/24/24</a:t>
             </a:fld>
             <a:endParaRPr lang="en-US"/>
           </a:p>
@@ -3766,7 +3599,7 @@
           <a:p>
             <a:fld id="{35EBBF67-8A33-4B3D-A6E4-49127C39A4DF}" type="datetimeFigureOut">
               <a:rPr lang="en-US" smtClean="0"/>
-              <a:t>9/18/23</a:t>
+              <a:t>1/24/24</a:t>
             </a:fld>
             <a:endParaRPr lang="en-US"/>
           </a:p>
@@ -4157,6 +3990,17 @@
 <file path=ppt/slides/slide1.xml><?xml version="1.0" encoding="utf-8"?>
 <p:sld xmlns:a="http://schemas.openxmlformats.org/drawingml/2006/main" xmlns:r="http://schemas.openxmlformats.org/officeDocument/2006/relationships" xmlns:p="http://schemas.openxmlformats.org/presentationml/2006/main">
   <p:cSld>
+    <p:bg>
+      <p:bgPr>
+        <a:solidFill>
+          <a:schemeClr val="bg1">
+            <a:tint val="95000"/>
+            <a:satMod val="170000"/>
+          </a:schemeClr>
+        </a:solidFill>
+        <a:effectLst/>
+      </p:bgPr>
+    </p:bg>
     <p:spTree>
       <p:nvGrpSpPr>
         <p:cNvPr id="1" name=""/>
@@ -4173,6 +4017,568 @@
       </p:grpSpPr>
       <p:sp>
         <p:nvSpPr>
+          <p:cNvPr id="7" name="Freeform: Shape 6">
+            <a:extLst>
+              <a:ext uri="{FF2B5EF4-FFF2-40B4-BE49-F238E27FC236}">
+                <a16:creationId xmlns:a16="http://schemas.microsoft.com/office/drawing/2014/main" id="{66B332A4-D438-4773-A77F-5ED49A448D9D}"/>
+              </a:ext>
+              <a:ext uri="{C183D7F6-B498-43B3-948B-1728B52AA6E4}">
+                <adec:decorative xmlns:adec="http://schemas.microsoft.com/office/drawing/2017/decorative" val="1"/>
+              </a:ext>
+            </a:extLst>
+          </p:cNvPr>
+          <p:cNvSpPr>
+            <a:spLocks noGrp="1" noRot="1" noChangeAspect="1" noMove="1" noResize="1" noEditPoints="1" noAdjustHandles="1" noChangeArrowheads="1" noChangeShapeType="1" noTextEdit="1"/>
+          </p:cNvSpPr>
+          <p:nvPr>
+            <p:extLst>
+              <p:ext uri="{386F3935-93C4-4BCD-93E2-E3B085C9AB24}">
+                <p16:designElem xmlns:p16="http://schemas.microsoft.com/office/powerpoint/2015/main" val="1"/>
+              </p:ext>
+            </p:extLst>
+          </p:nvPr>
+        </p:nvSpPr>
+        <p:spPr>
+          <a:xfrm>
+            <a:off x="1953768" y="0"/>
+            <a:ext cx="8284464" cy="6858000"/>
+          </a:xfrm>
+          <a:custGeom>
+            <a:avLst/>
+            <a:gdLst>
+              <a:gd name="connsiteX0" fmla="*/ 1818109 w 8284464"/>
+              <a:gd name="connsiteY0" fmla="*/ 0 h 6858000"/>
+              <a:gd name="connsiteX1" fmla="*/ 6466355 w 8284464"/>
+              <a:gd name="connsiteY1" fmla="*/ 0 h 6858000"/>
+              <a:gd name="connsiteX2" fmla="*/ 6620596 w 8284464"/>
+              <a:gd name="connsiteY2" fmla="*/ 109683 h 6858000"/>
+              <a:gd name="connsiteX3" fmla="*/ 8284464 w 8284464"/>
+              <a:gd name="connsiteY3" fmla="*/ 3429000 h 6858000"/>
+              <a:gd name="connsiteX4" fmla="*/ 6620596 w 8284464"/>
+              <a:gd name="connsiteY4" fmla="*/ 6748318 h 6858000"/>
+              <a:gd name="connsiteX5" fmla="*/ 6466355 w 8284464"/>
+              <a:gd name="connsiteY5" fmla="*/ 6858000 h 6858000"/>
+              <a:gd name="connsiteX6" fmla="*/ 1818109 w 8284464"/>
+              <a:gd name="connsiteY6" fmla="*/ 6858000 h 6858000"/>
+              <a:gd name="connsiteX7" fmla="*/ 1663869 w 8284464"/>
+              <a:gd name="connsiteY7" fmla="*/ 6748318 h 6858000"/>
+              <a:gd name="connsiteX8" fmla="*/ 0 w 8284464"/>
+              <a:gd name="connsiteY8" fmla="*/ 3429000 h 6858000"/>
+              <a:gd name="connsiteX9" fmla="*/ 1663869 w 8284464"/>
+              <a:gd name="connsiteY9" fmla="*/ 109683 h 6858000"/>
+            </a:gdLst>
+            <a:ahLst/>
+            <a:cxnLst>
+              <a:cxn ang="0">
+                <a:pos x="connsiteX0" y="connsiteY0"/>
+              </a:cxn>
+              <a:cxn ang="0">
+                <a:pos x="connsiteX1" y="connsiteY1"/>
+              </a:cxn>
+              <a:cxn ang="0">
+                <a:pos x="connsiteX2" y="connsiteY2"/>
+              </a:cxn>
+              <a:cxn ang="0">
+                <a:pos x="connsiteX3" y="connsiteY3"/>
+              </a:cxn>
+              <a:cxn ang="0">
+                <a:pos x="connsiteX4" y="connsiteY4"/>
+              </a:cxn>
+              <a:cxn ang="0">
+                <a:pos x="connsiteX5" y="connsiteY5"/>
+              </a:cxn>
+              <a:cxn ang="0">
+                <a:pos x="connsiteX6" y="connsiteY6"/>
+              </a:cxn>
+              <a:cxn ang="0">
+                <a:pos x="connsiteX7" y="connsiteY7"/>
+              </a:cxn>
+              <a:cxn ang="0">
+                <a:pos x="connsiteX8" y="connsiteY8"/>
+              </a:cxn>
+              <a:cxn ang="0">
+                <a:pos x="connsiteX9" y="connsiteY9"/>
+              </a:cxn>
+            </a:cxnLst>
+            <a:rect l="l" t="t" r="r" b="b"/>
+            <a:pathLst>
+              <a:path w="8284464" h="6858000">
+                <a:moveTo>
+                  <a:pt x="1818109" y="0"/>
+                </a:moveTo>
+                <a:lnTo>
+                  <a:pt x="6466355" y="0"/>
+                </a:lnTo>
+                <a:lnTo>
+                  <a:pt x="6620596" y="109683"/>
+                </a:lnTo>
+                <a:cubicBezTo>
+                  <a:pt x="7630666" y="865069"/>
+                  <a:pt x="8284464" y="2070683"/>
+                  <a:pt x="8284464" y="3429000"/>
+                </a:cubicBezTo>
+                <a:cubicBezTo>
+                  <a:pt x="8284464" y="4787317"/>
+                  <a:pt x="7630666" y="5992931"/>
+                  <a:pt x="6620596" y="6748318"/>
+                </a:cubicBezTo>
+                <a:lnTo>
+                  <a:pt x="6466355" y="6858000"/>
+                </a:lnTo>
+                <a:lnTo>
+                  <a:pt x="1818109" y="6858000"/>
+                </a:lnTo>
+                <a:lnTo>
+                  <a:pt x="1663869" y="6748318"/>
+                </a:lnTo>
+                <a:cubicBezTo>
+                  <a:pt x="653798" y="5992931"/>
+                  <a:pt x="0" y="4787317"/>
+                  <a:pt x="0" y="3429000"/>
+                </a:cubicBezTo>
+                <a:cubicBezTo>
+                  <a:pt x="0" y="2070683"/>
+                  <a:pt x="653798" y="865069"/>
+                  <a:pt x="1663869" y="109683"/>
+                </a:cubicBezTo>
+                <a:close/>
+              </a:path>
+            </a:pathLst>
+          </a:custGeom>
+          <a:solidFill>
+            <a:srgbClr val="FFFFFF">
+              <a:alpha val="80000"/>
+            </a:srgbClr>
+          </a:solidFill>
+          <a:ln>
+            <a:noFill/>
+          </a:ln>
+        </p:spPr>
+        <p:style>
+          <a:lnRef idx="2">
+            <a:schemeClr val="accent1">
+              <a:shade val="50000"/>
+            </a:schemeClr>
+          </a:lnRef>
+          <a:fillRef idx="1">
+            <a:schemeClr val="accent1"/>
+          </a:fillRef>
+          <a:effectRef idx="0">
+            <a:schemeClr val="accent1"/>
+          </a:effectRef>
+          <a:fontRef idx="minor">
+            <a:schemeClr val="lt1"/>
+          </a:fontRef>
+        </p:style>
+        <p:txBody>
+          <a:bodyPr wrap="square" rtlCol="0" anchor="ctr">
+            <a:noAutofit/>
+          </a:bodyPr>
+          <a:lstStyle/>
+          <a:p>
+            <a:pPr algn="ctr"/>
+            <a:endParaRPr lang="en-US"/>
+          </a:p>
+        </p:txBody>
+      </p:sp>
+      <p:sp>
+        <p:nvSpPr>
+          <p:cNvPr id="9" name="Freeform: Shape 8">
+            <a:extLst>
+              <a:ext uri="{FF2B5EF4-FFF2-40B4-BE49-F238E27FC236}">
+                <a16:creationId xmlns:a16="http://schemas.microsoft.com/office/drawing/2014/main" id="{DF9AD32D-FF05-44F4-BD4D-9CEE89B71EB9}"/>
+              </a:ext>
+              <a:ext uri="{C183D7F6-B498-43B3-948B-1728B52AA6E4}">
+                <adec:decorative xmlns:adec="http://schemas.microsoft.com/office/drawing/2017/decorative" val="1"/>
+              </a:ext>
+            </a:extLst>
+          </p:cNvPr>
+          <p:cNvSpPr>
+            <a:spLocks noGrp="1" noRot="1" noChangeAspect="1" noMove="1" noResize="1" noEditPoints="1" noAdjustHandles="1" noChangeArrowheads="1" noChangeShapeType="1" noTextEdit="1"/>
+          </p:cNvSpPr>
+          <p:nvPr>
+            <p:extLst>
+              <p:ext uri="{386F3935-93C4-4BCD-93E2-E3B085C9AB24}">
+                <p16:designElem xmlns:p16="http://schemas.microsoft.com/office/powerpoint/2015/main" val="1"/>
+              </p:ext>
+            </p:extLst>
+          </p:nvPr>
+        </p:nvSpPr>
+        <p:spPr>
+          <a:xfrm>
+            <a:off x="2118360" y="0"/>
+            <a:ext cx="7955280" cy="6858000"/>
+          </a:xfrm>
+          <a:custGeom>
+            <a:avLst/>
+            <a:gdLst>
+              <a:gd name="connsiteX0" fmla="*/ 1962423 w 7955280"/>
+              <a:gd name="connsiteY0" fmla="*/ 0 h 6858000"/>
+              <a:gd name="connsiteX1" fmla="*/ 5992858 w 7955280"/>
+              <a:gd name="connsiteY1" fmla="*/ 0 h 6858000"/>
+              <a:gd name="connsiteX2" fmla="*/ 6040191 w 7955280"/>
+              <a:gd name="connsiteY2" fmla="*/ 27216 h 6858000"/>
+              <a:gd name="connsiteX3" fmla="*/ 7955280 w 7955280"/>
+              <a:gd name="connsiteY3" fmla="*/ 3429000 h 6858000"/>
+              <a:gd name="connsiteX4" fmla="*/ 6040191 w 7955280"/>
+              <a:gd name="connsiteY4" fmla="*/ 6830784 h 6858000"/>
+              <a:gd name="connsiteX5" fmla="*/ 5992858 w 7955280"/>
+              <a:gd name="connsiteY5" fmla="*/ 6858000 h 6858000"/>
+              <a:gd name="connsiteX6" fmla="*/ 1962423 w 7955280"/>
+              <a:gd name="connsiteY6" fmla="*/ 6858000 h 6858000"/>
+              <a:gd name="connsiteX7" fmla="*/ 1915089 w 7955280"/>
+              <a:gd name="connsiteY7" fmla="*/ 6830784 h 6858000"/>
+              <a:gd name="connsiteX8" fmla="*/ 0 w 7955280"/>
+              <a:gd name="connsiteY8" fmla="*/ 3429000 h 6858000"/>
+              <a:gd name="connsiteX9" fmla="*/ 1915089 w 7955280"/>
+              <a:gd name="connsiteY9" fmla="*/ 27216 h 6858000"/>
+            </a:gdLst>
+            <a:ahLst/>
+            <a:cxnLst>
+              <a:cxn ang="0">
+                <a:pos x="connsiteX0" y="connsiteY0"/>
+              </a:cxn>
+              <a:cxn ang="0">
+                <a:pos x="connsiteX1" y="connsiteY1"/>
+              </a:cxn>
+              <a:cxn ang="0">
+                <a:pos x="connsiteX2" y="connsiteY2"/>
+              </a:cxn>
+              <a:cxn ang="0">
+                <a:pos x="connsiteX3" y="connsiteY3"/>
+              </a:cxn>
+              <a:cxn ang="0">
+                <a:pos x="connsiteX4" y="connsiteY4"/>
+              </a:cxn>
+              <a:cxn ang="0">
+                <a:pos x="connsiteX5" y="connsiteY5"/>
+              </a:cxn>
+              <a:cxn ang="0">
+                <a:pos x="connsiteX6" y="connsiteY6"/>
+              </a:cxn>
+              <a:cxn ang="0">
+                <a:pos x="connsiteX7" y="connsiteY7"/>
+              </a:cxn>
+              <a:cxn ang="0">
+                <a:pos x="connsiteX8" y="connsiteY8"/>
+              </a:cxn>
+              <a:cxn ang="0">
+                <a:pos x="connsiteX9" y="connsiteY9"/>
+              </a:cxn>
+            </a:cxnLst>
+            <a:rect l="l" t="t" r="r" b="b"/>
+            <a:pathLst>
+              <a:path w="7955280" h="6858000">
+                <a:moveTo>
+                  <a:pt x="1962423" y="0"/>
+                </a:moveTo>
+                <a:lnTo>
+                  <a:pt x="5992858" y="0"/>
+                </a:lnTo>
+                <a:lnTo>
+                  <a:pt x="6040191" y="27216"/>
+                </a:lnTo>
+                <a:cubicBezTo>
+                  <a:pt x="7188332" y="724844"/>
+                  <a:pt x="7955280" y="1987357"/>
+                  <a:pt x="7955280" y="3429000"/>
+                </a:cubicBezTo>
+                <a:cubicBezTo>
+                  <a:pt x="7955280" y="4870644"/>
+                  <a:pt x="7188332" y="6133157"/>
+                  <a:pt x="6040191" y="6830784"/>
+                </a:cubicBezTo>
+                <a:lnTo>
+                  <a:pt x="5992858" y="6858000"/>
+                </a:lnTo>
+                <a:lnTo>
+                  <a:pt x="1962423" y="6858000"/>
+                </a:lnTo>
+                <a:lnTo>
+                  <a:pt x="1915089" y="6830784"/>
+                </a:lnTo>
+                <a:cubicBezTo>
+                  <a:pt x="766948" y="6133157"/>
+                  <a:pt x="0" y="4870644"/>
+                  <a:pt x="0" y="3429000"/>
+                </a:cubicBezTo>
+                <a:cubicBezTo>
+                  <a:pt x="0" y="1987357"/>
+                  <a:pt x="766948" y="724844"/>
+                  <a:pt x="1915089" y="27216"/>
+                </a:cubicBezTo>
+                <a:close/>
+              </a:path>
+            </a:pathLst>
+          </a:custGeom>
+          <a:solidFill>
+            <a:schemeClr val="tx1"/>
+          </a:solidFill>
+          <a:ln>
+            <a:noFill/>
+          </a:ln>
+        </p:spPr>
+        <p:style>
+          <a:lnRef idx="2">
+            <a:schemeClr val="accent1">
+              <a:shade val="50000"/>
+            </a:schemeClr>
+          </a:lnRef>
+          <a:fillRef idx="1">
+            <a:schemeClr val="accent1"/>
+          </a:fillRef>
+          <a:effectRef idx="0">
+            <a:schemeClr val="accent1"/>
+          </a:effectRef>
+          <a:fontRef idx="minor">
+            <a:schemeClr val="lt1"/>
+          </a:fontRef>
+        </p:style>
+        <p:txBody>
+          <a:bodyPr wrap="square" rtlCol="0" anchor="ctr">
+            <a:noAutofit/>
+          </a:bodyPr>
+          <a:lstStyle/>
+          <a:p>
+            <a:pPr algn="ctr"/>
+            <a:endParaRPr lang="en-US"/>
+          </a:p>
+        </p:txBody>
+      </p:sp>
+      <p:sp>
+        <p:nvSpPr>
+          <p:cNvPr id="2" name="Title 1">
+            <a:extLst>
+              <a:ext uri="{FF2B5EF4-FFF2-40B4-BE49-F238E27FC236}">
+                <a16:creationId xmlns:a16="http://schemas.microsoft.com/office/drawing/2014/main" id="{61CB2E7F-EC04-6F45-1D45-228CE6D98BB3}"/>
+              </a:ext>
+            </a:extLst>
+          </p:cNvPr>
+          <p:cNvSpPr>
+            <a:spLocks noGrp="1"/>
+          </p:cNvSpPr>
+          <p:nvPr>
+            <p:ph type="ctrTitle"/>
+          </p:nvPr>
+        </p:nvSpPr>
+        <p:spPr>
+          <a:xfrm>
+            <a:off x="2555631" y="1441938"/>
+            <a:ext cx="7080738" cy="3974124"/>
+          </a:xfrm>
+        </p:spPr>
+        <p:txBody>
+          <a:bodyPr vert="horz" lIns="91440" tIns="45720" rIns="91440" bIns="45720" rtlCol="0" anchor="ctr">
+            <a:normAutofit/>
+          </a:bodyPr>
+          <a:lstStyle/>
+          <a:p>
+            <a:r>
+              <a:rPr lang="en-US" sz="5400">
+                <a:solidFill>
+                  <a:schemeClr val="bg1">
+                    <a:lumMod val="95000"/>
+                    <a:lumOff val="5000"/>
+                  </a:schemeClr>
+                </a:solidFill>
+              </a:rPr>
+              <a:t>AWS Batch</a:t>
+            </a:r>
+          </a:p>
+        </p:txBody>
+      </p:sp>
+    </p:spTree>
+    <p:extLst>
+      <p:ext uri="{BB962C8B-B14F-4D97-AF65-F5344CB8AC3E}">
+        <p14:creationId xmlns:p14="http://schemas.microsoft.com/office/powerpoint/2010/main" val="703736004"/>
+      </p:ext>
+    </p:extLst>
+  </p:cSld>
+  <p:clrMapOvr>
+    <a:overrideClrMapping bg1="dk1" tx1="lt1" bg2="dk2" tx2="lt2" accent1="accent1" accent2="accent2" accent3="accent3" accent4="accent4" accent5="accent5" accent6="accent6" hlink="hlink" folHlink="folHlink"/>
+  </p:clrMapOvr>
+  <p:timing>
+    <p:tnLst>
+      <p:par>
+        <p:cTn id="1" dur="indefinite" restart="never" nodeType="tmRoot">
+          <p:childTnLst>
+            <p:seq concurrent="1" nextAc="seek">
+              <p:cTn id="2" dur="indefinite" nodeType="mainSeq">
+                <p:childTnLst>
+                  <p:par>
+                    <p:cTn id="3" fill="hold">
+                      <p:stCondLst>
+                        <p:cond delay="indefinite"/>
+                        <p:cond evt="onBegin" delay="0">
+                          <p:tn val="2"/>
+                        </p:cond>
+                      </p:stCondLst>
+                      <p:childTnLst>
+                        <p:par>
+                          <p:cTn id="4" fill="hold">
+                            <p:stCondLst>
+                              <p:cond delay="0"/>
+                            </p:stCondLst>
+                            <p:childTnLst>
+                              <p:par>
+                                <p:cTn id="5" presetID="10" presetClass="entr" presetSubtype="0" fill="hold" grpId="0" nodeType="withEffect">
+                                  <p:stCondLst>
+                                    <p:cond delay="500"/>
+                                  </p:stCondLst>
+                                  <p:iterate type="lt">
+                                    <p:tmPct val="10000"/>
+                                  </p:iterate>
+                                  <p:childTnLst>
+                                    <p:set>
+                                      <p:cBhvr>
+                                        <p:cTn id="6" dur="1" fill="hold">
+                                          <p:stCondLst>
+                                            <p:cond delay="0"/>
+                                          </p:stCondLst>
+                                        </p:cTn>
+                                        <p:tgtEl>
+                                          <p:spTgt spid="2"/>
+                                        </p:tgtEl>
+                                        <p:attrNameLst>
+                                          <p:attrName>style.visibility</p:attrName>
+                                        </p:attrNameLst>
+                                      </p:cBhvr>
+                                      <p:to>
+                                        <p:strVal val="visible"/>
+                                      </p:to>
+                                    </p:set>
+                                    <p:animEffect transition="in" filter="fade">
+                                      <p:cBhvr>
+                                        <p:cTn id="7" dur="400"/>
+                                        <p:tgtEl>
+                                          <p:spTgt spid="2"/>
+                                        </p:tgtEl>
+                                      </p:cBhvr>
+                                    </p:animEffect>
+                                  </p:childTnLst>
+                                </p:cTn>
+                              </p:par>
+                            </p:childTnLst>
+                          </p:cTn>
+                        </p:par>
+                      </p:childTnLst>
+                    </p:cTn>
+                  </p:par>
+                </p:childTnLst>
+              </p:cTn>
+              <p:prevCondLst>
+                <p:cond evt="onPrev" delay="0">
+                  <p:tgtEl>
+                    <p:sldTgt/>
+                  </p:tgtEl>
+                </p:cond>
+              </p:prevCondLst>
+              <p:nextCondLst>
+                <p:cond evt="onNext" delay="0">
+                  <p:tgtEl>
+                    <p:sldTgt/>
+                  </p:tgtEl>
+                </p:cond>
+              </p:nextCondLst>
+            </p:seq>
+          </p:childTnLst>
+        </p:cTn>
+      </p:par>
+    </p:tnLst>
+    <p:bldLst>
+      <p:bldP spid="2" grpId="0"/>
+    </p:bldLst>
+  </p:timing>
+</p:sld>
+</file>
+
+<file path=ppt/slides/slide10.xml><?xml version="1.0" encoding="utf-8"?>
+<p:sld xmlns:a="http://schemas.openxmlformats.org/drawingml/2006/main" xmlns:r="http://schemas.openxmlformats.org/officeDocument/2006/relationships" xmlns:p="http://schemas.openxmlformats.org/presentationml/2006/main">
+  <p:cSld>
+    <p:bg>
+      <p:bgPr>
+        <a:solidFill>
+          <a:schemeClr val="bg1"/>
+        </a:solidFill>
+        <a:effectLst/>
+      </p:bgPr>
+    </p:bg>
+    <p:spTree>
+      <p:nvGrpSpPr>
+        <p:cNvPr id="1" name=""/>
+        <p:cNvGrpSpPr/>
+        <p:nvPr/>
+      </p:nvGrpSpPr>
+      <p:grpSpPr>
+        <a:xfrm>
+          <a:off x="0" y="0"/>
+          <a:ext cx="0" cy="0"/>
+          <a:chOff x="0" y="0"/>
+          <a:chExt cx="0" cy="0"/>
+        </a:xfrm>
+      </p:grpSpPr>
+      <p:sp useBgFill="1">
+        <p:nvSpPr>
+          <p:cNvPr id="8" name="Rectangle 7">
+            <a:extLst>
+              <a:ext uri="{FF2B5EF4-FFF2-40B4-BE49-F238E27FC236}">
+                <a16:creationId xmlns:a16="http://schemas.microsoft.com/office/drawing/2014/main" id="{100EDD19-6802-4EC3-95CE-CFFAB042CFD6}"/>
+              </a:ext>
+              <a:ext uri="{C183D7F6-B498-43B3-948B-1728B52AA6E4}">
+                <adec:decorative xmlns:adec="http://schemas.microsoft.com/office/drawing/2017/decorative" val="1"/>
+              </a:ext>
+            </a:extLst>
+          </p:cNvPr>
+          <p:cNvSpPr>
+            <a:spLocks noGrp="1" noRot="1" noChangeAspect="1" noMove="1" noResize="1" noEditPoints="1" noAdjustHandles="1" noChangeArrowheads="1" noChangeShapeType="1" noTextEdit="1"/>
+          </p:cNvSpPr>
+          <p:nvPr>
+            <p:extLst>
+              <p:ext uri="{386F3935-93C4-4BCD-93E2-E3B085C9AB24}">
+                <p16:designElem xmlns:p16="http://schemas.microsoft.com/office/powerpoint/2015/main" val="1"/>
+              </p:ext>
+            </p:extLst>
+          </p:nvPr>
+        </p:nvSpPr>
+        <p:spPr>
+          <a:xfrm>
+            <a:off x="0" y="0"/>
+            <a:ext cx="12188952" cy="6858000"/>
+          </a:xfrm>
+          <a:prstGeom prst="rect">
+            <a:avLst/>
+          </a:prstGeom>
+          <a:ln>
+            <a:noFill/>
+          </a:ln>
+        </p:spPr>
+        <p:style>
+          <a:lnRef idx="2">
+            <a:schemeClr val="accent1">
+              <a:shade val="50000"/>
+            </a:schemeClr>
+          </a:lnRef>
+          <a:fillRef idx="1">
+            <a:schemeClr val="accent1"/>
+          </a:fillRef>
+          <a:effectRef idx="0">
+            <a:schemeClr val="accent1"/>
+          </a:effectRef>
+          <a:fontRef idx="minor">
+            <a:schemeClr val="lt1"/>
+          </a:fontRef>
+        </p:style>
+        <p:txBody>
+          <a:bodyPr rtlCol="0" anchor="ctr"/>
+          <a:lstStyle/>
+          <a:p>
+            <a:pPr algn="ctr"/>
+            <a:endParaRPr lang="en-US"/>
+          </a:p>
+        </p:txBody>
+      </p:sp>
+      <p:sp>
+        <p:nvSpPr>
           <p:cNvPr id="2" name="Заголовок 1"/>
           <p:cNvSpPr>
             <a:spLocks noGrp="1"/>
@@ -4181,7 +4587,983 @@
             <p:ph type="title"/>
           </p:nvPr>
         </p:nvSpPr>
-        <p:spPr/>
+        <p:spPr>
+          <a:xfrm>
+            <a:off x="838200" y="365125"/>
+            <a:ext cx="10515600" cy="1325563"/>
+          </a:xfrm>
+        </p:spPr>
+        <p:txBody>
+          <a:bodyPr vert="horz" lIns="91440" tIns="45720" rIns="91440" bIns="45720" rtlCol="0" anchor="ctr">
+            <a:normAutofit/>
+          </a:bodyPr>
+          <a:lstStyle/>
+          <a:p>
+            <a:r>
+              <a:rPr lang="en-US" sz="5400" kern="1200">
+                <a:solidFill>
+                  <a:schemeClr val="tx1"/>
+                </a:solidFill>
+                <a:latin typeface="+mj-lt"/>
+                <a:ea typeface="+mj-ea"/>
+                <a:cs typeface="+mj-cs"/>
+              </a:rPr>
+              <a:t>AWS Batch Monitoring</a:t>
+            </a:r>
+          </a:p>
+        </p:txBody>
+      </p:sp>
+      <p:sp>
+        <p:nvSpPr>
+          <p:cNvPr id="10" name="sketch line">
+            <a:extLst>
+              <a:ext uri="{FF2B5EF4-FFF2-40B4-BE49-F238E27FC236}">
+                <a16:creationId xmlns:a16="http://schemas.microsoft.com/office/drawing/2014/main" id="{DB17E863-922E-4C26-BD64-E8FD41D28661}"/>
+              </a:ext>
+              <a:ext uri="{C183D7F6-B498-43B3-948B-1728B52AA6E4}">
+                <adec:decorative xmlns:adec="http://schemas.microsoft.com/office/drawing/2017/decorative" val="1"/>
+              </a:ext>
+            </a:extLst>
+          </p:cNvPr>
+          <p:cNvSpPr>
+            <a:spLocks noGrp="1" noRot="1" noChangeAspect="1" noMove="1" noResize="1" noEditPoints="1" noAdjustHandles="1" noChangeArrowheads="1" noChangeShapeType="1" noTextEdit="1"/>
+          </p:cNvSpPr>
+          <p:nvPr>
+            <p:extLst>
+              <p:ext uri="{386F3935-93C4-4BCD-93E2-E3B085C9AB24}">
+                <p16:designElem xmlns:p16="http://schemas.microsoft.com/office/powerpoint/2015/main" val="1"/>
+              </p:ext>
+            </p:extLst>
+          </p:nvPr>
+        </p:nvSpPr>
+        <p:spPr>
+          <a:xfrm>
+            <a:off x="669036" y="1677373"/>
+            <a:ext cx="10853928" cy="18288"/>
+          </a:xfrm>
+          <a:custGeom>
+            <a:avLst/>
+            <a:gdLst>
+              <a:gd name="connsiteX0" fmla="*/ 0 w 10853928"/>
+              <a:gd name="connsiteY0" fmla="*/ 0 h 18288"/>
+              <a:gd name="connsiteX1" fmla="*/ 461292 w 10853928"/>
+              <a:gd name="connsiteY1" fmla="*/ 0 h 18288"/>
+              <a:gd name="connsiteX2" fmla="*/ 1139662 w 10853928"/>
+              <a:gd name="connsiteY2" fmla="*/ 0 h 18288"/>
+              <a:gd name="connsiteX3" fmla="*/ 1926572 w 10853928"/>
+              <a:gd name="connsiteY3" fmla="*/ 0 h 18288"/>
+              <a:gd name="connsiteX4" fmla="*/ 2279325 w 10853928"/>
+              <a:gd name="connsiteY4" fmla="*/ 0 h 18288"/>
+              <a:gd name="connsiteX5" fmla="*/ 2632078 w 10853928"/>
+              <a:gd name="connsiteY5" fmla="*/ 0 h 18288"/>
+              <a:gd name="connsiteX6" fmla="*/ 3527527 w 10853928"/>
+              <a:gd name="connsiteY6" fmla="*/ 0 h 18288"/>
+              <a:gd name="connsiteX7" fmla="*/ 4205897 w 10853928"/>
+              <a:gd name="connsiteY7" fmla="*/ 0 h 18288"/>
+              <a:gd name="connsiteX8" fmla="*/ 4558650 w 10853928"/>
+              <a:gd name="connsiteY8" fmla="*/ 0 h 18288"/>
+              <a:gd name="connsiteX9" fmla="*/ 5237020 w 10853928"/>
+              <a:gd name="connsiteY9" fmla="*/ 0 h 18288"/>
+              <a:gd name="connsiteX10" fmla="*/ 6132469 w 10853928"/>
+              <a:gd name="connsiteY10" fmla="*/ 0 h 18288"/>
+              <a:gd name="connsiteX11" fmla="*/ 6702301 w 10853928"/>
+              <a:gd name="connsiteY11" fmla="*/ 0 h 18288"/>
+              <a:gd name="connsiteX12" fmla="*/ 7272132 w 10853928"/>
+              <a:gd name="connsiteY12" fmla="*/ 0 h 18288"/>
+              <a:gd name="connsiteX13" fmla="*/ 7950502 w 10853928"/>
+              <a:gd name="connsiteY13" fmla="*/ 0 h 18288"/>
+              <a:gd name="connsiteX14" fmla="*/ 8737412 w 10853928"/>
+              <a:gd name="connsiteY14" fmla="*/ 0 h 18288"/>
+              <a:gd name="connsiteX15" fmla="*/ 9524322 w 10853928"/>
+              <a:gd name="connsiteY15" fmla="*/ 0 h 18288"/>
+              <a:gd name="connsiteX16" fmla="*/ 10853928 w 10853928"/>
+              <a:gd name="connsiteY16" fmla="*/ 0 h 18288"/>
+              <a:gd name="connsiteX17" fmla="*/ 10853928 w 10853928"/>
+              <a:gd name="connsiteY17" fmla="*/ 18288 h 18288"/>
+              <a:gd name="connsiteX18" fmla="*/ 10392636 w 10853928"/>
+              <a:gd name="connsiteY18" fmla="*/ 18288 h 18288"/>
+              <a:gd name="connsiteX19" fmla="*/ 9497187 w 10853928"/>
+              <a:gd name="connsiteY19" fmla="*/ 18288 h 18288"/>
+              <a:gd name="connsiteX20" fmla="*/ 8818817 w 10853928"/>
+              <a:gd name="connsiteY20" fmla="*/ 18288 h 18288"/>
+              <a:gd name="connsiteX21" fmla="*/ 8466064 w 10853928"/>
+              <a:gd name="connsiteY21" fmla="*/ 18288 h 18288"/>
+              <a:gd name="connsiteX22" fmla="*/ 7787693 w 10853928"/>
+              <a:gd name="connsiteY22" fmla="*/ 18288 h 18288"/>
+              <a:gd name="connsiteX23" fmla="*/ 7217862 w 10853928"/>
+              <a:gd name="connsiteY23" fmla="*/ 18288 h 18288"/>
+              <a:gd name="connsiteX24" fmla="*/ 6648031 w 10853928"/>
+              <a:gd name="connsiteY24" fmla="*/ 18288 h 18288"/>
+              <a:gd name="connsiteX25" fmla="*/ 6078200 w 10853928"/>
+              <a:gd name="connsiteY25" fmla="*/ 18288 h 18288"/>
+              <a:gd name="connsiteX26" fmla="*/ 5508368 w 10853928"/>
+              <a:gd name="connsiteY26" fmla="*/ 18288 h 18288"/>
+              <a:gd name="connsiteX27" fmla="*/ 4721459 w 10853928"/>
+              <a:gd name="connsiteY27" fmla="*/ 18288 h 18288"/>
+              <a:gd name="connsiteX28" fmla="*/ 4043088 w 10853928"/>
+              <a:gd name="connsiteY28" fmla="*/ 18288 h 18288"/>
+              <a:gd name="connsiteX29" fmla="*/ 3690336 w 10853928"/>
+              <a:gd name="connsiteY29" fmla="*/ 18288 h 18288"/>
+              <a:gd name="connsiteX30" fmla="*/ 3120504 w 10853928"/>
+              <a:gd name="connsiteY30" fmla="*/ 18288 h 18288"/>
+              <a:gd name="connsiteX31" fmla="*/ 2333595 w 10853928"/>
+              <a:gd name="connsiteY31" fmla="*/ 18288 h 18288"/>
+              <a:gd name="connsiteX32" fmla="*/ 1872303 w 10853928"/>
+              <a:gd name="connsiteY32" fmla="*/ 18288 h 18288"/>
+              <a:gd name="connsiteX33" fmla="*/ 976854 w 10853928"/>
+              <a:gd name="connsiteY33" fmla="*/ 18288 h 18288"/>
+              <a:gd name="connsiteX34" fmla="*/ 0 w 10853928"/>
+              <a:gd name="connsiteY34" fmla="*/ 18288 h 18288"/>
+              <a:gd name="connsiteX35" fmla="*/ 0 w 10853928"/>
+              <a:gd name="connsiteY35" fmla="*/ 0 h 18288"/>
+            </a:gdLst>
+            <a:ahLst/>
+            <a:cxnLst>
+              <a:cxn ang="0">
+                <a:pos x="connsiteX0" y="connsiteY0"/>
+              </a:cxn>
+              <a:cxn ang="0">
+                <a:pos x="connsiteX1" y="connsiteY1"/>
+              </a:cxn>
+              <a:cxn ang="0">
+                <a:pos x="connsiteX2" y="connsiteY2"/>
+              </a:cxn>
+              <a:cxn ang="0">
+                <a:pos x="connsiteX3" y="connsiteY3"/>
+              </a:cxn>
+              <a:cxn ang="0">
+                <a:pos x="connsiteX4" y="connsiteY4"/>
+              </a:cxn>
+              <a:cxn ang="0">
+                <a:pos x="connsiteX5" y="connsiteY5"/>
+              </a:cxn>
+              <a:cxn ang="0">
+                <a:pos x="connsiteX6" y="connsiteY6"/>
+              </a:cxn>
+              <a:cxn ang="0">
+                <a:pos x="connsiteX7" y="connsiteY7"/>
+              </a:cxn>
+              <a:cxn ang="0">
+                <a:pos x="connsiteX8" y="connsiteY8"/>
+              </a:cxn>
+              <a:cxn ang="0">
+                <a:pos x="connsiteX9" y="connsiteY9"/>
+              </a:cxn>
+              <a:cxn ang="0">
+                <a:pos x="connsiteX10" y="connsiteY10"/>
+              </a:cxn>
+              <a:cxn ang="0">
+                <a:pos x="connsiteX11" y="connsiteY11"/>
+              </a:cxn>
+              <a:cxn ang="0">
+                <a:pos x="connsiteX12" y="connsiteY12"/>
+              </a:cxn>
+              <a:cxn ang="0">
+                <a:pos x="connsiteX13" y="connsiteY13"/>
+              </a:cxn>
+              <a:cxn ang="0">
+                <a:pos x="connsiteX14" y="connsiteY14"/>
+              </a:cxn>
+              <a:cxn ang="0">
+                <a:pos x="connsiteX15" y="connsiteY15"/>
+              </a:cxn>
+              <a:cxn ang="0">
+                <a:pos x="connsiteX16" y="connsiteY16"/>
+              </a:cxn>
+              <a:cxn ang="0">
+                <a:pos x="connsiteX17" y="connsiteY17"/>
+              </a:cxn>
+              <a:cxn ang="0">
+                <a:pos x="connsiteX18" y="connsiteY18"/>
+              </a:cxn>
+              <a:cxn ang="0">
+                <a:pos x="connsiteX19" y="connsiteY19"/>
+              </a:cxn>
+              <a:cxn ang="0">
+                <a:pos x="connsiteX20" y="connsiteY20"/>
+              </a:cxn>
+              <a:cxn ang="0">
+                <a:pos x="connsiteX21" y="connsiteY21"/>
+              </a:cxn>
+              <a:cxn ang="0">
+                <a:pos x="connsiteX22" y="connsiteY22"/>
+              </a:cxn>
+              <a:cxn ang="0">
+                <a:pos x="connsiteX23" y="connsiteY23"/>
+              </a:cxn>
+              <a:cxn ang="0">
+                <a:pos x="connsiteX24" y="connsiteY24"/>
+              </a:cxn>
+              <a:cxn ang="0">
+                <a:pos x="connsiteX25" y="connsiteY25"/>
+              </a:cxn>
+              <a:cxn ang="0">
+                <a:pos x="connsiteX26" y="connsiteY26"/>
+              </a:cxn>
+              <a:cxn ang="0">
+                <a:pos x="connsiteX27" y="connsiteY27"/>
+              </a:cxn>
+              <a:cxn ang="0">
+                <a:pos x="connsiteX28" y="connsiteY28"/>
+              </a:cxn>
+              <a:cxn ang="0">
+                <a:pos x="connsiteX29" y="connsiteY29"/>
+              </a:cxn>
+              <a:cxn ang="0">
+                <a:pos x="connsiteX30" y="connsiteY30"/>
+              </a:cxn>
+              <a:cxn ang="0">
+                <a:pos x="connsiteX31" y="connsiteY31"/>
+              </a:cxn>
+              <a:cxn ang="0">
+                <a:pos x="connsiteX32" y="connsiteY32"/>
+              </a:cxn>
+              <a:cxn ang="0">
+                <a:pos x="connsiteX33" y="connsiteY33"/>
+              </a:cxn>
+              <a:cxn ang="0">
+                <a:pos x="connsiteX34" y="connsiteY34"/>
+              </a:cxn>
+              <a:cxn ang="0">
+                <a:pos x="connsiteX35" y="connsiteY35"/>
+              </a:cxn>
+            </a:cxnLst>
+            <a:rect l="l" t="t" r="r" b="b"/>
+            <a:pathLst>
+              <a:path w="10853928" h="18288" fill="none" extrusionOk="0">
+                <a:moveTo>
+                  <a:pt x="0" y="0"/>
+                </a:moveTo>
+                <a:cubicBezTo>
+                  <a:pt x="146993" y="-19076"/>
+                  <a:pt x="347684" y="-4790"/>
+                  <a:pt x="461292" y="0"/>
+                </a:cubicBezTo>
+                <a:cubicBezTo>
+                  <a:pt x="574900" y="4790"/>
+                  <a:pt x="808367" y="19821"/>
+                  <a:pt x="1139662" y="0"/>
+                </a:cubicBezTo>
+                <a:cubicBezTo>
+                  <a:pt x="1470957" y="-19821"/>
+                  <a:pt x="1627405" y="5721"/>
+                  <a:pt x="1926572" y="0"/>
+                </a:cubicBezTo>
+                <a:cubicBezTo>
+                  <a:pt x="2225739" y="-5721"/>
+                  <a:pt x="2137730" y="-3235"/>
+                  <a:pt x="2279325" y="0"/>
+                </a:cubicBezTo>
+                <a:cubicBezTo>
+                  <a:pt x="2420920" y="3235"/>
+                  <a:pt x="2456518" y="9685"/>
+                  <a:pt x="2632078" y="0"/>
+                </a:cubicBezTo>
+                <a:cubicBezTo>
+                  <a:pt x="2807638" y="-9685"/>
+                  <a:pt x="3211516" y="-43007"/>
+                  <a:pt x="3527527" y="0"/>
+                </a:cubicBezTo>
+                <a:cubicBezTo>
+                  <a:pt x="3843538" y="43007"/>
+                  <a:pt x="4058833" y="22042"/>
+                  <a:pt x="4205897" y="0"/>
+                </a:cubicBezTo>
+                <a:cubicBezTo>
+                  <a:pt x="4352961" y="-22042"/>
+                  <a:pt x="4474805" y="-11846"/>
+                  <a:pt x="4558650" y="0"/>
+                </a:cubicBezTo>
+                <a:cubicBezTo>
+                  <a:pt x="4642495" y="11846"/>
+                  <a:pt x="5041928" y="-6069"/>
+                  <a:pt x="5237020" y="0"/>
+                </a:cubicBezTo>
+                <a:cubicBezTo>
+                  <a:pt x="5432112" y="6069"/>
+                  <a:pt x="5943266" y="-17479"/>
+                  <a:pt x="6132469" y="0"/>
+                </a:cubicBezTo>
+                <a:cubicBezTo>
+                  <a:pt x="6321672" y="17479"/>
+                  <a:pt x="6483872" y="26234"/>
+                  <a:pt x="6702301" y="0"/>
+                </a:cubicBezTo>
+                <a:cubicBezTo>
+                  <a:pt x="6920730" y="-26234"/>
+                  <a:pt x="6991194" y="-15156"/>
+                  <a:pt x="7272132" y="0"/>
+                </a:cubicBezTo>
+                <a:cubicBezTo>
+                  <a:pt x="7553070" y="15156"/>
+                  <a:pt x="7684444" y="-32961"/>
+                  <a:pt x="7950502" y="0"/>
+                </a:cubicBezTo>
+                <a:cubicBezTo>
+                  <a:pt x="8216560" y="32961"/>
+                  <a:pt x="8493290" y="-10491"/>
+                  <a:pt x="8737412" y="0"/>
+                </a:cubicBezTo>
+                <a:cubicBezTo>
+                  <a:pt x="8981534" y="10491"/>
+                  <a:pt x="9191586" y="-13899"/>
+                  <a:pt x="9524322" y="0"/>
+                </a:cubicBezTo>
+                <a:cubicBezTo>
+                  <a:pt x="9857058" y="13899"/>
+                  <a:pt x="10297509" y="7485"/>
+                  <a:pt x="10853928" y="0"/>
+                </a:cubicBezTo>
+                <a:cubicBezTo>
+                  <a:pt x="10854574" y="4451"/>
+                  <a:pt x="10854418" y="9226"/>
+                  <a:pt x="10853928" y="18288"/>
+                </a:cubicBezTo>
+                <a:cubicBezTo>
+                  <a:pt x="10691638" y="28522"/>
+                  <a:pt x="10574319" y="29578"/>
+                  <a:pt x="10392636" y="18288"/>
+                </a:cubicBezTo>
+                <a:cubicBezTo>
+                  <a:pt x="10210953" y="6998"/>
+                  <a:pt x="9836277" y="-16742"/>
+                  <a:pt x="9497187" y="18288"/>
+                </a:cubicBezTo>
+                <a:cubicBezTo>
+                  <a:pt x="9158097" y="53318"/>
+                  <a:pt x="9119479" y="30714"/>
+                  <a:pt x="8818817" y="18288"/>
+                </a:cubicBezTo>
+                <a:cubicBezTo>
+                  <a:pt x="8518155" y="5863"/>
+                  <a:pt x="8640037" y="6483"/>
+                  <a:pt x="8466064" y="18288"/>
+                </a:cubicBezTo>
+                <a:cubicBezTo>
+                  <a:pt x="8292091" y="30093"/>
+                  <a:pt x="7997656" y="18914"/>
+                  <a:pt x="7787693" y="18288"/>
+                </a:cubicBezTo>
+                <a:cubicBezTo>
+                  <a:pt x="7577730" y="17662"/>
+                  <a:pt x="7412468" y="21416"/>
+                  <a:pt x="7217862" y="18288"/>
+                </a:cubicBezTo>
+                <a:cubicBezTo>
+                  <a:pt x="7023256" y="15160"/>
+                  <a:pt x="6898018" y="14824"/>
+                  <a:pt x="6648031" y="18288"/>
+                </a:cubicBezTo>
+                <a:cubicBezTo>
+                  <a:pt x="6398044" y="21752"/>
+                  <a:pt x="6254402" y="38625"/>
+                  <a:pt x="6078200" y="18288"/>
+                </a:cubicBezTo>
+                <a:cubicBezTo>
+                  <a:pt x="5901998" y="-2049"/>
+                  <a:pt x="5622886" y="3213"/>
+                  <a:pt x="5508368" y="18288"/>
+                </a:cubicBezTo>
+                <a:cubicBezTo>
+                  <a:pt x="5393850" y="33363"/>
+                  <a:pt x="5036260" y="26830"/>
+                  <a:pt x="4721459" y="18288"/>
+                </a:cubicBezTo>
+                <a:cubicBezTo>
+                  <a:pt x="4406658" y="9746"/>
+                  <a:pt x="4239221" y="41551"/>
+                  <a:pt x="4043088" y="18288"/>
+                </a:cubicBezTo>
+                <a:cubicBezTo>
+                  <a:pt x="3846955" y="-4975"/>
+                  <a:pt x="3818802" y="34658"/>
+                  <a:pt x="3690336" y="18288"/>
+                </a:cubicBezTo>
+                <a:cubicBezTo>
+                  <a:pt x="3561870" y="1918"/>
+                  <a:pt x="3265491" y="42194"/>
+                  <a:pt x="3120504" y="18288"/>
+                </a:cubicBezTo>
+                <a:cubicBezTo>
+                  <a:pt x="2975517" y="-5618"/>
+                  <a:pt x="2720254" y="36673"/>
+                  <a:pt x="2333595" y="18288"/>
+                </a:cubicBezTo>
+                <a:cubicBezTo>
+                  <a:pt x="1946936" y="-97"/>
+                  <a:pt x="2097241" y="5776"/>
+                  <a:pt x="1872303" y="18288"/>
+                </a:cubicBezTo>
+                <a:cubicBezTo>
+                  <a:pt x="1647365" y="30800"/>
+                  <a:pt x="1282708" y="45380"/>
+                  <a:pt x="976854" y="18288"/>
+                </a:cubicBezTo>
+                <a:cubicBezTo>
+                  <a:pt x="671000" y="-8804"/>
+                  <a:pt x="408401" y="-12775"/>
+                  <a:pt x="0" y="18288"/>
+                </a:cubicBezTo>
+                <a:cubicBezTo>
+                  <a:pt x="-213" y="9468"/>
+                  <a:pt x="187" y="4459"/>
+                  <a:pt x="0" y="0"/>
+                </a:cubicBezTo>
+                <a:close/>
+              </a:path>
+              <a:path w="10853928" h="18288" stroke="0" extrusionOk="0">
+                <a:moveTo>
+                  <a:pt x="0" y="0"/>
+                </a:moveTo>
+                <a:cubicBezTo>
+                  <a:pt x="267322" y="15284"/>
+                  <a:pt x="415388" y="-21048"/>
+                  <a:pt x="569831" y="0"/>
+                </a:cubicBezTo>
+                <a:cubicBezTo>
+                  <a:pt x="724274" y="21048"/>
+                  <a:pt x="769333" y="-2353"/>
+                  <a:pt x="922584" y="0"/>
+                </a:cubicBezTo>
+                <a:cubicBezTo>
+                  <a:pt x="1075835" y="2353"/>
+                  <a:pt x="1399490" y="-145"/>
+                  <a:pt x="1818033" y="0"/>
+                </a:cubicBezTo>
+                <a:cubicBezTo>
+                  <a:pt x="2236576" y="145"/>
+                  <a:pt x="2145330" y="5482"/>
+                  <a:pt x="2387864" y="0"/>
+                </a:cubicBezTo>
+                <a:cubicBezTo>
+                  <a:pt x="2630398" y="-5482"/>
+                  <a:pt x="2793207" y="18487"/>
+                  <a:pt x="2957695" y="0"/>
+                </a:cubicBezTo>
+                <a:cubicBezTo>
+                  <a:pt x="3122183" y="-18487"/>
+                  <a:pt x="3579141" y="19003"/>
+                  <a:pt x="3853144" y="0"/>
+                </a:cubicBezTo>
+                <a:cubicBezTo>
+                  <a:pt x="4127147" y="-19003"/>
+                  <a:pt x="4209857" y="12211"/>
+                  <a:pt x="4314436" y="0"/>
+                </a:cubicBezTo>
+                <a:cubicBezTo>
+                  <a:pt x="4419015" y="-12211"/>
+                  <a:pt x="4762459" y="-17220"/>
+                  <a:pt x="5209885" y="0"/>
+                </a:cubicBezTo>
+                <a:cubicBezTo>
+                  <a:pt x="5657311" y="17220"/>
+                  <a:pt x="5692663" y="-3290"/>
+                  <a:pt x="6105335" y="0"/>
+                </a:cubicBezTo>
+                <a:cubicBezTo>
+                  <a:pt x="6518007" y="3290"/>
+                  <a:pt x="6455516" y="-5124"/>
+                  <a:pt x="6783705" y="0"/>
+                </a:cubicBezTo>
+                <a:cubicBezTo>
+                  <a:pt x="7111894" y="5124"/>
+                  <a:pt x="7441941" y="-17829"/>
+                  <a:pt x="7679154" y="0"/>
+                </a:cubicBezTo>
+                <a:cubicBezTo>
+                  <a:pt x="7916367" y="17829"/>
+                  <a:pt x="8102967" y="-24363"/>
+                  <a:pt x="8248985" y="0"/>
+                </a:cubicBezTo>
+                <a:cubicBezTo>
+                  <a:pt x="8395003" y="24363"/>
+                  <a:pt x="8552393" y="25505"/>
+                  <a:pt x="8818817" y="0"/>
+                </a:cubicBezTo>
+                <a:cubicBezTo>
+                  <a:pt x="9085241" y="-25505"/>
+                  <a:pt x="9411308" y="38000"/>
+                  <a:pt x="9605726" y="0"/>
+                </a:cubicBezTo>
+                <a:cubicBezTo>
+                  <a:pt x="9800144" y="-38000"/>
+                  <a:pt x="10006468" y="-25741"/>
+                  <a:pt x="10175558" y="0"/>
+                </a:cubicBezTo>
+                <a:cubicBezTo>
+                  <a:pt x="10344648" y="25741"/>
+                  <a:pt x="10696282" y="695"/>
+                  <a:pt x="10853928" y="0"/>
+                </a:cubicBezTo>
+                <a:cubicBezTo>
+                  <a:pt x="10853521" y="8690"/>
+                  <a:pt x="10853774" y="14141"/>
+                  <a:pt x="10853928" y="18288"/>
+                </a:cubicBezTo>
+                <a:cubicBezTo>
+                  <a:pt x="10608124" y="24255"/>
+                  <a:pt x="10343415" y="22307"/>
+                  <a:pt x="10067018" y="18288"/>
+                </a:cubicBezTo>
+                <a:cubicBezTo>
+                  <a:pt x="9790621" y="14270"/>
+                  <a:pt x="9843266" y="3564"/>
+                  <a:pt x="9714266" y="18288"/>
+                </a:cubicBezTo>
+                <a:cubicBezTo>
+                  <a:pt x="9585266" y="33012"/>
+                  <a:pt x="9379484" y="1875"/>
+                  <a:pt x="9252974" y="18288"/>
+                </a:cubicBezTo>
+                <a:cubicBezTo>
+                  <a:pt x="9126464" y="34701"/>
+                  <a:pt x="8580678" y="-4904"/>
+                  <a:pt x="8357525" y="18288"/>
+                </a:cubicBezTo>
+                <a:cubicBezTo>
+                  <a:pt x="8134372" y="41480"/>
+                  <a:pt x="7903199" y="26458"/>
+                  <a:pt x="7679154" y="18288"/>
+                </a:cubicBezTo>
+                <a:cubicBezTo>
+                  <a:pt x="7455109" y="10118"/>
+                  <a:pt x="7435944" y="27109"/>
+                  <a:pt x="7217862" y="18288"/>
+                </a:cubicBezTo>
+                <a:cubicBezTo>
+                  <a:pt x="6999780" y="9467"/>
+                  <a:pt x="6680409" y="18985"/>
+                  <a:pt x="6539492" y="18288"/>
+                </a:cubicBezTo>
+                <a:cubicBezTo>
+                  <a:pt x="6398575" y="17592"/>
+                  <a:pt x="6312077" y="33018"/>
+                  <a:pt x="6186739" y="18288"/>
+                </a:cubicBezTo>
+                <a:cubicBezTo>
+                  <a:pt x="6061401" y="3558"/>
+                  <a:pt x="5947033" y="12075"/>
+                  <a:pt x="5833986" y="18288"/>
+                </a:cubicBezTo>
+                <a:cubicBezTo>
+                  <a:pt x="5720939" y="24501"/>
+                  <a:pt x="5482226" y="8586"/>
+                  <a:pt x="5155616" y="18288"/>
+                </a:cubicBezTo>
+                <a:cubicBezTo>
+                  <a:pt x="4829006" y="27991"/>
+                  <a:pt x="4841274" y="29316"/>
+                  <a:pt x="4694324" y="18288"/>
+                </a:cubicBezTo>
+                <a:cubicBezTo>
+                  <a:pt x="4547374" y="7260"/>
+                  <a:pt x="4077675" y="7013"/>
+                  <a:pt x="3907414" y="18288"/>
+                </a:cubicBezTo>
+                <a:cubicBezTo>
+                  <a:pt x="3737153" y="29564"/>
+                  <a:pt x="3538393" y="21630"/>
+                  <a:pt x="3446122" y="18288"/>
+                </a:cubicBezTo>
+                <a:cubicBezTo>
+                  <a:pt x="3353851" y="14946"/>
+                  <a:pt x="2990320" y="-8091"/>
+                  <a:pt x="2659212" y="18288"/>
+                </a:cubicBezTo>
+                <a:cubicBezTo>
+                  <a:pt x="2328104" y="44667"/>
+                  <a:pt x="2427653" y="9607"/>
+                  <a:pt x="2306460" y="18288"/>
+                </a:cubicBezTo>
+                <a:cubicBezTo>
+                  <a:pt x="2185267" y="26969"/>
+                  <a:pt x="1719763" y="3717"/>
+                  <a:pt x="1519550" y="18288"/>
+                </a:cubicBezTo>
+                <a:cubicBezTo>
+                  <a:pt x="1319337" y="32860"/>
+                  <a:pt x="1167371" y="17040"/>
+                  <a:pt x="1058258" y="18288"/>
+                </a:cubicBezTo>
+                <a:cubicBezTo>
+                  <a:pt x="949145" y="19536"/>
+                  <a:pt x="780234" y="31447"/>
+                  <a:pt x="705505" y="18288"/>
+                </a:cubicBezTo>
+                <a:cubicBezTo>
+                  <a:pt x="630776" y="5129"/>
+                  <a:pt x="215796" y="30056"/>
+                  <a:pt x="0" y="18288"/>
+                </a:cubicBezTo>
+                <a:cubicBezTo>
+                  <a:pt x="-53" y="11301"/>
+                  <a:pt x="-649" y="7756"/>
+                  <a:pt x="0" y="0"/>
+                </a:cubicBezTo>
+                <a:close/>
+              </a:path>
+            </a:pathLst>
+          </a:custGeom>
+          <a:solidFill>
+            <a:schemeClr val="accent2"/>
+          </a:solidFill>
+          <a:ln w="41275" cap="rnd">
+            <a:solidFill>
+              <a:schemeClr val="accent2"/>
+            </a:solidFill>
+            <a:round/>
+            <a:extLst>
+              <a:ext uri="{C807C97D-BFC1-408E-A445-0C87EB9F89A2}">
+                <ask:lineSketchStyleProps xmlns:ask="http://schemas.microsoft.com/office/drawing/2018/sketchyshapes" sd="1219033472">
+                  <a:prstGeom prst="rect">
+                    <a:avLst/>
+                  </a:prstGeom>
+                  <ask:type>
+                    <ask:lineSketchFreehand/>
+                  </ask:type>
+                </ask:lineSketchStyleProps>
+              </a:ext>
+            </a:extLst>
+          </a:ln>
+        </p:spPr>
+        <p:style>
+          <a:lnRef idx="2">
+            <a:schemeClr val="accent1">
+              <a:shade val="50000"/>
+            </a:schemeClr>
+          </a:lnRef>
+          <a:fillRef idx="1">
+            <a:schemeClr val="accent1"/>
+          </a:fillRef>
+          <a:effectRef idx="0">
+            <a:schemeClr val="accent1"/>
+          </a:effectRef>
+          <a:fontRef idx="minor">
+            <a:schemeClr val="lt1"/>
+          </a:fontRef>
+        </p:style>
+        <p:txBody>
+          <a:bodyPr rtlCol="0" anchor="ctr"/>
+          <a:lstStyle/>
+          <a:p>
+            <a:pPr algn="ctr"/>
+            <a:endParaRPr lang="en-US"/>
+          </a:p>
+        </p:txBody>
+      </p:sp>
+      <p:sp>
+        <p:nvSpPr>
+          <p:cNvPr id="3" name="Объект 2"/>
+          <p:cNvSpPr>
+            <a:spLocks noGrp="1"/>
+          </p:cNvSpPr>
+          <p:nvPr>
+            <p:ph sz="half" idx="1"/>
+          </p:nvPr>
+        </p:nvSpPr>
+        <p:spPr>
+          <a:xfrm>
+            <a:off x="838200" y="1929384"/>
+            <a:ext cx="10515600" cy="4251960"/>
+          </a:xfrm>
+        </p:spPr>
+        <p:txBody>
+          <a:bodyPr vert="horz" lIns="91440" tIns="45720" rIns="91440" bIns="45720" rtlCol="0">
+            <a:normAutofit/>
+          </a:bodyPr>
+          <a:lstStyle/>
+          <a:p>
+            <a:r>
+              <a:rPr lang="en-US" sz="2200"/>
+              <a:t>You can use the </a:t>
+            </a:r>
+            <a:r>
+              <a:rPr lang="en-US" sz="2200" b="1"/>
+              <a:t>AWS Batch event stream for CloudWatch Events </a:t>
+            </a:r>
+            <a:r>
+              <a:rPr lang="en-US" sz="2200"/>
+              <a:t>to receive near real-time notifications regarding the current state of jobs that have been submitted to your job queues.</a:t>
+            </a:r>
+          </a:p>
+          <a:p>
+            <a:r>
+              <a:rPr lang="en-US" sz="2200"/>
+              <a:t>Events from the AWS Batch event stream are ensured to be delivered at least one time.</a:t>
+            </a:r>
+          </a:p>
+          <a:p>
+            <a:r>
+              <a:rPr lang="en-US" sz="2200"/>
+              <a:t>CloudTrail captures all API calls for AWS Batch as events.</a:t>
+            </a:r>
+          </a:p>
+          <a:p>
+            <a:pPr marL="0"/>
+            <a:endParaRPr lang="en-US" sz="2200"/>
+          </a:p>
+        </p:txBody>
+      </p:sp>
+    </p:spTree>
+    <p:extLst>
+      <p:ext uri="{BB962C8B-B14F-4D97-AF65-F5344CB8AC3E}">
+        <p14:creationId xmlns:p14="http://schemas.microsoft.com/office/powerpoint/2010/main" val="4026377227"/>
+      </p:ext>
+    </p:extLst>
+  </p:cSld>
+  <p:clrMapOvr>
+    <a:masterClrMapping/>
+  </p:clrMapOvr>
+</p:sld>
+</file>
+
+<file path=ppt/slides/slide11.xml><?xml version="1.0" encoding="utf-8"?>
+<p:sld xmlns:a="http://schemas.openxmlformats.org/drawingml/2006/main" xmlns:r="http://schemas.openxmlformats.org/officeDocument/2006/relationships" xmlns:p="http://schemas.openxmlformats.org/presentationml/2006/main">
+  <p:cSld>
+    <p:bg>
+      <p:bgPr>
+        <a:solidFill>
+          <a:schemeClr val="bg1"/>
+        </a:solidFill>
+        <a:effectLst/>
+      </p:bgPr>
+    </p:bg>
+    <p:spTree>
+      <p:nvGrpSpPr>
+        <p:cNvPr id="1" name=""/>
+        <p:cNvGrpSpPr/>
+        <p:nvPr/>
+      </p:nvGrpSpPr>
+      <p:grpSpPr>
+        <a:xfrm>
+          <a:off x="0" y="0"/>
+          <a:ext cx="0" cy="0"/>
+          <a:chOff x="0" y="0"/>
+          <a:chExt cx="0" cy="0"/>
+        </a:xfrm>
+      </p:grpSpPr>
+      <p:sp>
+        <p:nvSpPr>
+          <p:cNvPr id="14" name="Rectangle 13">
+            <a:extLst>
+              <a:ext uri="{FF2B5EF4-FFF2-40B4-BE49-F238E27FC236}">
+                <a16:creationId xmlns:a16="http://schemas.microsoft.com/office/drawing/2014/main" id="{21739CA5-F0F5-48E1-8E8C-F24B71827E46}"/>
+              </a:ext>
+              <a:ext uri="{C183D7F6-B498-43B3-948B-1728B52AA6E4}">
+                <adec:decorative xmlns:adec="http://schemas.microsoft.com/office/drawing/2017/decorative" val="1"/>
+              </a:ext>
+            </a:extLst>
+          </p:cNvPr>
+          <p:cNvSpPr>
+            <a:spLocks noGrp="1" noRot="1" noChangeAspect="1" noMove="1" noResize="1" noEditPoints="1" noAdjustHandles="1" noChangeArrowheads="1" noChangeShapeType="1" noTextEdit="1"/>
+          </p:cNvSpPr>
+          <p:nvPr>
+            <p:extLst>
+              <p:ext uri="{386F3935-93C4-4BCD-93E2-E3B085C9AB24}">
+                <p16:designElem xmlns:p16="http://schemas.microsoft.com/office/powerpoint/2015/main" val="1"/>
+              </p:ext>
+            </p:extLst>
+          </p:nvPr>
+        </p:nvSpPr>
+        <p:spPr>
+          <a:xfrm>
+            <a:off x="0" y="-3324"/>
+            <a:ext cx="12192000" cy="6861324"/>
+          </a:xfrm>
+          <a:prstGeom prst="rect">
+            <a:avLst/>
+          </a:prstGeom>
+          <a:solidFill>
+            <a:srgbClr val="C8CACA"/>
+          </a:solidFill>
+          <a:ln>
+            <a:noFill/>
+          </a:ln>
+        </p:spPr>
+        <p:style>
+          <a:lnRef idx="2">
+            <a:schemeClr val="accent1">
+              <a:shade val="50000"/>
+            </a:schemeClr>
+          </a:lnRef>
+          <a:fillRef idx="1">
+            <a:schemeClr val="accent1"/>
+          </a:fillRef>
+          <a:effectRef idx="0">
+            <a:schemeClr val="accent1"/>
+          </a:effectRef>
+          <a:fontRef idx="minor">
+            <a:schemeClr val="lt1"/>
+          </a:fontRef>
+        </p:style>
+        <p:txBody>
+          <a:bodyPr rtlCol="0" anchor="ctr"/>
+          <a:lstStyle/>
+          <a:p>
+            <a:pPr algn="ctr"/>
+            <a:endParaRPr lang="en-US"/>
+          </a:p>
+        </p:txBody>
+      </p:sp>
+      <p:sp>
+        <p:nvSpPr>
+          <p:cNvPr id="15" name="Rounded Rectangle 3">
+            <a:extLst>
+              <a:ext uri="{FF2B5EF4-FFF2-40B4-BE49-F238E27FC236}">
+                <a16:creationId xmlns:a16="http://schemas.microsoft.com/office/drawing/2014/main" id="{3EAD2937-F230-41D4-B9C5-975B129BFC20}"/>
+              </a:ext>
+              <a:ext uri="{C183D7F6-B498-43B3-948B-1728B52AA6E4}">
+                <adec:decorative xmlns:adec="http://schemas.microsoft.com/office/drawing/2017/decorative" val="1"/>
+              </a:ext>
+            </a:extLst>
+          </p:cNvPr>
+          <p:cNvSpPr>
+            <a:spLocks noGrp="1" noRot="1" noChangeAspect="1" noMove="1" noResize="1" noEditPoints="1" noAdjustHandles="1" noChangeArrowheads="1" noChangeShapeType="1" noTextEdit="1"/>
+          </p:cNvSpPr>
+          <p:nvPr>
+            <p:extLst>
+              <p:ext uri="{386F3935-93C4-4BCD-93E2-E3B085C9AB24}">
+                <p16:designElem xmlns:p16="http://schemas.microsoft.com/office/powerpoint/2015/main" val="1"/>
+              </p:ext>
+            </p:extLst>
+          </p:nvPr>
+        </p:nvSpPr>
+        <p:spPr>
+          <a:xfrm>
+            <a:off x="646745" y="640080"/>
+            <a:ext cx="10920415" cy="5577818"/>
+          </a:xfrm>
+          <a:prstGeom prst="roundRect">
+            <a:avLst>
+              <a:gd name="adj" fmla="val 0"/>
+            </a:avLst>
+          </a:prstGeom>
+          <a:solidFill>
+            <a:srgbClr val="FFFFFF"/>
+          </a:solidFill>
+          <a:ln w="9525">
+            <a:solidFill>
+              <a:srgbClr val="C8CACA"/>
+            </a:solidFill>
+          </a:ln>
+          <a:effectLst>
+            <a:outerShdw blurRad="57150" dist="19050" dir="5400000" algn="t" rotWithShape="0">
+              <a:prstClr val="black">
+                <a:alpha val="63000"/>
+              </a:prstClr>
+            </a:outerShdw>
+          </a:effectLst>
+        </p:spPr>
+        <p:style>
+          <a:lnRef idx="2">
+            <a:schemeClr val="accent1">
+              <a:shade val="50000"/>
+            </a:schemeClr>
+          </a:lnRef>
+          <a:fillRef idx="1">
+            <a:schemeClr val="accent1"/>
+          </a:fillRef>
+          <a:effectRef idx="0">
+            <a:schemeClr val="accent1"/>
+          </a:effectRef>
+          <a:fontRef idx="minor">
+            <a:schemeClr val="lt1"/>
+          </a:fontRef>
+        </p:style>
+        <p:txBody>
+          <a:bodyPr rtlCol="0" anchor="ctr"/>
+          <a:lstStyle/>
+          <a:p>
+            <a:pPr algn="ctr"/>
+            <a:endParaRPr lang="en-US"/>
+          </a:p>
+        </p:txBody>
+      </p:sp>
+      <p:sp>
+        <p:nvSpPr>
+          <p:cNvPr id="16" name="Rectangle 15">
+            <a:extLst>
+              <a:ext uri="{FF2B5EF4-FFF2-40B4-BE49-F238E27FC236}">
+                <a16:creationId xmlns:a16="http://schemas.microsoft.com/office/drawing/2014/main" id="{CCD444A3-C338-4886-B7F1-4BA2AF46EB64}"/>
+              </a:ext>
+              <a:ext uri="{C183D7F6-B498-43B3-948B-1728B52AA6E4}">
+                <adec:decorative xmlns:adec="http://schemas.microsoft.com/office/drawing/2017/decorative" val="1"/>
+              </a:ext>
+            </a:extLst>
+          </p:cNvPr>
+          <p:cNvSpPr>
+            <a:spLocks noGrp="1" noRot="1" noChangeAspect="1" noMove="1" noResize="1" noEditPoints="1" noAdjustHandles="1" noChangeArrowheads="1" noChangeShapeType="1" noTextEdit="1"/>
+          </p:cNvSpPr>
+          <p:nvPr>
+            <p:extLst>
+              <p:ext uri="{386F3935-93C4-4BCD-93E2-E3B085C9AB24}">
+                <p16:designElem xmlns:p16="http://schemas.microsoft.com/office/powerpoint/2015/main" val="1"/>
+              </p:ext>
+            </p:extLst>
+          </p:nvPr>
+        </p:nvSpPr>
+        <p:spPr>
+          <a:xfrm>
+            <a:off x="968024" y="960109"/>
+            <a:ext cx="10277856" cy="4937760"/>
+          </a:xfrm>
+          <a:prstGeom prst="rect">
+            <a:avLst/>
+          </a:prstGeom>
+          <a:solidFill>
+            <a:schemeClr val="bg2"/>
+          </a:solidFill>
+          <a:ln>
+            <a:noFill/>
+          </a:ln>
+        </p:spPr>
+        <p:style>
+          <a:lnRef idx="2">
+            <a:schemeClr val="accent1">
+              <a:shade val="50000"/>
+            </a:schemeClr>
+          </a:lnRef>
+          <a:fillRef idx="1">
+            <a:schemeClr val="accent1"/>
+          </a:fillRef>
+          <a:effectRef idx="0">
+            <a:schemeClr val="accent1"/>
+          </a:effectRef>
+          <a:fontRef idx="minor">
+            <a:schemeClr val="lt1"/>
+          </a:fontRef>
+        </p:style>
+        <p:txBody>
+          <a:bodyPr rtlCol="0" anchor="ctr"/>
+          <a:lstStyle/>
+          <a:p>
+            <a:pPr algn="ctr"/>
+            <a:endParaRPr lang="en-US"/>
+          </a:p>
+        </p:txBody>
+      </p:sp>
+      <p:sp>
+        <p:nvSpPr>
+          <p:cNvPr id="2" name="Title 1">
+            <a:extLst>
+              <a:ext uri="{FF2B5EF4-FFF2-40B4-BE49-F238E27FC236}">
+                <a16:creationId xmlns:a16="http://schemas.microsoft.com/office/drawing/2014/main" id="{23677CC5-5982-D265-56F6-7E312CE7A13A}"/>
+              </a:ext>
+            </a:extLst>
+          </p:cNvPr>
+          <p:cNvSpPr>
+            <a:spLocks noGrp="1"/>
+          </p:cNvSpPr>
+          <p:nvPr>
+            <p:ph type="title"/>
+          </p:nvPr>
+        </p:nvSpPr>
+        <p:spPr>
+          <a:xfrm>
+            <a:off x="1452656" y="1444741"/>
+            <a:ext cx="9357865" cy="1041901"/>
+          </a:xfrm>
+        </p:spPr>
         <p:txBody>
           <a:bodyPr>
             <a:normAutofit/>
@@ -4189,15 +5571,27 @@
           <a:lstStyle/>
           <a:p>
             <a:r>
-              <a:rPr lang="en-US" sz="3200" dirty="0"/>
-              <a:t>What Is AWS Batch?</a:t>
-            </a:r>
-          </a:p>
-        </p:txBody>
-      </p:sp>
-      <p:sp>
-        <p:nvSpPr>
-          <p:cNvPr id="3" name="Объект 2"/>
+              <a:rPr lang="en-GB" sz="4000" b="1" i="0">
+                <a:effectLst/>
+                <a:latin typeface="+mn-lt"/>
+              </a:rPr>
+              <a:t>AWS Batch Best Practices</a:t>
+            </a:r>
+            <a:endParaRPr lang="en-CH" sz="4000">
+              <a:latin typeface="+mn-lt"/>
+            </a:endParaRPr>
+          </a:p>
+        </p:txBody>
+      </p:sp>
+      <p:sp>
+        <p:nvSpPr>
+          <p:cNvPr id="3" name="Content Placeholder 2">
+            <a:extLst>
+              <a:ext uri="{FF2B5EF4-FFF2-40B4-BE49-F238E27FC236}">
+                <a16:creationId xmlns:a16="http://schemas.microsoft.com/office/drawing/2014/main" id="{876BDF53-6CB3-2452-194F-DF4F70821B7B}"/>
+              </a:ext>
+            </a:extLst>
+          </p:cNvPr>
           <p:cNvSpPr>
             <a:spLocks noGrp="1"/>
           </p:cNvSpPr>
@@ -4207,8 +5601,8 @@
         </p:nvSpPr>
         <p:spPr>
           <a:xfrm>
-            <a:off x="838200" y="1825625"/>
-            <a:ext cx="6477000" cy="4351338"/>
+            <a:off x="1452656" y="2701427"/>
+            <a:ext cx="9296340" cy="2699968"/>
           </a:xfrm>
         </p:spPr>
         <p:txBody>
@@ -4217,16 +5611,896 @@
           </a:bodyPr>
           <a:lstStyle/>
           <a:p>
-            <a:pPr marL="0" indent="0">
-              <a:buNone/>
-            </a:pPr>
-            <a:r>
-              <a:rPr lang="en-US" sz="1400" b="1" dirty="0"/>
+            <a:r>
+              <a:rPr lang="en-GB" sz="2000" dirty="0"/>
+              <a:t>https://</a:t>
+            </a:r>
+            <a:r>
+              <a:rPr lang="en-GB" sz="2000" dirty="0" err="1"/>
+              <a:t>docs.aws.amazon.com</a:t>
+            </a:r>
+            <a:r>
+              <a:rPr lang="en-GB" sz="2000" dirty="0"/>
+              <a:t>/batch/latest/</a:t>
+            </a:r>
+            <a:r>
+              <a:rPr lang="en-GB" sz="2000" dirty="0" err="1"/>
+              <a:t>userguide</a:t>
+            </a:r>
+            <a:r>
+              <a:rPr lang="en-GB" sz="2000" dirty="0"/>
+              <a:t>/best-</a:t>
+            </a:r>
+            <a:r>
+              <a:rPr lang="en-GB" sz="2000" dirty="0" err="1"/>
+              <a:t>practices.html</a:t>
+            </a:r>
+            <a:endParaRPr lang="en-CH" sz="2000" dirty="0"/>
+          </a:p>
+        </p:txBody>
+      </p:sp>
+    </p:spTree>
+    <p:extLst>
+      <p:ext uri="{BB962C8B-B14F-4D97-AF65-F5344CB8AC3E}">
+        <p14:creationId xmlns:p14="http://schemas.microsoft.com/office/powerpoint/2010/main" val="2420248093"/>
+      </p:ext>
+    </p:extLst>
+  </p:cSld>
+  <p:clrMapOvr>
+    <a:masterClrMapping/>
+  </p:clrMapOvr>
+</p:sld>
+</file>
+
+<file path=ppt/slides/slide2.xml><?xml version="1.0" encoding="utf-8"?>
+<p:sld xmlns:a="http://schemas.openxmlformats.org/drawingml/2006/main" xmlns:r="http://schemas.openxmlformats.org/officeDocument/2006/relationships" xmlns:p="http://schemas.openxmlformats.org/presentationml/2006/main">
+  <p:cSld>
+    <p:bg>
+      <p:bgPr>
+        <a:solidFill>
+          <a:schemeClr val="bg1"/>
+        </a:solidFill>
+        <a:effectLst/>
+      </p:bgPr>
+    </p:bg>
+    <p:spTree>
+      <p:nvGrpSpPr>
+        <p:cNvPr id="1" name=""/>
+        <p:cNvGrpSpPr/>
+        <p:nvPr/>
+      </p:nvGrpSpPr>
+      <p:grpSpPr>
+        <a:xfrm>
+          <a:off x="0" y="0"/>
+          <a:ext cx="0" cy="0"/>
+          <a:chOff x="0" y="0"/>
+          <a:chExt cx="0" cy="0"/>
+        </a:xfrm>
+      </p:grpSpPr>
+      <p:sp useBgFill="1">
+        <p:nvSpPr>
+          <p:cNvPr id="10" name="Rectangle 9">
+            <a:extLst>
+              <a:ext uri="{FF2B5EF4-FFF2-40B4-BE49-F238E27FC236}">
+                <a16:creationId xmlns:a16="http://schemas.microsoft.com/office/drawing/2014/main" id="{45D37F4E-DDB4-456B-97E0-9937730A039F}"/>
+              </a:ext>
+              <a:ext uri="{C183D7F6-B498-43B3-948B-1728B52AA6E4}">
+                <adec:decorative xmlns:adec="http://schemas.microsoft.com/office/drawing/2017/decorative" val="1"/>
+              </a:ext>
+            </a:extLst>
+          </p:cNvPr>
+          <p:cNvSpPr>
+            <a:spLocks noGrp="1" noRot="1" noChangeAspect="1" noMove="1" noResize="1" noEditPoints="1" noAdjustHandles="1" noChangeArrowheads="1" noChangeShapeType="1" noTextEdit="1"/>
+          </p:cNvSpPr>
+          <p:nvPr>
+            <p:extLst>
+              <p:ext uri="{386F3935-93C4-4BCD-93E2-E3B085C9AB24}">
+                <p16:designElem xmlns:p16="http://schemas.microsoft.com/office/powerpoint/2015/main" val="1"/>
+              </p:ext>
+            </p:extLst>
+          </p:nvPr>
+        </p:nvSpPr>
+        <p:spPr>
+          <a:xfrm>
+            <a:off x="0" y="0"/>
+            <a:ext cx="12188952" cy="6858000"/>
+          </a:xfrm>
+          <a:prstGeom prst="rect">
+            <a:avLst/>
+          </a:prstGeom>
+          <a:ln>
+            <a:noFill/>
+          </a:ln>
+        </p:spPr>
+        <p:style>
+          <a:lnRef idx="2">
+            <a:schemeClr val="accent1">
+              <a:shade val="50000"/>
+            </a:schemeClr>
+          </a:lnRef>
+          <a:fillRef idx="1">
+            <a:schemeClr val="accent1"/>
+          </a:fillRef>
+          <a:effectRef idx="0">
+            <a:schemeClr val="accent1"/>
+          </a:effectRef>
+          <a:fontRef idx="minor">
+            <a:schemeClr val="lt1"/>
+          </a:fontRef>
+        </p:style>
+        <p:txBody>
+          <a:bodyPr rtlCol="0" anchor="ctr"/>
+          <a:lstStyle/>
+          <a:p>
+            <a:pPr algn="ctr"/>
+            <a:endParaRPr lang="en-US"/>
+          </a:p>
+        </p:txBody>
+      </p:sp>
+      <p:sp>
+        <p:nvSpPr>
+          <p:cNvPr id="2" name="Заголовок 1"/>
+          <p:cNvSpPr>
+            <a:spLocks noGrp="1"/>
+          </p:cNvSpPr>
+          <p:nvPr>
+            <p:ph type="title"/>
+          </p:nvPr>
+        </p:nvSpPr>
+        <p:spPr>
+          <a:xfrm>
+            <a:off x="572493" y="238539"/>
+            <a:ext cx="11018520" cy="1434415"/>
+          </a:xfrm>
+        </p:spPr>
+        <p:txBody>
+          <a:bodyPr vert="horz" lIns="91440" tIns="45720" rIns="91440" bIns="45720" rtlCol="0" anchor="b">
+            <a:normAutofit/>
+          </a:bodyPr>
+          <a:lstStyle/>
+          <a:p>
+            <a:r>
+              <a:rPr lang="en-US" sz="5400"/>
+              <a:t>What Is AWS Batch?</a:t>
+            </a:r>
+          </a:p>
+        </p:txBody>
+      </p:sp>
+      <p:sp>
+        <p:nvSpPr>
+          <p:cNvPr id="12" name="sketchy line">
+            <a:extLst>
+              <a:ext uri="{FF2B5EF4-FFF2-40B4-BE49-F238E27FC236}">
+                <a16:creationId xmlns:a16="http://schemas.microsoft.com/office/drawing/2014/main" id="{B2DD41CD-8F47-4F56-AD12-4E2FF7696987}"/>
+              </a:ext>
+              <a:ext uri="{C183D7F6-B498-43B3-948B-1728B52AA6E4}">
+                <adec:decorative xmlns:adec="http://schemas.microsoft.com/office/drawing/2017/decorative" val="1"/>
+              </a:ext>
+            </a:extLst>
+          </p:cNvPr>
+          <p:cNvSpPr>
+            <a:spLocks noGrp="1" noRot="1" noChangeAspect="1" noMove="1" noResize="1" noEditPoints="1" noAdjustHandles="1" noChangeArrowheads="1" noChangeShapeType="1" noTextEdit="1"/>
+          </p:cNvSpPr>
+          <p:nvPr>
+            <p:extLst>
+              <p:ext uri="{386F3935-93C4-4BCD-93E2-E3B085C9AB24}">
+                <p16:designElem xmlns:p16="http://schemas.microsoft.com/office/powerpoint/2015/main" val="1"/>
+              </p:ext>
+            </p:extLst>
+          </p:nvPr>
+        </p:nvSpPr>
+        <p:spPr>
+          <a:xfrm>
+            <a:off x="572493" y="1681544"/>
+            <a:ext cx="10972800" cy="18288"/>
+          </a:xfrm>
+          <a:custGeom>
+            <a:avLst/>
+            <a:gdLst>
+              <a:gd name="connsiteX0" fmla="*/ 0 w 10972800"/>
+              <a:gd name="connsiteY0" fmla="*/ 0 h 18288"/>
+              <a:gd name="connsiteX1" fmla="*/ 356616 w 10972800"/>
+              <a:gd name="connsiteY1" fmla="*/ 0 h 18288"/>
+              <a:gd name="connsiteX2" fmla="*/ 1042416 w 10972800"/>
+              <a:gd name="connsiteY2" fmla="*/ 0 h 18288"/>
+              <a:gd name="connsiteX3" fmla="*/ 1947672 w 10972800"/>
+              <a:gd name="connsiteY3" fmla="*/ 0 h 18288"/>
+              <a:gd name="connsiteX4" fmla="*/ 2633472 w 10972800"/>
+              <a:gd name="connsiteY4" fmla="*/ 0 h 18288"/>
+              <a:gd name="connsiteX5" fmla="*/ 2990088 w 10972800"/>
+              <a:gd name="connsiteY5" fmla="*/ 0 h 18288"/>
+              <a:gd name="connsiteX6" fmla="*/ 3456432 w 10972800"/>
+              <a:gd name="connsiteY6" fmla="*/ 0 h 18288"/>
+              <a:gd name="connsiteX7" fmla="*/ 4361688 w 10972800"/>
+              <a:gd name="connsiteY7" fmla="*/ 0 h 18288"/>
+              <a:gd name="connsiteX8" fmla="*/ 5266944 w 10972800"/>
+              <a:gd name="connsiteY8" fmla="*/ 0 h 18288"/>
+              <a:gd name="connsiteX9" fmla="*/ 6172200 w 10972800"/>
+              <a:gd name="connsiteY9" fmla="*/ 0 h 18288"/>
+              <a:gd name="connsiteX10" fmla="*/ 6528816 w 10972800"/>
+              <a:gd name="connsiteY10" fmla="*/ 0 h 18288"/>
+              <a:gd name="connsiteX11" fmla="*/ 7214616 w 10972800"/>
+              <a:gd name="connsiteY11" fmla="*/ 0 h 18288"/>
+              <a:gd name="connsiteX12" fmla="*/ 7790688 w 10972800"/>
+              <a:gd name="connsiteY12" fmla="*/ 0 h 18288"/>
+              <a:gd name="connsiteX13" fmla="*/ 8147304 w 10972800"/>
+              <a:gd name="connsiteY13" fmla="*/ 0 h 18288"/>
+              <a:gd name="connsiteX14" fmla="*/ 9052560 w 10972800"/>
+              <a:gd name="connsiteY14" fmla="*/ 0 h 18288"/>
+              <a:gd name="connsiteX15" fmla="*/ 9409176 w 10972800"/>
+              <a:gd name="connsiteY15" fmla="*/ 0 h 18288"/>
+              <a:gd name="connsiteX16" fmla="*/ 9765792 w 10972800"/>
+              <a:gd name="connsiteY16" fmla="*/ 0 h 18288"/>
+              <a:gd name="connsiteX17" fmla="*/ 10341864 w 10972800"/>
+              <a:gd name="connsiteY17" fmla="*/ 0 h 18288"/>
+              <a:gd name="connsiteX18" fmla="*/ 10972800 w 10972800"/>
+              <a:gd name="connsiteY18" fmla="*/ 0 h 18288"/>
+              <a:gd name="connsiteX19" fmla="*/ 10972800 w 10972800"/>
+              <a:gd name="connsiteY19" fmla="*/ 18288 h 18288"/>
+              <a:gd name="connsiteX20" fmla="*/ 10177272 w 10972800"/>
+              <a:gd name="connsiteY20" fmla="*/ 18288 h 18288"/>
+              <a:gd name="connsiteX21" fmla="*/ 9820656 w 10972800"/>
+              <a:gd name="connsiteY21" fmla="*/ 18288 h 18288"/>
+              <a:gd name="connsiteX22" fmla="*/ 9464040 w 10972800"/>
+              <a:gd name="connsiteY22" fmla="*/ 18288 h 18288"/>
+              <a:gd name="connsiteX23" fmla="*/ 8778240 w 10972800"/>
+              <a:gd name="connsiteY23" fmla="*/ 18288 h 18288"/>
+              <a:gd name="connsiteX24" fmla="*/ 8421624 w 10972800"/>
+              <a:gd name="connsiteY24" fmla="*/ 18288 h 18288"/>
+              <a:gd name="connsiteX25" fmla="*/ 7735824 w 10972800"/>
+              <a:gd name="connsiteY25" fmla="*/ 18288 h 18288"/>
+              <a:gd name="connsiteX26" fmla="*/ 6940296 w 10972800"/>
+              <a:gd name="connsiteY26" fmla="*/ 18288 h 18288"/>
+              <a:gd name="connsiteX27" fmla="*/ 6254496 w 10972800"/>
+              <a:gd name="connsiteY27" fmla="*/ 18288 h 18288"/>
+              <a:gd name="connsiteX28" fmla="*/ 5458968 w 10972800"/>
+              <a:gd name="connsiteY28" fmla="*/ 18288 h 18288"/>
+              <a:gd name="connsiteX29" fmla="*/ 4663440 w 10972800"/>
+              <a:gd name="connsiteY29" fmla="*/ 18288 h 18288"/>
+              <a:gd name="connsiteX30" fmla="*/ 4306824 w 10972800"/>
+              <a:gd name="connsiteY30" fmla="*/ 18288 h 18288"/>
+              <a:gd name="connsiteX31" fmla="*/ 3840480 w 10972800"/>
+              <a:gd name="connsiteY31" fmla="*/ 18288 h 18288"/>
+              <a:gd name="connsiteX32" fmla="*/ 3264408 w 10972800"/>
+              <a:gd name="connsiteY32" fmla="*/ 18288 h 18288"/>
+              <a:gd name="connsiteX33" fmla="*/ 2578608 w 10972800"/>
+              <a:gd name="connsiteY33" fmla="*/ 18288 h 18288"/>
+              <a:gd name="connsiteX34" fmla="*/ 1673352 w 10972800"/>
+              <a:gd name="connsiteY34" fmla="*/ 18288 h 18288"/>
+              <a:gd name="connsiteX35" fmla="*/ 877824 w 10972800"/>
+              <a:gd name="connsiteY35" fmla="*/ 18288 h 18288"/>
+              <a:gd name="connsiteX36" fmla="*/ 0 w 10972800"/>
+              <a:gd name="connsiteY36" fmla="*/ 18288 h 18288"/>
+              <a:gd name="connsiteX37" fmla="*/ 0 w 10972800"/>
+              <a:gd name="connsiteY37" fmla="*/ 0 h 18288"/>
+            </a:gdLst>
+            <a:ahLst/>
+            <a:cxnLst>
+              <a:cxn ang="0">
+                <a:pos x="connsiteX0" y="connsiteY0"/>
+              </a:cxn>
+              <a:cxn ang="0">
+                <a:pos x="connsiteX1" y="connsiteY1"/>
+              </a:cxn>
+              <a:cxn ang="0">
+                <a:pos x="connsiteX2" y="connsiteY2"/>
+              </a:cxn>
+              <a:cxn ang="0">
+                <a:pos x="connsiteX3" y="connsiteY3"/>
+              </a:cxn>
+              <a:cxn ang="0">
+                <a:pos x="connsiteX4" y="connsiteY4"/>
+              </a:cxn>
+              <a:cxn ang="0">
+                <a:pos x="connsiteX5" y="connsiteY5"/>
+              </a:cxn>
+              <a:cxn ang="0">
+                <a:pos x="connsiteX6" y="connsiteY6"/>
+              </a:cxn>
+              <a:cxn ang="0">
+                <a:pos x="connsiteX7" y="connsiteY7"/>
+              </a:cxn>
+              <a:cxn ang="0">
+                <a:pos x="connsiteX8" y="connsiteY8"/>
+              </a:cxn>
+              <a:cxn ang="0">
+                <a:pos x="connsiteX9" y="connsiteY9"/>
+              </a:cxn>
+              <a:cxn ang="0">
+                <a:pos x="connsiteX10" y="connsiteY10"/>
+              </a:cxn>
+              <a:cxn ang="0">
+                <a:pos x="connsiteX11" y="connsiteY11"/>
+              </a:cxn>
+              <a:cxn ang="0">
+                <a:pos x="connsiteX12" y="connsiteY12"/>
+              </a:cxn>
+              <a:cxn ang="0">
+                <a:pos x="connsiteX13" y="connsiteY13"/>
+              </a:cxn>
+              <a:cxn ang="0">
+                <a:pos x="connsiteX14" y="connsiteY14"/>
+              </a:cxn>
+              <a:cxn ang="0">
+                <a:pos x="connsiteX15" y="connsiteY15"/>
+              </a:cxn>
+              <a:cxn ang="0">
+                <a:pos x="connsiteX16" y="connsiteY16"/>
+              </a:cxn>
+              <a:cxn ang="0">
+                <a:pos x="connsiteX17" y="connsiteY17"/>
+              </a:cxn>
+              <a:cxn ang="0">
+                <a:pos x="connsiteX18" y="connsiteY18"/>
+              </a:cxn>
+              <a:cxn ang="0">
+                <a:pos x="connsiteX19" y="connsiteY19"/>
+              </a:cxn>
+              <a:cxn ang="0">
+                <a:pos x="connsiteX20" y="connsiteY20"/>
+              </a:cxn>
+              <a:cxn ang="0">
+                <a:pos x="connsiteX21" y="connsiteY21"/>
+              </a:cxn>
+              <a:cxn ang="0">
+                <a:pos x="connsiteX22" y="connsiteY22"/>
+              </a:cxn>
+              <a:cxn ang="0">
+                <a:pos x="connsiteX23" y="connsiteY23"/>
+              </a:cxn>
+              <a:cxn ang="0">
+                <a:pos x="connsiteX24" y="connsiteY24"/>
+              </a:cxn>
+              <a:cxn ang="0">
+                <a:pos x="connsiteX25" y="connsiteY25"/>
+              </a:cxn>
+              <a:cxn ang="0">
+                <a:pos x="connsiteX26" y="connsiteY26"/>
+              </a:cxn>
+              <a:cxn ang="0">
+                <a:pos x="connsiteX27" y="connsiteY27"/>
+              </a:cxn>
+              <a:cxn ang="0">
+                <a:pos x="connsiteX28" y="connsiteY28"/>
+              </a:cxn>
+              <a:cxn ang="0">
+                <a:pos x="connsiteX29" y="connsiteY29"/>
+              </a:cxn>
+              <a:cxn ang="0">
+                <a:pos x="connsiteX30" y="connsiteY30"/>
+              </a:cxn>
+              <a:cxn ang="0">
+                <a:pos x="connsiteX31" y="connsiteY31"/>
+              </a:cxn>
+              <a:cxn ang="0">
+                <a:pos x="connsiteX32" y="connsiteY32"/>
+              </a:cxn>
+              <a:cxn ang="0">
+                <a:pos x="connsiteX33" y="connsiteY33"/>
+              </a:cxn>
+              <a:cxn ang="0">
+                <a:pos x="connsiteX34" y="connsiteY34"/>
+              </a:cxn>
+              <a:cxn ang="0">
+                <a:pos x="connsiteX35" y="connsiteY35"/>
+              </a:cxn>
+              <a:cxn ang="0">
+                <a:pos x="connsiteX36" y="connsiteY36"/>
+              </a:cxn>
+              <a:cxn ang="0">
+                <a:pos x="connsiteX37" y="connsiteY37"/>
+              </a:cxn>
+            </a:cxnLst>
+            <a:rect l="l" t="t" r="r" b="b"/>
+            <a:pathLst>
+              <a:path w="10972800" h="18288" fill="none" extrusionOk="0">
+                <a:moveTo>
+                  <a:pt x="0" y="0"/>
+                </a:moveTo>
+                <a:cubicBezTo>
+                  <a:pt x="165916" y="-1866"/>
+                  <a:pt x="188720" y="13756"/>
+                  <a:pt x="356616" y="0"/>
+                </a:cubicBezTo>
+                <a:cubicBezTo>
+                  <a:pt x="524512" y="-13756"/>
+                  <a:pt x="734781" y="8922"/>
+                  <a:pt x="1042416" y="0"/>
+                </a:cubicBezTo>
+                <a:cubicBezTo>
+                  <a:pt x="1350051" y="-8922"/>
+                  <a:pt x="1595982" y="-26315"/>
+                  <a:pt x="1947672" y="0"/>
+                </a:cubicBezTo>
+                <a:cubicBezTo>
+                  <a:pt x="2299362" y="26315"/>
+                  <a:pt x="2292691" y="-19526"/>
+                  <a:pt x="2633472" y="0"/>
+                </a:cubicBezTo>
+                <a:cubicBezTo>
+                  <a:pt x="2974253" y="19526"/>
+                  <a:pt x="2857309" y="10773"/>
+                  <a:pt x="2990088" y="0"/>
+                </a:cubicBezTo>
+                <a:cubicBezTo>
+                  <a:pt x="3122867" y="-10773"/>
+                  <a:pt x="3359343" y="7194"/>
+                  <a:pt x="3456432" y="0"/>
+                </a:cubicBezTo>
+                <a:cubicBezTo>
+                  <a:pt x="3553521" y="-7194"/>
+                  <a:pt x="4136258" y="5108"/>
+                  <a:pt x="4361688" y="0"/>
+                </a:cubicBezTo>
+                <a:cubicBezTo>
+                  <a:pt x="4587118" y="-5108"/>
+                  <a:pt x="4992424" y="-42958"/>
+                  <a:pt x="5266944" y="0"/>
+                </a:cubicBezTo>
+                <a:cubicBezTo>
+                  <a:pt x="5541464" y="42958"/>
+                  <a:pt x="5882966" y="-3430"/>
+                  <a:pt x="6172200" y="0"/>
+                </a:cubicBezTo>
+                <a:cubicBezTo>
+                  <a:pt x="6461434" y="3430"/>
+                  <a:pt x="6432127" y="6688"/>
+                  <a:pt x="6528816" y="0"/>
+                </a:cubicBezTo>
+                <a:cubicBezTo>
+                  <a:pt x="6625505" y="-6688"/>
+                  <a:pt x="6916805" y="-436"/>
+                  <a:pt x="7214616" y="0"/>
+                </a:cubicBezTo>
+                <a:cubicBezTo>
+                  <a:pt x="7512427" y="436"/>
+                  <a:pt x="7626159" y="-6909"/>
+                  <a:pt x="7790688" y="0"/>
+                </a:cubicBezTo>
+                <a:cubicBezTo>
+                  <a:pt x="7955217" y="6909"/>
+                  <a:pt x="8048891" y="15307"/>
+                  <a:pt x="8147304" y="0"/>
+                </a:cubicBezTo>
+                <a:cubicBezTo>
+                  <a:pt x="8245717" y="-15307"/>
+                  <a:pt x="8645618" y="-11734"/>
+                  <a:pt x="9052560" y="0"/>
+                </a:cubicBezTo>
+                <a:cubicBezTo>
+                  <a:pt x="9459502" y="11734"/>
+                  <a:pt x="9320584" y="8388"/>
+                  <a:pt x="9409176" y="0"/>
+                </a:cubicBezTo>
+                <a:cubicBezTo>
+                  <a:pt x="9497768" y="-8388"/>
+                  <a:pt x="9644192" y="8379"/>
+                  <a:pt x="9765792" y="0"/>
+                </a:cubicBezTo>
+                <a:cubicBezTo>
+                  <a:pt x="9887392" y="-8379"/>
+                  <a:pt x="10105220" y="-12663"/>
+                  <a:pt x="10341864" y="0"/>
+                </a:cubicBezTo>
+                <a:cubicBezTo>
+                  <a:pt x="10578508" y="12663"/>
+                  <a:pt x="10773103" y="-5786"/>
+                  <a:pt x="10972800" y="0"/>
+                </a:cubicBezTo>
+                <a:cubicBezTo>
+                  <a:pt x="10972146" y="8818"/>
+                  <a:pt x="10972240" y="13823"/>
+                  <a:pt x="10972800" y="18288"/>
+                </a:cubicBezTo>
+                <a:cubicBezTo>
+                  <a:pt x="10588778" y="31598"/>
+                  <a:pt x="10543381" y="-12698"/>
+                  <a:pt x="10177272" y="18288"/>
+                </a:cubicBezTo>
+                <a:cubicBezTo>
+                  <a:pt x="9811163" y="49274"/>
+                  <a:pt x="9996817" y="25662"/>
+                  <a:pt x="9820656" y="18288"/>
+                </a:cubicBezTo>
+                <a:cubicBezTo>
+                  <a:pt x="9644495" y="10914"/>
+                  <a:pt x="9607007" y="31631"/>
+                  <a:pt x="9464040" y="18288"/>
+                </a:cubicBezTo>
+                <a:cubicBezTo>
+                  <a:pt x="9321073" y="4945"/>
+                  <a:pt x="9114189" y="28940"/>
+                  <a:pt x="8778240" y="18288"/>
+                </a:cubicBezTo>
+                <a:cubicBezTo>
+                  <a:pt x="8442291" y="7636"/>
+                  <a:pt x="8594763" y="987"/>
+                  <a:pt x="8421624" y="18288"/>
+                </a:cubicBezTo>
+                <a:cubicBezTo>
+                  <a:pt x="8248485" y="35589"/>
+                  <a:pt x="7929515" y="37573"/>
+                  <a:pt x="7735824" y="18288"/>
+                </a:cubicBezTo>
+                <a:cubicBezTo>
+                  <a:pt x="7542133" y="-997"/>
+                  <a:pt x="7252504" y="33858"/>
+                  <a:pt x="6940296" y="18288"/>
+                </a:cubicBezTo>
+                <a:cubicBezTo>
+                  <a:pt x="6628088" y="2718"/>
+                  <a:pt x="6528503" y="48389"/>
+                  <a:pt x="6254496" y="18288"/>
+                </a:cubicBezTo>
+                <a:cubicBezTo>
+                  <a:pt x="5980489" y="-11813"/>
+                  <a:pt x="5695784" y="-3740"/>
+                  <a:pt x="5458968" y="18288"/>
+                </a:cubicBezTo>
+                <a:cubicBezTo>
+                  <a:pt x="5222152" y="40316"/>
+                  <a:pt x="5010751" y="19095"/>
+                  <a:pt x="4663440" y="18288"/>
+                </a:cubicBezTo>
+                <a:cubicBezTo>
+                  <a:pt x="4316129" y="17481"/>
+                  <a:pt x="4425552" y="1606"/>
+                  <a:pt x="4306824" y="18288"/>
+                </a:cubicBezTo>
+                <a:cubicBezTo>
+                  <a:pt x="4188096" y="34970"/>
+                  <a:pt x="3941535" y="7481"/>
+                  <a:pt x="3840480" y="18288"/>
+                </a:cubicBezTo>
+                <a:cubicBezTo>
+                  <a:pt x="3739425" y="29095"/>
+                  <a:pt x="3402388" y="17641"/>
+                  <a:pt x="3264408" y="18288"/>
+                </a:cubicBezTo>
+                <a:cubicBezTo>
+                  <a:pt x="3126428" y="18935"/>
+                  <a:pt x="2776779" y="9983"/>
+                  <a:pt x="2578608" y="18288"/>
+                </a:cubicBezTo>
+                <a:cubicBezTo>
+                  <a:pt x="2380437" y="26593"/>
+                  <a:pt x="1909468" y="25818"/>
+                  <a:pt x="1673352" y="18288"/>
+                </a:cubicBezTo>
+                <a:cubicBezTo>
+                  <a:pt x="1437236" y="10758"/>
+                  <a:pt x="1131180" y="49884"/>
+                  <a:pt x="877824" y="18288"/>
+                </a:cubicBezTo>
+                <a:cubicBezTo>
+                  <a:pt x="624468" y="-13308"/>
+                  <a:pt x="206753" y="2195"/>
+                  <a:pt x="0" y="18288"/>
+                </a:cubicBezTo>
+                <a:cubicBezTo>
+                  <a:pt x="313" y="10654"/>
+                  <a:pt x="-263" y="4056"/>
+                  <a:pt x="0" y="0"/>
+                </a:cubicBezTo>
+                <a:close/>
+              </a:path>
+              <a:path w="10972800" h="18288" stroke="0" extrusionOk="0">
+                <a:moveTo>
+                  <a:pt x="0" y="0"/>
+                </a:moveTo>
+                <a:cubicBezTo>
+                  <a:pt x="164017" y="-17675"/>
+                  <a:pt x="309425" y="9913"/>
+                  <a:pt x="466344" y="0"/>
+                </a:cubicBezTo>
+                <a:cubicBezTo>
+                  <a:pt x="623263" y="-9913"/>
+                  <a:pt x="659300" y="-14524"/>
+                  <a:pt x="822960" y="0"/>
+                </a:cubicBezTo>
+                <a:cubicBezTo>
+                  <a:pt x="986620" y="14524"/>
+                  <a:pt x="1105222" y="-16481"/>
+                  <a:pt x="1289304" y="0"/>
+                </a:cubicBezTo>
+                <a:cubicBezTo>
+                  <a:pt x="1473386" y="16481"/>
+                  <a:pt x="1693223" y="26161"/>
+                  <a:pt x="1975104" y="0"/>
+                </a:cubicBezTo>
+                <a:cubicBezTo>
+                  <a:pt x="2256985" y="-26161"/>
+                  <a:pt x="2435781" y="23061"/>
+                  <a:pt x="2770632" y="0"/>
+                </a:cubicBezTo>
+                <a:cubicBezTo>
+                  <a:pt x="3105483" y="-23061"/>
+                  <a:pt x="3247479" y="-44011"/>
+                  <a:pt x="3675888" y="0"/>
+                </a:cubicBezTo>
+                <a:cubicBezTo>
+                  <a:pt x="4104297" y="44011"/>
+                  <a:pt x="4280918" y="4017"/>
+                  <a:pt x="4581144" y="0"/>
+                </a:cubicBezTo>
+                <a:cubicBezTo>
+                  <a:pt x="4881370" y="-4017"/>
+                  <a:pt x="5021699" y="-11889"/>
+                  <a:pt x="5157216" y="0"/>
+                </a:cubicBezTo>
+                <a:cubicBezTo>
+                  <a:pt x="5292733" y="11889"/>
+                  <a:pt x="5603398" y="-17698"/>
+                  <a:pt x="5952744" y="0"/>
+                </a:cubicBezTo>
+                <a:cubicBezTo>
+                  <a:pt x="6302090" y="17698"/>
+                  <a:pt x="6353093" y="-11909"/>
+                  <a:pt x="6638544" y="0"/>
+                </a:cubicBezTo>
+                <a:cubicBezTo>
+                  <a:pt x="6923995" y="11909"/>
+                  <a:pt x="7053404" y="21630"/>
+                  <a:pt x="7214616" y="0"/>
+                </a:cubicBezTo>
+                <a:cubicBezTo>
+                  <a:pt x="7375828" y="-21630"/>
+                  <a:pt x="7837963" y="3886"/>
+                  <a:pt x="8010144" y="0"/>
+                </a:cubicBezTo>
+                <a:cubicBezTo>
+                  <a:pt x="8182325" y="-3886"/>
+                  <a:pt x="8224183" y="16009"/>
+                  <a:pt x="8366760" y="0"/>
+                </a:cubicBezTo>
+                <a:cubicBezTo>
+                  <a:pt x="8509337" y="-16009"/>
+                  <a:pt x="8687920" y="-5720"/>
+                  <a:pt x="8942832" y="0"/>
+                </a:cubicBezTo>
+                <a:cubicBezTo>
+                  <a:pt x="9197744" y="5720"/>
+                  <a:pt x="9368437" y="20479"/>
+                  <a:pt x="9628632" y="0"/>
+                </a:cubicBezTo>
+                <a:cubicBezTo>
+                  <a:pt x="9888827" y="-20479"/>
+                  <a:pt x="10560858" y="-20746"/>
+                  <a:pt x="10972800" y="0"/>
+                </a:cubicBezTo>
+                <a:cubicBezTo>
+                  <a:pt x="10972186" y="5722"/>
+                  <a:pt x="10972980" y="12495"/>
+                  <a:pt x="10972800" y="18288"/>
+                </a:cubicBezTo>
+                <a:cubicBezTo>
+                  <a:pt x="10786146" y="12536"/>
+                  <a:pt x="10623717" y="14033"/>
+                  <a:pt x="10506456" y="18288"/>
+                </a:cubicBezTo>
+                <a:cubicBezTo>
+                  <a:pt x="10389195" y="22543"/>
+                  <a:pt x="10296178" y="20107"/>
+                  <a:pt x="10149840" y="18288"/>
+                </a:cubicBezTo>
+                <a:cubicBezTo>
+                  <a:pt x="10003502" y="16469"/>
+                  <a:pt x="9767530" y="28891"/>
+                  <a:pt x="9464040" y="18288"/>
+                </a:cubicBezTo>
+                <a:cubicBezTo>
+                  <a:pt x="9160550" y="7685"/>
+                  <a:pt x="9229050" y="2659"/>
+                  <a:pt x="8997696" y="18288"/>
+                </a:cubicBezTo>
+                <a:cubicBezTo>
+                  <a:pt x="8766342" y="33917"/>
+                  <a:pt x="8340136" y="34864"/>
+                  <a:pt x="8092440" y="18288"/>
+                </a:cubicBezTo>
+                <a:cubicBezTo>
+                  <a:pt x="7844744" y="1712"/>
+                  <a:pt x="7863720" y="27405"/>
+                  <a:pt x="7735824" y="18288"/>
+                </a:cubicBezTo>
+                <a:cubicBezTo>
+                  <a:pt x="7607928" y="9171"/>
+                  <a:pt x="7323619" y="461"/>
+                  <a:pt x="7050024" y="18288"/>
+                </a:cubicBezTo>
+                <a:cubicBezTo>
+                  <a:pt x="6776429" y="36115"/>
+                  <a:pt x="6787899" y="28206"/>
+                  <a:pt x="6693408" y="18288"/>
+                </a:cubicBezTo>
+                <a:cubicBezTo>
+                  <a:pt x="6598917" y="8370"/>
+                  <a:pt x="6395231" y="19114"/>
+                  <a:pt x="6227064" y="18288"/>
+                </a:cubicBezTo>
+                <a:cubicBezTo>
+                  <a:pt x="6058897" y="17462"/>
+                  <a:pt x="5618582" y="1091"/>
+                  <a:pt x="5431536" y="18288"/>
+                </a:cubicBezTo>
+                <a:cubicBezTo>
+                  <a:pt x="5244490" y="35485"/>
+                  <a:pt x="4729797" y="-9650"/>
+                  <a:pt x="4526280" y="18288"/>
+                </a:cubicBezTo>
+                <a:cubicBezTo>
+                  <a:pt x="4322763" y="46226"/>
+                  <a:pt x="4216797" y="756"/>
+                  <a:pt x="4059936" y="18288"/>
+                </a:cubicBezTo>
+                <a:cubicBezTo>
+                  <a:pt x="3903075" y="35820"/>
+                  <a:pt x="3537912" y="42098"/>
+                  <a:pt x="3374136" y="18288"/>
+                </a:cubicBezTo>
+                <a:cubicBezTo>
+                  <a:pt x="3210360" y="-5522"/>
+                  <a:pt x="3126842" y="39135"/>
+                  <a:pt x="2907792" y="18288"/>
+                </a:cubicBezTo>
+                <a:cubicBezTo>
+                  <a:pt x="2688742" y="-2559"/>
+                  <a:pt x="2490436" y="34100"/>
+                  <a:pt x="2112264" y="18288"/>
+                </a:cubicBezTo>
+                <a:cubicBezTo>
+                  <a:pt x="1734092" y="2476"/>
+                  <a:pt x="1744622" y="-7274"/>
+                  <a:pt x="1536192" y="18288"/>
+                </a:cubicBezTo>
+                <a:cubicBezTo>
+                  <a:pt x="1327762" y="43850"/>
+                  <a:pt x="1189025" y="6435"/>
+                  <a:pt x="1069848" y="18288"/>
+                </a:cubicBezTo>
+                <a:cubicBezTo>
+                  <a:pt x="950671" y="30141"/>
+                  <a:pt x="858345" y="33684"/>
+                  <a:pt x="713232" y="18288"/>
+                </a:cubicBezTo>
+                <a:cubicBezTo>
+                  <a:pt x="568119" y="2892"/>
+                  <a:pt x="250292" y="5410"/>
+                  <a:pt x="0" y="18288"/>
+                </a:cubicBezTo>
+                <a:cubicBezTo>
+                  <a:pt x="465" y="13062"/>
+                  <a:pt x="-894" y="9029"/>
+                  <a:pt x="0" y="0"/>
+                </a:cubicBezTo>
+                <a:close/>
+              </a:path>
+            </a:pathLst>
+          </a:custGeom>
+          <a:solidFill>
+            <a:schemeClr val="accent2">
+              <a:alpha val="75000"/>
+            </a:schemeClr>
+          </a:solidFill>
+          <a:ln w="44450" cap="rnd">
+            <a:solidFill>
+              <a:schemeClr val="accent2">
+                <a:alpha val="75000"/>
+              </a:schemeClr>
+            </a:solidFill>
+            <a:round/>
+            <a:extLst>
+              <a:ext uri="{C807C97D-BFC1-408E-A445-0C87EB9F89A2}">
+                <ask:lineSketchStyleProps xmlns:ask="http://schemas.microsoft.com/office/drawing/2018/sketchyshapes" sd="2727557108">
+                  <a:prstGeom prst="rect">
+                    <a:avLst/>
+                  </a:prstGeom>
+                  <ask:type>
+                    <ask:lineSketchFreehand/>
+                  </ask:type>
+                </ask:lineSketchStyleProps>
+              </a:ext>
+            </a:extLst>
+          </a:ln>
+        </p:spPr>
+        <p:style>
+          <a:lnRef idx="2">
+            <a:schemeClr val="accent1">
+              <a:shade val="50000"/>
+            </a:schemeClr>
+          </a:lnRef>
+          <a:fillRef idx="1">
+            <a:schemeClr val="accent1"/>
+          </a:fillRef>
+          <a:effectRef idx="0">
+            <a:schemeClr val="accent1"/>
+          </a:effectRef>
+          <a:fontRef idx="minor">
+            <a:schemeClr val="lt1"/>
+          </a:fontRef>
+        </p:style>
+        <p:txBody>
+          <a:bodyPr rtlCol="0" anchor="ctr"/>
+          <a:lstStyle/>
+          <a:p>
+            <a:pPr algn="ctr"/>
+            <a:endParaRPr lang="en-US"/>
+          </a:p>
+        </p:txBody>
+      </p:sp>
+      <p:sp>
+        <p:nvSpPr>
+          <p:cNvPr id="3" name="Объект 2"/>
+          <p:cNvSpPr>
+            <a:spLocks noGrp="1"/>
+          </p:cNvSpPr>
+          <p:nvPr>
+            <p:ph sz="half" idx="1"/>
+          </p:nvPr>
+        </p:nvSpPr>
+        <p:spPr>
+          <a:xfrm>
+            <a:off x="572493" y="2071316"/>
+            <a:ext cx="6713552" cy="4119172"/>
+          </a:xfrm>
+        </p:spPr>
+        <p:txBody>
+          <a:bodyPr vert="horz" lIns="91440" tIns="45720" rIns="91440" bIns="45720" rtlCol="0" anchor="t">
+            <a:normAutofit lnSpcReduction="10000"/>
+          </a:bodyPr>
+          <a:lstStyle/>
+          <a:p>
+            <a:pPr marL="0"/>
+            <a:r>
+              <a:rPr lang="en-US" sz="2200" b="1" dirty="0"/>
               <a:t>AWS Batch </a:t>
             </a:r>
             <a:r>
-              <a:rPr lang="en-US" sz="1400" dirty="0"/>
-              <a:t>helps you to run batch computing workloads of any scale. AWS Batch automatically provisions compute resources and optimizes the workload distribution based on the quantity and scale of the workloads. With AWS Batch, there's no need to install or manage batch computing software, so you can focus your time on analyzing results and solving problems.</a:t>
+              <a:rPr lang="en-US" sz="2200" dirty="0"/>
+              <a:t>helps you to run batch computing workloads of any scale. </a:t>
+            </a:r>
+          </a:p>
+          <a:p>
+            <a:pPr marL="0"/>
+            <a:r>
+              <a:rPr lang="en-US" sz="2200" dirty="0"/>
+              <a:t>AWS Batch automatically provisions compute resources and optimizes the workload distribution based on the quantity and scale of the workloads. </a:t>
+            </a:r>
+          </a:p>
+          <a:p>
+            <a:pPr marL="0"/>
+            <a:r>
+              <a:rPr lang="en-US" sz="2200" dirty="0"/>
+              <a:t>With AWS Batch, there's no need to install or manage batch computing software, so you can focus your time on analyzing results and solving problems.</a:t>
+            </a:r>
+          </a:p>
+          <a:p>
+            <a:pPr marL="0"/>
+            <a:r>
+              <a:rPr lang="en-US" sz="2200" dirty="0"/>
+              <a:t>EC2</a:t>
+            </a:r>
+          </a:p>
+          <a:p>
+            <a:pPr marL="0"/>
+            <a:r>
+              <a:rPr lang="en-US" sz="2200" dirty="0" err="1"/>
+              <a:t>Fargate</a:t>
+            </a:r>
+            <a:endParaRPr lang="en-US" sz="2200" dirty="0"/>
+          </a:p>
+          <a:p>
+            <a:pPr marL="0"/>
+            <a:r>
+              <a:rPr lang="en-US" sz="2200" dirty="0"/>
+              <a:t>EKS</a:t>
+            </a:r>
+          </a:p>
+          <a:p>
+            <a:pPr marL="0"/>
+            <a:r>
+              <a:rPr lang="en-US" sz="2200" dirty="0"/>
+              <a:t>Supports EFA -&gt; HPC</a:t>
             </a:r>
           </a:p>
         </p:txBody>
@@ -4239,16 +6513,15 @@
           </p:cNvPicPr>
           <p:nvPr/>
         </p:nvPicPr>
-        <p:blipFill>
+        <p:blipFill rotWithShape="1">
           <a:blip r:embed="rId3"/>
-          <a:stretch>
-            <a:fillRect/>
-          </a:stretch>
+          <a:srcRect b="2607"/>
+          <a:stretch/>
         </p:blipFill>
         <p:spPr>
           <a:xfrm>
-            <a:off x="8389810" y="1825625"/>
-            <a:ext cx="2509838" cy="2678661"/>
+            <a:off x="7675658" y="2093976"/>
+            <a:ext cx="3941064" cy="4096512"/>
           </a:xfrm>
           <a:prstGeom prst="rect">
             <a:avLst/>
@@ -4268,9 +6541,17 @@
 </p:sld>
 </file>
 
-<file path=ppt/slides/slide10.xml><?xml version="1.0" encoding="utf-8"?>
+<file path=ppt/slides/slide3.xml><?xml version="1.0" encoding="utf-8"?>
 <p:sld xmlns:a="http://schemas.openxmlformats.org/drawingml/2006/main" xmlns:r="http://schemas.openxmlformats.org/officeDocument/2006/relationships" xmlns:p="http://schemas.openxmlformats.org/presentationml/2006/main">
   <p:cSld>
+    <p:bg>
+      <p:bgPr>
+        <a:solidFill>
+          <a:schemeClr val="bg1"/>
+        </a:solidFill>
+        <a:effectLst/>
+      </p:bgPr>
+    </p:bg>
     <p:spTree>
       <p:nvGrpSpPr>
         <p:cNvPr id="1" name=""/>
@@ -4285,101 +6566,354 @@
           <a:chExt cx="0" cy="0"/>
         </a:xfrm>
       </p:grpSpPr>
-      <p:sp>
-        <p:nvSpPr>
-          <p:cNvPr id="2" name="Заголовок 1"/>
-          <p:cNvSpPr>
-            <a:spLocks noGrp="1"/>
-          </p:cNvSpPr>
-          <p:nvPr>
-            <p:ph type="title"/>
-          </p:nvPr>
-        </p:nvSpPr>
-        <p:spPr/>
-        <p:txBody>
-          <a:bodyPr>
-            <a:normAutofit/>
-          </a:bodyPr>
-          <a:lstStyle/>
-          <a:p>
-            <a:r>
-              <a:rPr lang="en-US" sz="3200" dirty="0"/>
-              <a:t>AWS Batch Monitoring</a:t>
-            </a:r>
-          </a:p>
-        </p:txBody>
-      </p:sp>
-      <p:sp>
-        <p:nvSpPr>
-          <p:cNvPr id="3" name="Объект 2"/>
-          <p:cNvSpPr>
-            <a:spLocks noGrp="1"/>
-          </p:cNvSpPr>
-          <p:nvPr>
-            <p:ph sz="half" idx="1"/>
+      <p:sp useBgFill="1">
+        <p:nvSpPr>
+          <p:cNvPr id="1039" name="Rectangle 1038">
+            <a:extLst>
+              <a:ext uri="{FF2B5EF4-FFF2-40B4-BE49-F238E27FC236}">
+                <a16:creationId xmlns:a16="http://schemas.microsoft.com/office/drawing/2014/main" id="{AB8C311F-7253-4AED-9701-7FC0708C41C7}"/>
+              </a:ext>
+              <a:ext uri="{C183D7F6-B498-43B3-948B-1728B52AA6E4}">
+                <adec:decorative xmlns:adec="http://schemas.microsoft.com/office/drawing/2017/decorative" val="1"/>
+              </a:ext>
+            </a:extLst>
+          </p:cNvPr>
+          <p:cNvSpPr>
+            <a:spLocks noGrp="1" noRot="1" noChangeAspect="1" noMove="1" noResize="1" noEditPoints="1" noAdjustHandles="1" noChangeArrowheads="1" noChangeShapeType="1" noTextEdit="1"/>
+          </p:cNvSpPr>
+          <p:nvPr>
+            <p:extLst>
+              <p:ext uri="{386F3935-93C4-4BCD-93E2-E3B085C9AB24}">
+                <p16:designElem xmlns:p16="http://schemas.microsoft.com/office/powerpoint/2015/main" val="1"/>
+              </p:ext>
+            </p:extLst>
           </p:nvPr>
         </p:nvSpPr>
         <p:spPr>
           <a:xfrm>
-            <a:off x="219456" y="1825625"/>
-            <a:ext cx="7406640" cy="4351338"/>
+            <a:off x="0" y="0"/>
+            <a:ext cx="12192000" cy="6858000"/>
           </a:xfrm>
+          <a:prstGeom prst="rect">
+            <a:avLst/>
+          </a:prstGeom>
+          <a:ln w="12700" cap="flat" cmpd="sng" algn="ctr">
+            <a:noFill/>
+            <a:prstDash val="solid"/>
+            <a:miter lim="800000"/>
+          </a:ln>
+          <a:effectLst/>
+          <a:extLst>
+            <a:ext uri="{91240B29-F687-4F45-9708-019B960494DF}">
+              <a14:hiddenLine xmlns:a14="http://schemas.microsoft.com/office/drawing/2010/main" w="12700" cap="flat" cmpd="sng" algn="ctr">
+                <a:solidFill>
+                  <a:schemeClr val="accent1">
+                    <a:shade val="50000"/>
+                  </a:schemeClr>
+                </a:solidFill>
+                <a:prstDash val="solid"/>
+                <a:miter lim="800000"/>
+              </a14:hiddenLine>
+            </a:ext>
+          </a:extLst>
         </p:spPr>
-        <p:txBody>
-          <a:bodyPr>
-            <a:normAutofit/>
-          </a:bodyPr>
+        <p:style>
+          <a:lnRef idx="2">
+            <a:schemeClr val="accent1">
+              <a:shade val="50000"/>
+            </a:schemeClr>
+          </a:lnRef>
+          <a:fillRef idx="1">
+            <a:schemeClr val="accent1"/>
+          </a:fillRef>
+          <a:effectRef idx="0">
+            <a:schemeClr val="accent1"/>
+          </a:effectRef>
+          <a:fontRef idx="minor">
+            <a:schemeClr val="lt1"/>
+          </a:fontRef>
+        </p:style>
+        <p:txBody>
+          <a:bodyPr rtlCol="0" anchor="ctr"/>
           <a:lstStyle/>
           <a:p>
-            <a:r>
-              <a:rPr lang="en-US" sz="1400" dirty="0"/>
-              <a:t>You can use the </a:t>
-            </a:r>
-            <a:r>
-              <a:rPr lang="en-US" sz="1400" b="1" dirty="0"/>
-              <a:t>AWS Batch event stream for </a:t>
-            </a:r>
-            <a:r>
-              <a:rPr lang="en-US" sz="1400" b="1" dirty="0" err="1"/>
-              <a:t>CloudWatch</a:t>
-            </a:r>
-            <a:r>
-              <a:rPr lang="en-US" sz="1400" b="1" dirty="0"/>
-              <a:t> Events </a:t>
-            </a:r>
-            <a:r>
-              <a:rPr lang="en-US" sz="1400" dirty="0"/>
-              <a:t>to receive near real-time notifications regarding the current state of jobs that have been submitted to your job queues.</a:t>
-            </a:r>
-          </a:p>
-          <a:p>
-            <a:r>
-              <a:rPr lang="en-US" sz="1400" dirty="0"/>
-              <a:t>Events from the AWS Batch event stream are ensured to be delivered at least one time.</a:t>
-            </a:r>
-          </a:p>
-          <a:p>
-            <a:r>
-              <a:rPr lang="en-US" sz="1400" dirty="0" err="1"/>
-              <a:t>CloudTrail</a:t>
-            </a:r>
-            <a:r>
-              <a:rPr lang="en-US" sz="1400" dirty="0"/>
-              <a:t> captures all API calls for AWS Batch as events.</a:t>
-            </a:r>
-          </a:p>
-          <a:p>
-            <a:pPr marL="0" indent="0">
-              <a:buNone/>
-            </a:pPr>
-            <a:endParaRPr lang="en-US" sz="1400" dirty="0"/>
-          </a:p>
-        </p:txBody>
-      </p:sp>
+            <a:pPr algn="ctr"/>
+            <a:endParaRPr lang="en-US"/>
+          </a:p>
+        </p:txBody>
+      </p:sp>
+      <p:sp>
+        <p:nvSpPr>
+          <p:cNvPr id="1040" name="Rectangle 1039">
+            <a:extLst>
+              <a:ext uri="{FF2B5EF4-FFF2-40B4-BE49-F238E27FC236}">
+                <a16:creationId xmlns:a16="http://schemas.microsoft.com/office/drawing/2014/main" id="{E2384209-CB15-4CDF-9D31-C44FD9A3F20D}"/>
+              </a:ext>
+              <a:ext uri="{C183D7F6-B498-43B3-948B-1728B52AA6E4}">
+                <adec:decorative xmlns:adec="http://schemas.microsoft.com/office/drawing/2017/decorative" val="1"/>
+              </a:ext>
+            </a:extLst>
+          </p:cNvPr>
+          <p:cNvSpPr>
+            <a:spLocks noGrp="1" noRot="1" noChangeAspect="1" noMove="1" noResize="1" noEditPoints="1" noAdjustHandles="1" noChangeArrowheads="1" noChangeShapeType="1" noTextEdit="1"/>
+          </p:cNvSpPr>
+          <p:nvPr>
+            <p:extLst>
+              <p:ext uri="{386F3935-93C4-4BCD-93E2-E3B085C9AB24}">
+                <p16:designElem xmlns:p16="http://schemas.microsoft.com/office/powerpoint/2015/main" val="1"/>
+              </p:ext>
+            </p:extLst>
+          </p:nvPr>
+        </p:nvSpPr>
+        <p:spPr>
+          <a:xfrm rot="16200000" flipH="1">
+            <a:off x="2666617" y="-2666188"/>
+            <a:ext cx="6858000" cy="12191233"/>
+          </a:xfrm>
+          <a:prstGeom prst="rect">
+            <a:avLst/>
+          </a:prstGeom>
+          <a:gradFill>
+            <a:gsLst>
+              <a:gs pos="8000">
+                <a:schemeClr val="accent1"/>
+              </a:gs>
+              <a:gs pos="100000">
+                <a:schemeClr val="accent1">
+                  <a:lumMod val="50000"/>
+                </a:schemeClr>
+              </a:gs>
+            </a:gsLst>
+            <a:lin ang="12000000" scaled="0"/>
+          </a:gradFill>
+          <a:ln>
+            <a:noFill/>
+          </a:ln>
+        </p:spPr>
+        <p:style>
+          <a:lnRef idx="2">
+            <a:schemeClr val="accent1">
+              <a:shade val="50000"/>
+            </a:schemeClr>
+          </a:lnRef>
+          <a:fillRef idx="1">
+            <a:schemeClr val="accent1"/>
+          </a:fillRef>
+          <a:effectRef idx="0">
+            <a:schemeClr val="accent1"/>
+          </a:effectRef>
+          <a:fontRef idx="minor">
+            <a:schemeClr val="lt1"/>
+          </a:fontRef>
+        </p:style>
+        <p:txBody>
+          <a:bodyPr rtlCol="0" anchor="ctr"/>
+          <a:lstStyle/>
+          <a:p>
+            <a:pPr algn="ctr"/>
+            <a:endParaRPr lang="en-US"/>
+          </a:p>
+        </p:txBody>
+      </p:sp>
+      <p:sp>
+        <p:nvSpPr>
+          <p:cNvPr id="1041" name="Rectangle 1040">
+            <a:extLst>
+              <a:ext uri="{FF2B5EF4-FFF2-40B4-BE49-F238E27FC236}">
+                <a16:creationId xmlns:a16="http://schemas.microsoft.com/office/drawing/2014/main" id="{2633B3B5-CC90-43F0-8714-D31D1F3F0209}"/>
+              </a:ext>
+              <a:ext uri="{C183D7F6-B498-43B3-948B-1728B52AA6E4}">
+                <adec:decorative xmlns:adec="http://schemas.microsoft.com/office/drawing/2017/decorative" val="1"/>
+              </a:ext>
+            </a:extLst>
+          </p:cNvPr>
+          <p:cNvSpPr>
+            <a:spLocks noGrp="1" noRot="1" noChangeAspect="1" noMove="1" noResize="1" noEditPoints="1" noAdjustHandles="1" noChangeArrowheads="1" noChangeShapeType="1" noTextEdit="1"/>
+          </p:cNvSpPr>
+          <p:nvPr>
+            <p:extLst>
+              <p:ext uri="{386F3935-93C4-4BCD-93E2-E3B085C9AB24}">
+                <p16:designElem xmlns:p16="http://schemas.microsoft.com/office/powerpoint/2015/main" val="1"/>
+              </p:ext>
+            </p:extLst>
+          </p:nvPr>
+        </p:nvSpPr>
+        <p:spPr>
+          <a:xfrm rot="10800000" flipH="1">
+            <a:off x="-2311" y="0"/>
+            <a:ext cx="9070846" cy="6857572"/>
+          </a:xfrm>
+          <a:prstGeom prst="rect">
+            <a:avLst/>
+          </a:prstGeom>
+          <a:gradFill>
+            <a:gsLst>
+              <a:gs pos="8000">
+                <a:srgbClr val="000000">
+                  <a:alpha val="52000"/>
+                </a:srgbClr>
+              </a:gs>
+              <a:gs pos="100000">
+                <a:schemeClr val="accent1"/>
+              </a:gs>
+            </a:gsLst>
+            <a:lin ang="4800000" scaled="0"/>
+          </a:gradFill>
+          <a:ln>
+            <a:noFill/>
+          </a:ln>
+        </p:spPr>
+        <p:style>
+          <a:lnRef idx="2">
+            <a:schemeClr val="accent1">
+              <a:shade val="50000"/>
+            </a:schemeClr>
+          </a:lnRef>
+          <a:fillRef idx="1">
+            <a:schemeClr val="accent1"/>
+          </a:fillRef>
+          <a:effectRef idx="0">
+            <a:schemeClr val="accent1"/>
+          </a:effectRef>
+          <a:fontRef idx="minor">
+            <a:schemeClr val="lt1"/>
+          </a:fontRef>
+        </p:style>
+        <p:txBody>
+          <a:bodyPr rtlCol="0" anchor="ctr"/>
+          <a:lstStyle/>
+          <a:p>
+            <a:pPr algn="ctr"/>
+            <a:endParaRPr lang="en-US"/>
+          </a:p>
+        </p:txBody>
+      </p:sp>
+      <p:sp>
+        <p:nvSpPr>
+          <p:cNvPr id="1042" name="Rectangle 1041">
+            <a:extLst>
+              <a:ext uri="{FF2B5EF4-FFF2-40B4-BE49-F238E27FC236}">
+                <a16:creationId xmlns:a16="http://schemas.microsoft.com/office/drawing/2014/main" id="{A8D57A06-A426-446D-B02C-A2DC6B62E45E}"/>
+              </a:ext>
+              <a:ext uri="{C183D7F6-B498-43B3-948B-1728B52AA6E4}">
+                <adec:decorative xmlns:adec="http://schemas.microsoft.com/office/drawing/2017/decorative" val="1"/>
+              </a:ext>
+            </a:extLst>
+          </p:cNvPr>
+          <p:cNvSpPr>
+            <a:spLocks noGrp="1" noRot="1" noChangeAspect="1" noMove="1" noResize="1" noEditPoints="1" noAdjustHandles="1" noChangeArrowheads="1" noChangeShapeType="1" noTextEdit="1"/>
+          </p:cNvSpPr>
+          <p:nvPr>
+            <p:extLst>
+              <p:ext uri="{386F3935-93C4-4BCD-93E2-E3B085C9AB24}">
+                <p16:designElem xmlns:p16="http://schemas.microsoft.com/office/powerpoint/2015/main" val="1"/>
+              </p:ext>
+            </p:extLst>
+          </p:nvPr>
+        </p:nvSpPr>
+        <p:spPr>
+          <a:xfrm rot="16200000" flipH="1">
+            <a:off x="3649491" y="-1685840"/>
+            <a:ext cx="4894564" cy="12193546"/>
+          </a:xfrm>
+          <a:prstGeom prst="rect">
+            <a:avLst/>
+          </a:prstGeom>
+          <a:gradFill>
+            <a:gsLst>
+              <a:gs pos="0">
+                <a:schemeClr val="accent5">
+                  <a:lumMod val="60000"/>
+                  <a:lumOff val="40000"/>
+                  <a:alpha val="0"/>
+                </a:schemeClr>
+              </a:gs>
+              <a:gs pos="100000">
+                <a:srgbClr val="000000">
+                  <a:alpha val="46000"/>
+                </a:srgbClr>
+              </a:gs>
+            </a:gsLst>
+            <a:lin ang="1200000" scaled="0"/>
+          </a:gradFill>
+          <a:ln>
+            <a:noFill/>
+          </a:ln>
+        </p:spPr>
+        <p:style>
+          <a:lnRef idx="2">
+            <a:schemeClr val="accent1">
+              <a:shade val="50000"/>
+            </a:schemeClr>
+          </a:lnRef>
+          <a:fillRef idx="1">
+            <a:schemeClr val="accent1"/>
+          </a:fillRef>
+          <a:effectRef idx="0">
+            <a:schemeClr val="accent1"/>
+          </a:effectRef>
+          <a:fontRef idx="minor">
+            <a:schemeClr val="lt1"/>
+          </a:fontRef>
+        </p:style>
+        <p:txBody>
+          <a:bodyPr rtlCol="0" anchor="ctr"/>
+          <a:lstStyle/>
+          <a:p>
+            <a:pPr algn="ctr"/>
+            <a:endParaRPr lang="en-US"/>
+          </a:p>
+        </p:txBody>
+      </p:sp>
+      <p:pic>
+        <p:nvPicPr>
+          <p:cNvPr id="1026" name="Picture 2" descr="A diagram of a service&#10;&#10;Description automatically generated">
+            <a:extLst>
+              <a:ext uri="{FF2B5EF4-FFF2-40B4-BE49-F238E27FC236}">
+                <a16:creationId xmlns:a16="http://schemas.microsoft.com/office/drawing/2014/main" id="{613EFBE6-DE62-023D-F6AE-6F0D14624582}"/>
+              </a:ext>
+            </a:extLst>
+          </p:cNvPr>
+          <p:cNvPicPr>
+            <a:picLocks noChangeAspect="1" noChangeArrowheads="1"/>
+          </p:cNvPicPr>
+          <p:nvPr/>
+        </p:nvPicPr>
+        <p:blipFill rotWithShape="1">
+          <a:blip r:embed="rId2">
+            <a:extLst>
+              <a:ext uri="{28A0092B-C50C-407E-A947-70E740481C1C}">
+                <a14:useLocalDpi xmlns:a14="http://schemas.microsoft.com/office/drawing/2010/main" val="0"/>
+              </a:ext>
+            </a:extLst>
+          </a:blip>
+          <a:srcRect t="5809" b="498"/>
+          <a:stretch/>
+        </p:blipFill>
+        <p:spPr bwMode="auto">
+          <a:xfrm>
+            <a:off x="457200" y="457200"/>
+            <a:ext cx="11277600" cy="5943600"/>
+          </a:xfrm>
+          <a:prstGeom prst="rect">
+            <a:avLst/>
+          </a:prstGeom>
+          <a:noFill/>
+          <a:extLst>
+            <a:ext uri="{909E8E84-426E-40DD-AFC4-6F175D3DCCD1}">
+              <a14:hiddenFill xmlns:a14="http://schemas.microsoft.com/office/drawing/2010/main">
+                <a:solidFill>
+                  <a:srgbClr val="FFFFFF"/>
+                </a:solidFill>
+              </a14:hiddenFill>
+            </a:ext>
+          </a:extLst>
+        </p:spPr>
+      </p:pic>
     </p:spTree>
     <p:extLst>
       <p:ext uri="{BB962C8B-B14F-4D97-AF65-F5344CB8AC3E}">
-        <p14:creationId xmlns:p14="http://schemas.microsoft.com/office/powerpoint/2010/main" val="4026377227"/>
+        <p14:creationId xmlns:p14="http://schemas.microsoft.com/office/powerpoint/2010/main" val="3462472916"/>
       </p:ext>
     </p:extLst>
   </p:cSld>
@@ -4389,9 +6923,17 @@
 </p:sld>
 </file>
 
-<file path=ppt/slides/slide2.xml><?xml version="1.0" encoding="utf-8"?>
+<file path=ppt/slides/slide4.xml><?xml version="1.0" encoding="utf-8"?>
 <p:sld xmlns:a="http://schemas.openxmlformats.org/drawingml/2006/main" xmlns:r="http://schemas.openxmlformats.org/officeDocument/2006/relationships" xmlns:p="http://schemas.openxmlformats.org/presentationml/2006/main">
   <p:cSld>
+    <p:bg>
+      <p:bgPr>
+        <a:solidFill>
+          <a:schemeClr val="bg1"/>
+        </a:solidFill>
+        <a:effectLst/>
+      </p:bgPr>
+    </p:bg>
     <p:spTree>
       <p:nvGrpSpPr>
         <p:cNvPr id="1" name=""/>
@@ -4406,6 +6948,66 @@
           <a:chExt cx="0" cy="0"/>
         </a:xfrm>
       </p:grpSpPr>
+      <p:sp useBgFill="1">
+        <p:nvSpPr>
+          <p:cNvPr id="9" name="Rectangle 8">
+            <a:extLst>
+              <a:ext uri="{FF2B5EF4-FFF2-40B4-BE49-F238E27FC236}">
+                <a16:creationId xmlns:a16="http://schemas.microsoft.com/office/drawing/2014/main" id="{45D37F4E-DDB4-456B-97E0-9937730A039F}"/>
+              </a:ext>
+              <a:ext uri="{C183D7F6-B498-43B3-948B-1728B52AA6E4}">
+                <adec:decorative xmlns:adec="http://schemas.microsoft.com/office/drawing/2017/decorative" val="1"/>
+              </a:ext>
+            </a:extLst>
+          </p:cNvPr>
+          <p:cNvSpPr>
+            <a:spLocks noGrp="1" noRot="1" noChangeAspect="1" noMove="1" noResize="1" noEditPoints="1" noAdjustHandles="1" noChangeArrowheads="1" noChangeShapeType="1" noTextEdit="1"/>
+          </p:cNvSpPr>
+          <p:nvPr>
+            <p:extLst>
+              <p:ext uri="{386F3935-93C4-4BCD-93E2-E3B085C9AB24}">
+                <p16:designElem xmlns:p16="http://schemas.microsoft.com/office/powerpoint/2015/main" val="1"/>
+              </p:ext>
+            </p:extLst>
+          </p:nvPr>
+        </p:nvSpPr>
+        <p:spPr>
+          <a:xfrm>
+            <a:off x="0" y="0"/>
+            <a:ext cx="12188952" cy="6858000"/>
+          </a:xfrm>
+          <a:prstGeom prst="rect">
+            <a:avLst/>
+          </a:prstGeom>
+          <a:ln>
+            <a:noFill/>
+          </a:ln>
+        </p:spPr>
+        <p:style>
+          <a:lnRef idx="2">
+            <a:schemeClr val="accent1">
+              <a:shade val="50000"/>
+            </a:schemeClr>
+          </a:lnRef>
+          <a:fillRef idx="1">
+            <a:schemeClr val="accent1"/>
+          </a:fillRef>
+          <a:effectRef idx="0">
+            <a:schemeClr val="accent1"/>
+          </a:effectRef>
+          <a:fontRef idx="minor">
+            <a:schemeClr val="lt1"/>
+          </a:fontRef>
+        </p:style>
+        <p:txBody>
+          <a:bodyPr rtlCol="0" anchor="ctr"/>
+          <a:lstStyle/>
+          <a:p>
+            <a:pPr algn="ctr"/>
+            <a:endParaRPr lang="en-US"/>
+          </a:p>
+        </p:txBody>
+      </p:sp>
       <p:sp>
         <p:nvSpPr>
           <p:cNvPr id="2" name="Заголовок 1"/>
@@ -4416,15 +7018,20 @@
             <p:ph type="title"/>
           </p:nvPr>
         </p:nvSpPr>
-        <p:spPr/>
-        <p:txBody>
-          <a:bodyPr>
+        <p:spPr>
+          <a:xfrm>
+            <a:off x="572493" y="238539"/>
+            <a:ext cx="11018520" cy="1434415"/>
+          </a:xfrm>
+        </p:spPr>
+        <p:txBody>
+          <a:bodyPr vert="horz" lIns="91440" tIns="45720" rIns="91440" bIns="45720" rtlCol="0" anchor="b">
             <a:normAutofit/>
           </a:bodyPr>
           <a:lstStyle/>
           <a:p>
             <a:r>
-              <a:rPr lang="en-US" sz="3200" dirty="0"/>
+              <a:rPr lang="en-US" sz="5400"/>
               <a:t>Components of AWS Batch:</a:t>
             </a:r>
           </a:p>
@@ -4432,90 +7039,744 @@
       </p:sp>
       <p:sp>
         <p:nvSpPr>
-          <p:cNvPr id="3" name="Объект 2"/>
-          <p:cNvSpPr>
-            <a:spLocks noGrp="1"/>
-          </p:cNvSpPr>
-          <p:nvPr>
-            <p:ph sz="half" idx="1"/>
+          <p:cNvPr id="11" name="sketchy line">
+            <a:extLst>
+              <a:ext uri="{FF2B5EF4-FFF2-40B4-BE49-F238E27FC236}">
+                <a16:creationId xmlns:a16="http://schemas.microsoft.com/office/drawing/2014/main" id="{B2DD41CD-8F47-4F56-AD12-4E2FF7696987}"/>
+              </a:ext>
+              <a:ext uri="{C183D7F6-B498-43B3-948B-1728B52AA6E4}">
+                <adec:decorative xmlns:adec="http://schemas.microsoft.com/office/drawing/2017/decorative" val="1"/>
+              </a:ext>
+            </a:extLst>
+          </p:cNvPr>
+          <p:cNvSpPr>
+            <a:spLocks noGrp="1" noRot="1" noChangeAspect="1" noMove="1" noResize="1" noEditPoints="1" noAdjustHandles="1" noChangeArrowheads="1" noChangeShapeType="1" noTextEdit="1"/>
+          </p:cNvSpPr>
+          <p:nvPr>
+            <p:extLst>
+              <p:ext uri="{386F3935-93C4-4BCD-93E2-E3B085C9AB24}">
+                <p16:designElem xmlns:p16="http://schemas.microsoft.com/office/powerpoint/2015/main" val="1"/>
+              </p:ext>
+            </p:extLst>
           </p:nvPr>
         </p:nvSpPr>
         <p:spPr>
           <a:xfrm>
-            <a:off x="838200" y="1825625"/>
-            <a:ext cx="5827776" cy="4351338"/>
+            <a:off x="572493" y="1681544"/>
+            <a:ext cx="10972800" cy="18288"/>
+          </a:xfrm>
+          <a:custGeom>
+            <a:avLst/>
+            <a:gdLst>
+              <a:gd name="connsiteX0" fmla="*/ 0 w 10972800"/>
+              <a:gd name="connsiteY0" fmla="*/ 0 h 18288"/>
+              <a:gd name="connsiteX1" fmla="*/ 356616 w 10972800"/>
+              <a:gd name="connsiteY1" fmla="*/ 0 h 18288"/>
+              <a:gd name="connsiteX2" fmla="*/ 1042416 w 10972800"/>
+              <a:gd name="connsiteY2" fmla="*/ 0 h 18288"/>
+              <a:gd name="connsiteX3" fmla="*/ 1947672 w 10972800"/>
+              <a:gd name="connsiteY3" fmla="*/ 0 h 18288"/>
+              <a:gd name="connsiteX4" fmla="*/ 2633472 w 10972800"/>
+              <a:gd name="connsiteY4" fmla="*/ 0 h 18288"/>
+              <a:gd name="connsiteX5" fmla="*/ 2990088 w 10972800"/>
+              <a:gd name="connsiteY5" fmla="*/ 0 h 18288"/>
+              <a:gd name="connsiteX6" fmla="*/ 3456432 w 10972800"/>
+              <a:gd name="connsiteY6" fmla="*/ 0 h 18288"/>
+              <a:gd name="connsiteX7" fmla="*/ 4361688 w 10972800"/>
+              <a:gd name="connsiteY7" fmla="*/ 0 h 18288"/>
+              <a:gd name="connsiteX8" fmla="*/ 5266944 w 10972800"/>
+              <a:gd name="connsiteY8" fmla="*/ 0 h 18288"/>
+              <a:gd name="connsiteX9" fmla="*/ 6172200 w 10972800"/>
+              <a:gd name="connsiteY9" fmla="*/ 0 h 18288"/>
+              <a:gd name="connsiteX10" fmla="*/ 6528816 w 10972800"/>
+              <a:gd name="connsiteY10" fmla="*/ 0 h 18288"/>
+              <a:gd name="connsiteX11" fmla="*/ 7214616 w 10972800"/>
+              <a:gd name="connsiteY11" fmla="*/ 0 h 18288"/>
+              <a:gd name="connsiteX12" fmla="*/ 7790688 w 10972800"/>
+              <a:gd name="connsiteY12" fmla="*/ 0 h 18288"/>
+              <a:gd name="connsiteX13" fmla="*/ 8147304 w 10972800"/>
+              <a:gd name="connsiteY13" fmla="*/ 0 h 18288"/>
+              <a:gd name="connsiteX14" fmla="*/ 9052560 w 10972800"/>
+              <a:gd name="connsiteY14" fmla="*/ 0 h 18288"/>
+              <a:gd name="connsiteX15" fmla="*/ 9409176 w 10972800"/>
+              <a:gd name="connsiteY15" fmla="*/ 0 h 18288"/>
+              <a:gd name="connsiteX16" fmla="*/ 9765792 w 10972800"/>
+              <a:gd name="connsiteY16" fmla="*/ 0 h 18288"/>
+              <a:gd name="connsiteX17" fmla="*/ 10341864 w 10972800"/>
+              <a:gd name="connsiteY17" fmla="*/ 0 h 18288"/>
+              <a:gd name="connsiteX18" fmla="*/ 10972800 w 10972800"/>
+              <a:gd name="connsiteY18" fmla="*/ 0 h 18288"/>
+              <a:gd name="connsiteX19" fmla="*/ 10972800 w 10972800"/>
+              <a:gd name="connsiteY19" fmla="*/ 18288 h 18288"/>
+              <a:gd name="connsiteX20" fmla="*/ 10177272 w 10972800"/>
+              <a:gd name="connsiteY20" fmla="*/ 18288 h 18288"/>
+              <a:gd name="connsiteX21" fmla="*/ 9820656 w 10972800"/>
+              <a:gd name="connsiteY21" fmla="*/ 18288 h 18288"/>
+              <a:gd name="connsiteX22" fmla="*/ 9464040 w 10972800"/>
+              <a:gd name="connsiteY22" fmla="*/ 18288 h 18288"/>
+              <a:gd name="connsiteX23" fmla="*/ 8778240 w 10972800"/>
+              <a:gd name="connsiteY23" fmla="*/ 18288 h 18288"/>
+              <a:gd name="connsiteX24" fmla="*/ 8421624 w 10972800"/>
+              <a:gd name="connsiteY24" fmla="*/ 18288 h 18288"/>
+              <a:gd name="connsiteX25" fmla="*/ 7735824 w 10972800"/>
+              <a:gd name="connsiteY25" fmla="*/ 18288 h 18288"/>
+              <a:gd name="connsiteX26" fmla="*/ 6940296 w 10972800"/>
+              <a:gd name="connsiteY26" fmla="*/ 18288 h 18288"/>
+              <a:gd name="connsiteX27" fmla="*/ 6254496 w 10972800"/>
+              <a:gd name="connsiteY27" fmla="*/ 18288 h 18288"/>
+              <a:gd name="connsiteX28" fmla="*/ 5458968 w 10972800"/>
+              <a:gd name="connsiteY28" fmla="*/ 18288 h 18288"/>
+              <a:gd name="connsiteX29" fmla="*/ 4663440 w 10972800"/>
+              <a:gd name="connsiteY29" fmla="*/ 18288 h 18288"/>
+              <a:gd name="connsiteX30" fmla="*/ 4306824 w 10972800"/>
+              <a:gd name="connsiteY30" fmla="*/ 18288 h 18288"/>
+              <a:gd name="connsiteX31" fmla="*/ 3840480 w 10972800"/>
+              <a:gd name="connsiteY31" fmla="*/ 18288 h 18288"/>
+              <a:gd name="connsiteX32" fmla="*/ 3264408 w 10972800"/>
+              <a:gd name="connsiteY32" fmla="*/ 18288 h 18288"/>
+              <a:gd name="connsiteX33" fmla="*/ 2578608 w 10972800"/>
+              <a:gd name="connsiteY33" fmla="*/ 18288 h 18288"/>
+              <a:gd name="connsiteX34" fmla="*/ 1673352 w 10972800"/>
+              <a:gd name="connsiteY34" fmla="*/ 18288 h 18288"/>
+              <a:gd name="connsiteX35" fmla="*/ 877824 w 10972800"/>
+              <a:gd name="connsiteY35" fmla="*/ 18288 h 18288"/>
+              <a:gd name="connsiteX36" fmla="*/ 0 w 10972800"/>
+              <a:gd name="connsiteY36" fmla="*/ 18288 h 18288"/>
+              <a:gd name="connsiteX37" fmla="*/ 0 w 10972800"/>
+              <a:gd name="connsiteY37" fmla="*/ 0 h 18288"/>
+            </a:gdLst>
+            <a:ahLst/>
+            <a:cxnLst>
+              <a:cxn ang="0">
+                <a:pos x="connsiteX0" y="connsiteY0"/>
+              </a:cxn>
+              <a:cxn ang="0">
+                <a:pos x="connsiteX1" y="connsiteY1"/>
+              </a:cxn>
+              <a:cxn ang="0">
+                <a:pos x="connsiteX2" y="connsiteY2"/>
+              </a:cxn>
+              <a:cxn ang="0">
+                <a:pos x="connsiteX3" y="connsiteY3"/>
+              </a:cxn>
+              <a:cxn ang="0">
+                <a:pos x="connsiteX4" y="connsiteY4"/>
+              </a:cxn>
+              <a:cxn ang="0">
+                <a:pos x="connsiteX5" y="connsiteY5"/>
+              </a:cxn>
+              <a:cxn ang="0">
+                <a:pos x="connsiteX6" y="connsiteY6"/>
+              </a:cxn>
+              <a:cxn ang="0">
+                <a:pos x="connsiteX7" y="connsiteY7"/>
+              </a:cxn>
+              <a:cxn ang="0">
+                <a:pos x="connsiteX8" y="connsiteY8"/>
+              </a:cxn>
+              <a:cxn ang="0">
+                <a:pos x="connsiteX9" y="connsiteY9"/>
+              </a:cxn>
+              <a:cxn ang="0">
+                <a:pos x="connsiteX10" y="connsiteY10"/>
+              </a:cxn>
+              <a:cxn ang="0">
+                <a:pos x="connsiteX11" y="connsiteY11"/>
+              </a:cxn>
+              <a:cxn ang="0">
+                <a:pos x="connsiteX12" y="connsiteY12"/>
+              </a:cxn>
+              <a:cxn ang="0">
+                <a:pos x="connsiteX13" y="connsiteY13"/>
+              </a:cxn>
+              <a:cxn ang="0">
+                <a:pos x="connsiteX14" y="connsiteY14"/>
+              </a:cxn>
+              <a:cxn ang="0">
+                <a:pos x="connsiteX15" y="connsiteY15"/>
+              </a:cxn>
+              <a:cxn ang="0">
+                <a:pos x="connsiteX16" y="connsiteY16"/>
+              </a:cxn>
+              <a:cxn ang="0">
+                <a:pos x="connsiteX17" y="connsiteY17"/>
+              </a:cxn>
+              <a:cxn ang="0">
+                <a:pos x="connsiteX18" y="connsiteY18"/>
+              </a:cxn>
+              <a:cxn ang="0">
+                <a:pos x="connsiteX19" y="connsiteY19"/>
+              </a:cxn>
+              <a:cxn ang="0">
+                <a:pos x="connsiteX20" y="connsiteY20"/>
+              </a:cxn>
+              <a:cxn ang="0">
+                <a:pos x="connsiteX21" y="connsiteY21"/>
+              </a:cxn>
+              <a:cxn ang="0">
+                <a:pos x="connsiteX22" y="connsiteY22"/>
+              </a:cxn>
+              <a:cxn ang="0">
+                <a:pos x="connsiteX23" y="connsiteY23"/>
+              </a:cxn>
+              <a:cxn ang="0">
+                <a:pos x="connsiteX24" y="connsiteY24"/>
+              </a:cxn>
+              <a:cxn ang="0">
+                <a:pos x="connsiteX25" y="connsiteY25"/>
+              </a:cxn>
+              <a:cxn ang="0">
+                <a:pos x="connsiteX26" y="connsiteY26"/>
+              </a:cxn>
+              <a:cxn ang="0">
+                <a:pos x="connsiteX27" y="connsiteY27"/>
+              </a:cxn>
+              <a:cxn ang="0">
+                <a:pos x="connsiteX28" y="connsiteY28"/>
+              </a:cxn>
+              <a:cxn ang="0">
+                <a:pos x="connsiteX29" y="connsiteY29"/>
+              </a:cxn>
+              <a:cxn ang="0">
+                <a:pos x="connsiteX30" y="connsiteY30"/>
+              </a:cxn>
+              <a:cxn ang="0">
+                <a:pos x="connsiteX31" y="connsiteY31"/>
+              </a:cxn>
+              <a:cxn ang="0">
+                <a:pos x="connsiteX32" y="connsiteY32"/>
+              </a:cxn>
+              <a:cxn ang="0">
+                <a:pos x="connsiteX33" y="connsiteY33"/>
+              </a:cxn>
+              <a:cxn ang="0">
+                <a:pos x="connsiteX34" y="connsiteY34"/>
+              </a:cxn>
+              <a:cxn ang="0">
+                <a:pos x="connsiteX35" y="connsiteY35"/>
+              </a:cxn>
+              <a:cxn ang="0">
+                <a:pos x="connsiteX36" y="connsiteY36"/>
+              </a:cxn>
+              <a:cxn ang="0">
+                <a:pos x="connsiteX37" y="connsiteY37"/>
+              </a:cxn>
+            </a:cxnLst>
+            <a:rect l="l" t="t" r="r" b="b"/>
+            <a:pathLst>
+              <a:path w="10972800" h="18288" fill="none" extrusionOk="0">
+                <a:moveTo>
+                  <a:pt x="0" y="0"/>
+                </a:moveTo>
+                <a:cubicBezTo>
+                  <a:pt x="165916" y="-1866"/>
+                  <a:pt x="188720" y="13756"/>
+                  <a:pt x="356616" y="0"/>
+                </a:cubicBezTo>
+                <a:cubicBezTo>
+                  <a:pt x="524512" y="-13756"/>
+                  <a:pt x="734781" y="8922"/>
+                  <a:pt x="1042416" y="0"/>
+                </a:cubicBezTo>
+                <a:cubicBezTo>
+                  <a:pt x="1350051" y="-8922"/>
+                  <a:pt x="1595982" y="-26315"/>
+                  <a:pt x="1947672" y="0"/>
+                </a:cubicBezTo>
+                <a:cubicBezTo>
+                  <a:pt x="2299362" y="26315"/>
+                  <a:pt x="2292691" y="-19526"/>
+                  <a:pt x="2633472" y="0"/>
+                </a:cubicBezTo>
+                <a:cubicBezTo>
+                  <a:pt x="2974253" y="19526"/>
+                  <a:pt x="2857309" y="10773"/>
+                  <a:pt x="2990088" y="0"/>
+                </a:cubicBezTo>
+                <a:cubicBezTo>
+                  <a:pt x="3122867" y="-10773"/>
+                  <a:pt x="3359343" y="7194"/>
+                  <a:pt x="3456432" y="0"/>
+                </a:cubicBezTo>
+                <a:cubicBezTo>
+                  <a:pt x="3553521" y="-7194"/>
+                  <a:pt x="4136258" y="5108"/>
+                  <a:pt x="4361688" y="0"/>
+                </a:cubicBezTo>
+                <a:cubicBezTo>
+                  <a:pt x="4587118" y="-5108"/>
+                  <a:pt x="4992424" y="-42958"/>
+                  <a:pt x="5266944" y="0"/>
+                </a:cubicBezTo>
+                <a:cubicBezTo>
+                  <a:pt x="5541464" y="42958"/>
+                  <a:pt x="5882966" y="-3430"/>
+                  <a:pt x="6172200" y="0"/>
+                </a:cubicBezTo>
+                <a:cubicBezTo>
+                  <a:pt x="6461434" y="3430"/>
+                  <a:pt x="6432127" y="6688"/>
+                  <a:pt x="6528816" y="0"/>
+                </a:cubicBezTo>
+                <a:cubicBezTo>
+                  <a:pt x="6625505" y="-6688"/>
+                  <a:pt x="6916805" y="-436"/>
+                  <a:pt x="7214616" y="0"/>
+                </a:cubicBezTo>
+                <a:cubicBezTo>
+                  <a:pt x="7512427" y="436"/>
+                  <a:pt x="7626159" y="-6909"/>
+                  <a:pt x="7790688" y="0"/>
+                </a:cubicBezTo>
+                <a:cubicBezTo>
+                  <a:pt x="7955217" y="6909"/>
+                  <a:pt x="8048891" y="15307"/>
+                  <a:pt x="8147304" y="0"/>
+                </a:cubicBezTo>
+                <a:cubicBezTo>
+                  <a:pt x="8245717" y="-15307"/>
+                  <a:pt x="8645618" y="-11734"/>
+                  <a:pt x="9052560" y="0"/>
+                </a:cubicBezTo>
+                <a:cubicBezTo>
+                  <a:pt x="9459502" y="11734"/>
+                  <a:pt x="9320584" y="8388"/>
+                  <a:pt x="9409176" y="0"/>
+                </a:cubicBezTo>
+                <a:cubicBezTo>
+                  <a:pt x="9497768" y="-8388"/>
+                  <a:pt x="9644192" y="8379"/>
+                  <a:pt x="9765792" y="0"/>
+                </a:cubicBezTo>
+                <a:cubicBezTo>
+                  <a:pt x="9887392" y="-8379"/>
+                  <a:pt x="10105220" y="-12663"/>
+                  <a:pt x="10341864" y="0"/>
+                </a:cubicBezTo>
+                <a:cubicBezTo>
+                  <a:pt x="10578508" y="12663"/>
+                  <a:pt x="10773103" y="-5786"/>
+                  <a:pt x="10972800" y="0"/>
+                </a:cubicBezTo>
+                <a:cubicBezTo>
+                  <a:pt x="10972146" y="8818"/>
+                  <a:pt x="10972240" y="13823"/>
+                  <a:pt x="10972800" y="18288"/>
+                </a:cubicBezTo>
+                <a:cubicBezTo>
+                  <a:pt x="10588778" y="31598"/>
+                  <a:pt x="10543381" y="-12698"/>
+                  <a:pt x="10177272" y="18288"/>
+                </a:cubicBezTo>
+                <a:cubicBezTo>
+                  <a:pt x="9811163" y="49274"/>
+                  <a:pt x="9996817" y="25662"/>
+                  <a:pt x="9820656" y="18288"/>
+                </a:cubicBezTo>
+                <a:cubicBezTo>
+                  <a:pt x="9644495" y="10914"/>
+                  <a:pt x="9607007" y="31631"/>
+                  <a:pt x="9464040" y="18288"/>
+                </a:cubicBezTo>
+                <a:cubicBezTo>
+                  <a:pt x="9321073" y="4945"/>
+                  <a:pt x="9114189" y="28940"/>
+                  <a:pt x="8778240" y="18288"/>
+                </a:cubicBezTo>
+                <a:cubicBezTo>
+                  <a:pt x="8442291" y="7636"/>
+                  <a:pt x="8594763" y="987"/>
+                  <a:pt x="8421624" y="18288"/>
+                </a:cubicBezTo>
+                <a:cubicBezTo>
+                  <a:pt x="8248485" y="35589"/>
+                  <a:pt x="7929515" y="37573"/>
+                  <a:pt x="7735824" y="18288"/>
+                </a:cubicBezTo>
+                <a:cubicBezTo>
+                  <a:pt x="7542133" y="-997"/>
+                  <a:pt x="7252504" y="33858"/>
+                  <a:pt x="6940296" y="18288"/>
+                </a:cubicBezTo>
+                <a:cubicBezTo>
+                  <a:pt x="6628088" y="2718"/>
+                  <a:pt x="6528503" y="48389"/>
+                  <a:pt x="6254496" y="18288"/>
+                </a:cubicBezTo>
+                <a:cubicBezTo>
+                  <a:pt x="5980489" y="-11813"/>
+                  <a:pt x="5695784" y="-3740"/>
+                  <a:pt x="5458968" y="18288"/>
+                </a:cubicBezTo>
+                <a:cubicBezTo>
+                  <a:pt x="5222152" y="40316"/>
+                  <a:pt x="5010751" y="19095"/>
+                  <a:pt x="4663440" y="18288"/>
+                </a:cubicBezTo>
+                <a:cubicBezTo>
+                  <a:pt x="4316129" y="17481"/>
+                  <a:pt x="4425552" y="1606"/>
+                  <a:pt x="4306824" y="18288"/>
+                </a:cubicBezTo>
+                <a:cubicBezTo>
+                  <a:pt x="4188096" y="34970"/>
+                  <a:pt x="3941535" y="7481"/>
+                  <a:pt x="3840480" y="18288"/>
+                </a:cubicBezTo>
+                <a:cubicBezTo>
+                  <a:pt x="3739425" y="29095"/>
+                  <a:pt x="3402388" y="17641"/>
+                  <a:pt x="3264408" y="18288"/>
+                </a:cubicBezTo>
+                <a:cubicBezTo>
+                  <a:pt x="3126428" y="18935"/>
+                  <a:pt x="2776779" y="9983"/>
+                  <a:pt x="2578608" y="18288"/>
+                </a:cubicBezTo>
+                <a:cubicBezTo>
+                  <a:pt x="2380437" y="26593"/>
+                  <a:pt x="1909468" y="25818"/>
+                  <a:pt x="1673352" y="18288"/>
+                </a:cubicBezTo>
+                <a:cubicBezTo>
+                  <a:pt x="1437236" y="10758"/>
+                  <a:pt x="1131180" y="49884"/>
+                  <a:pt x="877824" y="18288"/>
+                </a:cubicBezTo>
+                <a:cubicBezTo>
+                  <a:pt x="624468" y="-13308"/>
+                  <a:pt x="206753" y="2195"/>
+                  <a:pt x="0" y="18288"/>
+                </a:cubicBezTo>
+                <a:cubicBezTo>
+                  <a:pt x="313" y="10654"/>
+                  <a:pt x="-263" y="4056"/>
+                  <a:pt x="0" y="0"/>
+                </a:cubicBezTo>
+                <a:close/>
+              </a:path>
+              <a:path w="10972800" h="18288" stroke="0" extrusionOk="0">
+                <a:moveTo>
+                  <a:pt x="0" y="0"/>
+                </a:moveTo>
+                <a:cubicBezTo>
+                  <a:pt x="164017" y="-17675"/>
+                  <a:pt x="309425" y="9913"/>
+                  <a:pt x="466344" y="0"/>
+                </a:cubicBezTo>
+                <a:cubicBezTo>
+                  <a:pt x="623263" y="-9913"/>
+                  <a:pt x="659300" y="-14524"/>
+                  <a:pt x="822960" y="0"/>
+                </a:cubicBezTo>
+                <a:cubicBezTo>
+                  <a:pt x="986620" y="14524"/>
+                  <a:pt x="1105222" y="-16481"/>
+                  <a:pt x="1289304" y="0"/>
+                </a:cubicBezTo>
+                <a:cubicBezTo>
+                  <a:pt x="1473386" y="16481"/>
+                  <a:pt x="1693223" y="26161"/>
+                  <a:pt x="1975104" y="0"/>
+                </a:cubicBezTo>
+                <a:cubicBezTo>
+                  <a:pt x="2256985" y="-26161"/>
+                  <a:pt x="2435781" y="23061"/>
+                  <a:pt x="2770632" y="0"/>
+                </a:cubicBezTo>
+                <a:cubicBezTo>
+                  <a:pt x="3105483" y="-23061"/>
+                  <a:pt x="3247479" y="-44011"/>
+                  <a:pt x="3675888" y="0"/>
+                </a:cubicBezTo>
+                <a:cubicBezTo>
+                  <a:pt x="4104297" y="44011"/>
+                  <a:pt x="4280918" y="4017"/>
+                  <a:pt x="4581144" y="0"/>
+                </a:cubicBezTo>
+                <a:cubicBezTo>
+                  <a:pt x="4881370" y="-4017"/>
+                  <a:pt x="5021699" y="-11889"/>
+                  <a:pt x="5157216" y="0"/>
+                </a:cubicBezTo>
+                <a:cubicBezTo>
+                  <a:pt x="5292733" y="11889"/>
+                  <a:pt x="5603398" y="-17698"/>
+                  <a:pt x="5952744" y="0"/>
+                </a:cubicBezTo>
+                <a:cubicBezTo>
+                  <a:pt x="6302090" y="17698"/>
+                  <a:pt x="6353093" y="-11909"/>
+                  <a:pt x="6638544" y="0"/>
+                </a:cubicBezTo>
+                <a:cubicBezTo>
+                  <a:pt x="6923995" y="11909"/>
+                  <a:pt x="7053404" y="21630"/>
+                  <a:pt x="7214616" y="0"/>
+                </a:cubicBezTo>
+                <a:cubicBezTo>
+                  <a:pt x="7375828" y="-21630"/>
+                  <a:pt x="7837963" y="3886"/>
+                  <a:pt x="8010144" y="0"/>
+                </a:cubicBezTo>
+                <a:cubicBezTo>
+                  <a:pt x="8182325" y="-3886"/>
+                  <a:pt x="8224183" y="16009"/>
+                  <a:pt x="8366760" y="0"/>
+                </a:cubicBezTo>
+                <a:cubicBezTo>
+                  <a:pt x="8509337" y="-16009"/>
+                  <a:pt x="8687920" y="-5720"/>
+                  <a:pt x="8942832" y="0"/>
+                </a:cubicBezTo>
+                <a:cubicBezTo>
+                  <a:pt x="9197744" y="5720"/>
+                  <a:pt x="9368437" y="20479"/>
+                  <a:pt x="9628632" y="0"/>
+                </a:cubicBezTo>
+                <a:cubicBezTo>
+                  <a:pt x="9888827" y="-20479"/>
+                  <a:pt x="10560858" y="-20746"/>
+                  <a:pt x="10972800" y="0"/>
+                </a:cubicBezTo>
+                <a:cubicBezTo>
+                  <a:pt x="10972186" y="5722"/>
+                  <a:pt x="10972980" y="12495"/>
+                  <a:pt x="10972800" y="18288"/>
+                </a:cubicBezTo>
+                <a:cubicBezTo>
+                  <a:pt x="10786146" y="12536"/>
+                  <a:pt x="10623717" y="14033"/>
+                  <a:pt x="10506456" y="18288"/>
+                </a:cubicBezTo>
+                <a:cubicBezTo>
+                  <a:pt x="10389195" y="22543"/>
+                  <a:pt x="10296178" y="20107"/>
+                  <a:pt x="10149840" y="18288"/>
+                </a:cubicBezTo>
+                <a:cubicBezTo>
+                  <a:pt x="10003502" y="16469"/>
+                  <a:pt x="9767530" y="28891"/>
+                  <a:pt x="9464040" y="18288"/>
+                </a:cubicBezTo>
+                <a:cubicBezTo>
+                  <a:pt x="9160550" y="7685"/>
+                  <a:pt x="9229050" y="2659"/>
+                  <a:pt x="8997696" y="18288"/>
+                </a:cubicBezTo>
+                <a:cubicBezTo>
+                  <a:pt x="8766342" y="33917"/>
+                  <a:pt x="8340136" y="34864"/>
+                  <a:pt x="8092440" y="18288"/>
+                </a:cubicBezTo>
+                <a:cubicBezTo>
+                  <a:pt x="7844744" y="1712"/>
+                  <a:pt x="7863720" y="27405"/>
+                  <a:pt x="7735824" y="18288"/>
+                </a:cubicBezTo>
+                <a:cubicBezTo>
+                  <a:pt x="7607928" y="9171"/>
+                  <a:pt x="7323619" y="461"/>
+                  <a:pt x="7050024" y="18288"/>
+                </a:cubicBezTo>
+                <a:cubicBezTo>
+                  <a:pt x="6776429" y="36115"/>
+                  <a:pt x="6787899" y="28206"/>
+                  <a:pt x="6693408" y="18288"/>
+                </a:cubicBezTo>
+                <a:cubicBezTo>
+                  <a:pt x="6598917" y="8370"/>
+                  <a:pt x="6395231" y="19114"/>
+                  <a:pt x="6227064" y="18288"/>
+                </a:cubicBezTo>
+                <a:cubicBezTo>
+                  <a:pt x="6058897" y="17462"/>
+                  <a:pt x="5618582" y="1091"/>
+                  <a:pt x="5431536" y="18288"/>
+                </a:cubicBezTo>
+                <a:cubicBezTo>
+                  <a:pt x="5244490" y="35485"/>
+                  <a:pt x="4729797" y="-9650"/>
+                  <a:pt x="4526280" y="18288"/>
+                </a:cubicBezTo>
+                <a:cubicBezTo>
+                  <a:pt x="4322763" y="46226"/>
+                  <a:pt x="4216797" y="756"/>
+                  <a:pt x="4059936" y="18288"/>
+                </a:cubicBezTo>
+                <a:cubicBezTo>
+                  <a:pt x="3903075" y="35820"/>
+                  <a:pt x="3537912" y="42098"/>
+                  <a:pt x="3374136" y="18288"/>
+                </a:cubicBezTo>
+                <a:cubicBezTo>
+                  <a:pt x="3210360" y="-5522"/>
+                  <a:pt x="3126842" y="39135"/>
+                  <a:pt x="2907792" y="18288"/>
+                </a:cubicBezTo>
+                <a:cubicBezTo>
+                  <a:pt x="2688742" y="-2559"/>
+                  <a:pt x="2490436" y="34100"/>
+                  <a:pt x="2112264" y="18288"/>
+                </a:cubicBezTo>
+                <a:cubicBezTo>
+                  <a:pt x="1734092" y="2476"/>
+                  <a:pt x="1744622" y="-7274"/>
+                  <a:pt x="1536192" y="18288"/>
+                </a:cubicBezTo>
+                <a:cubicBezTo>
+                  <a:pt x="1327762" y="43850"/>
+                  <a:pt x="1189025" y="6435"/>
+                  <a:pt x="1069848" y="18288"/>
+                </a:cubicBezTo>
+                <a:cubicBezTo>
+                  <a:pt x="950671" y="30141"/>
+                  <a:pt x="858345" y="33684"/>
+                  <a:pt x="713232" y="18288"/>
+                </a:cubicBezTo>
+                <a:cubicBezTo>
+                  <a:pt x="568119" y="2892"/>
+                  <a:pt x="250292" y="5410"/>
+                  <a:pt x="0" y="18288"/>
+                </a:cubicBezTo>
+                <a:cubicBezTo>
+                  <a:pt x="465" y="13062"/>
+                  <a:pt x="-894" y="9029"/>
+                  <a:pt x="0" y="0"/>
+                </a:cubicBezTo>
+                <a:close/>
+              </a:path>
+            </a:pathLst>
+          </a:custGeom>
+          <a:solidFill>
+            <a:schemeClr val="accent2">
+              <a:alpha val="75000"/>
+            </a:schemeClr>
+          </a:solidFill>
+          <a:ln w="44450" cap="rnd">
+            <a:solidFill>
+              <a:schemeClr val="accent2">
+                <a:alpha val="75000"/>
+              </a:schemeClr>
+            </a:solidFill>
+            <a:round/>
+            <a:extLst>
+              <a:ext uri="{C807C97D-BFC1-408E-A445-0C87EB9F89A2}">
+                <ask:lineSketchStyleProps xmlns:ask="http://schemas.microsoft.com/office/drawing/2018/sketchyshapes" sd="2727557108">
+                  <a:prstGeom prst="rect">
+                    <a:avLst/>
+                  </a:prstGeom>
+                  <ask:type>
+                    <ask:lineSketchFreehand/>
+                  </ask:type>
+                </ask:lineSketchStyleProps>
+              </a:ext>
+            </a:extLst>
+          </a:ln>
+        </p:spPr>
+        <p:style>
+          <a:lnRef idx="2">
+            <a:schemeClr val="accent1">
+              <a:shade val="50000"/>
+            </a:schemeClr>
+          </a:lnRef>
+          <a:fillRef idx="1">
+            <a:schemeClr val="accent1"/>
+          </a:fillRef>
+          <a:effectRef idx="0">
+            <a:schemeClr val="accent1"/>
+          </a:effectRef>
+          <a:fontRef idx="minor">
+            <a:schemeClr val="lt1"/>
+          </a:fontRef>
+        </p:style>
+        <p:txBody>
+          <a:bodyPr rtlCol="0" anchor="ctr"/>
+          <a:lstStyle/>
+          <a:p>
+            <a:pPr algn="ctr"/>
+            <a:endParaRPr lang="en-US"/>
+          </a:p>
+        </p:txBody>
+      </p:sp>
+      <p:sp>
+        <p:nvSpPr>
+          <p:cNvPr id="3" name="Объект 2"/>
+          <p:cNvSpPr>
+            <a:spLocks noGrp="1"/>
+          </p:cNvSpPr>
+          <p:nvPr>
+            <p:ph sz="half" idx="1"/>
+          </p:nvPr>
+        </p:nvSpPr>
+        <p:spPr>
+          <a:xfrm>
+            <a:off x="572493" y="2071316"/>
+            <a:ext cx="6713552" cy="4119172"/>
           </a:xfrm>
         </p:spPr>
         <p:txBody>
-          <a:bodyPr>
+          <a:bodyPr vert="horz" lIns="91440" tIns="45720" rIns="91440" bIns="45720" rtlCol="0" anchor="t">
             <a:normAutofit/>
           </a:bodyPr>
           <a:lstStyle/>
           <a:p>
-            <a:pPr marL="0" indent="0">
-              <a:buNone/>
-            </a:pPr>
-            <a:r>
-              <a:rPr lang="en-US" sz="1400" b="1" dirty="0"/>
+            <a:pPr marL="0"/>
+            <a:r>
+              <a:rPr lang="en-US" sz="1600" b="1" dirty="0"/>
               <a:t>Jobs</a:t>
             </a:r>
             <a:r>
-              <a:rPr lang="en-US" sz="1400" dirty="0"/>
-              <a:t> — the unit of work submitted to AWS Batch, whether it be implemented as a shell script, executable, or </a:t>
-            </a:r>
-            <a:r>
-              <a:rPr lang="en-US" sz="1400" dirty="0" err="1"/>
-              <a:t>Docker</a:t>
-            </a:r>
-            <a:r>
-              <a:rPr lang="en-US" sz="1400" dirty="0"/>
-              <a:t> container image.</a:t>
-            </a:r>
-          </a:p>
-          <a:p>
-            <a:pPr marL="0" indent="0">
-              <a:buNone/>
-            </a:pPr>
-            <a:r>
-              <a:rPr lang="en-US" sz="1400" b="1" dirty="0"/>
+              <a:rPr lang="en-US" sz="1600" dirty="0"/>
+              <a:t> — the unit of work submitted to AWS Batch, whether it be implemented as a shell script, executable, or Docker container image.</a:t>
+            </a:r>
+          </a:p>
+          <a:p>
+            <a:pPr marL="0"/>
+            <a:r>
+              <a:rPr lang="en-US" sz="1600" b="1" dirty="0"/>
               <a:t>Job Definition</a:t>
             </a:r>
             <a:r>
-              <a:rPr lang="en-US" sz="1400" dirty="0"/>
+              <a:rPr lang="en-US" sz="1600" dirty="0"/>
               <a:t> — describes how your work is be executed, including the CPU and memory requirements and IAM role that provides access to other AWS services.</a:t>
             </a:r>
           </a:p>
           <a:p>
-            <a:pPr marL="0" indent="0">
-              <a:buNone/>
-            </a:pPr>
-            <a:r>
-              <a:rPr lang="en-US" sz="1400" b="1" dirty="0"/>
+            <a:pPr marL="0"/>
+            <a:r>
+              <a:rPr lang="en-US" sz="1600" b="1" dirty="0"/>
               <a:t>Job Queues</a:t>
             </a:r>
             <a:r>
-              <a:rPr lang="en-US" sz="1400" dirty="0"/>
+              <a:rPr lang="en-US" sz="1600" dirty="0"/>
               <a:t> — listing of work to be completed by your Jobs. You can leverage multiple queues with different priority levels.</a:t>
             </a:r>
           </a:p>
           <a:p>
-            <a:pPr marL="0" indent="0">
-              <a:buNone/>
-            </a:pPr>
-            <a:r>
-              <a:rPr lang="en-US" sz="1400" b="1" dirty="0"/>
+            <a:pPr marL="0"/>
+            <a:r>
+              <a:rPr lang="en-US" sz="1600" b="1" dirty="0"/>
               <a:t>Compute Environment </a:t>
             </a:r>
             <a:r>
-              <a:rPr lang="en-US" sz="1400" dirty="0"/>
-              <a:t>— the compute resources that run your Jobs. Environments can be configured to be managed by AWS or on your own as well as the number of and type(s) of instances on which Jobs will run. You can also allow AWS to select the right instance type.</a:t>
-            </a:r>
-          </a:p>
-          <a:p>
-            <a:pPr marL="0" indent="0">
-              <a:buNone/>
-            </a:pPr>
-            <a:endParaRPr lang="en-US" sz="1400" dirty="0"/>
+              <a:rPr lang="en-US" sz="1600" dirty="0"/>
+              <a:t>— the compute resources that run your Jobs. </a:t>
+            </a:r>
+          </a:p>
+          <a:p>
+            <a:pPr marL="457200" lvl="1"/>
+            <a:r>
+              <a:rPr lang="en-US" sz="1600" dirty="0"/>
+              <a:t>Environments can be configured to be managed by AWS or on your own as well as the number of and type(s) of instances on which Jobs will run. </a:t>
+            </a:r>
+          </a:p>
+          <a:p>
+            <a:pPr marL="457200" lvl="1"/>
+            <a:r>
+              <a:rPr lang="en-US" sz="1600" dirty="0"/>
+              <a:t>You can also allow AWS to select the right instance type.</a:t>
+            </a:r>
           </a:p>
         </p:txBody>
       </p:sp>
@@ -4527,16 +7788,15 @@
           </p:cNvPicPr>
           <p:nvPr/>
         </p:nvPicPr>
-        <p:blipFill>
+        <p:blipFill rotWithShape="1">
           <a:blip r:embed="rId3"/>
-          <a:stretch>
-            <a:fillRect/>
-          </a:stretch>
+          <a:srcRect l="2506" r="4452" b="-2"/>
+          <a:stretch/>
         </p:blipFill>
         <p:spPr>
           <a:xfrm>
-            <a:off x="7010400" y="1825625"/>
-            <a:ext cx="4343400" cy="4200525"/>
+            <a:off x="7675658" y="2093976"/>
+            <a:ext cx="3941064" cy="4096512"/>
           </a:xfrm>
           <a:prstGeom prst="rect">
             <a:avLst/>
@@ -4556,9 +7816,17 @@
 </p:sld>
 </file>
 
-<file path=ppt/slides/slide3.xml><?xml version="1.0" encoding="utf-8"?>
+<file path=ppt/slides/slide5.xml><?xml version="1.0" encoding="utf-8"?>
 <p:sld xmlns:a="http://schemas.openxmlformats.org/drawingml/2006/main" xmlns:r="http://schemas.openxmlformats.org/officeDocument/2006/relationships" xmlns:p="http://schemas.openxmlformats.org/presentationml/2006/main">
   <p:cSld>
+    <p:bg>
+      <p:bgPr>
+        <a:solidFill>
+          <a:schemeClr val="bg1"/>
+        </a:solidFill>
+        <a:effectLst/>
+      </p:bgPr>
+    </p:bg>
     <p:spTree>
       <p:nvGrpSpPr>
         <p:cNvPr id="1" name=""/>
@@ -4573,6 +7841,66 @@
           <a:chExt cx="0" cy="0"/>
         </a:xfrm>
       </p:grpSpPr>
+      <p:sp useBgFill="1">
+        <p:nvSpPr>
+          <p:cNvPr id="16" name="Rectangle 15">
+            <a:extLst>
+              <a:ext uri="{FF2B5EF4-FFF2-40B4-BE49-F238E27FC236}">
+                <a16:creationId xmlns:a16="http://schemas.microsoft.com/office/drawing/2014/main" id="{743AA782-23D1-4521-8CAD-47662984AA08}"/>
+              </a:ext>
+              <a:ext uri="{C183D7F6-B498-43B3-948B-1728B52AA6E4}">
+                <adec:decorative xmlns:adec="http://schemas.microsoft.com/office/drawing/2017/decorative" val="1"/>
+              </a:ext>
+            </a:extLst>
+          </p:cNvPr>
+          <p:cNvSpPr>
+            <a:spLocks noGrp="1" noRot="1" noChangeAspect="1" noMove="1" noResize="1" noEditPoints="1" noAdjustHandles="1" noChangeArrowheads="1" noChangeShapeType="1" noTextEdit="1"/>
+          </p:cNvSpPr>
+          <p:nvPr>
+            <p:extLst>
+              <p:ext uri="{386F3935-93C4-4BCD-93E2-E3B085C9AB24}">
+                <p16:designElem xmlns:p16="http://schemas.microsoft.com/office/powerpoint/2015/main" val="1"/>
+              </p:ext>
+            </p:extLst>
+          </p:nvPr>
+        </p:nvSpPr>
+        <p:spPr>
+          <a:xfrm>
+            <a:off x="0" y="0"/>
+            <a:ext cx="12192000" cy="6858000"/>
+          </a:xfrm>
+          <a:prstGeom prst="rect">
+            <a:avLst/>
+          </a:prstGeom>
+          <a:ln>
+            <a:noFill/>
+          </a:ln>
+        </p:spPr>
+        <p:style>
+          <a:lnRef idx="2">
+            <a:schemeClr val="accent1">
+              <a:shade val="50000"/>
+            </a:schemeClr>
+          </a:lnRef>
+          <a:fillRef idx="1">
+            <a:schemeClr val="accent1"/>
+          </a:fillRef>
+          <a:effectRef idx="0">
+            <a:schemeClr val="accent1"/>
+          </a:effectRef>
+          <a:fontRef idx="minor">
+            <a:schemeClr val="lt1"/>
+          </a:fontRef>
+        </p:style>
+        <p:txBody>
+          <a:bodyPr rtlCol="0" anchor="ctr"/>
+          <a:lstStyle/>
+          <a:p>
+            <a:pPr algn="ctr"/>
+            <a:endParaRPr lang="en-US"/>
+          </a:p>
+        </p:txBody>
+      </p:sp>
       <p:sp>
         <p:nvSpPr>
           <p:cNvPr id="2" name="Заголовок 1"/>
@@ -4583,17 +7911,372 @@
             <p:ph type="title"/>
           </p:nvPr>
         </p:nvSpPr>
-        <p:spPr/>
-        <p:txBody>
-          <a:bodyPr>
+        <p:spPr>
+          <a:xfrm>
+            <a:off x="630936" y="640080"/>
+            <a:ext cx="4818888" cy="1481328"/>
+          </a:xfrm>
+        </p:spPr>
+        <p:txBody>
+          <a:bodyPr vert="horz" lIns="91440" tIns="45720" rIns="91440" bIns="45720" rtlCol="0" anchor="b">
             <a:normAutofit/>
           </a:bodyPr>
           <a:lstStyle/>
           <a:p>
             <a:r>
-              <a:rPr lang="en-US" sz="3200" dirty="0"/>
+              <a:rPr lang="en-US" sz="4600" kern="1200">
+                <a:solidFill>
+                  <a:schemeClr val="tx1"/>
+                </a:solidFill>
+                <a:latin typeface="+mj-lt"/>
+                <a:ea typeface="+mj-ea"/>
+                <a:cs typeface="+mj-cs"/>
+              </a:rPr>
               <a:t>Example AWS Batch architecture</a:t>
             </a:r>
+          </a:p>
+        </p:txBody>
+      </p:sp>
+      <p:sp>
+        <p:nvSpPr>
+          <p:cNvPr id="17" name="sketch line">
+            <a:extLst>
+              <a:ext uri="{FF2B5EF4-FFF2-40B4-BE49-F238E27FC236}">
+                <a16:creationId xmlns:a16="http://schemas.microsoft.com/office/drawing/2014/main" id="{650D18FE-0824-4A46-B22C-A86B52E5780A}"/>
+              </a:ext>
+              <a:ext uri="{C183D7F6-B498-43B3-948B-1728B52AA6E4}">
+                <adec:decorative xmlns:adec="http://schemas.microsoft.com/office/drawing/2017/decorative" val="1"/>
+              </a:ext>
+            </a:extLst>
+          </p:cNvPr>
+          <p:cNvSpPr>
+            <a:spLocks noGrp="1" noRot="1" noChangeAspect="1" noMove="1" noResize="1" noEditPoints="1" noAdjustHandles="1" noChangeArrowheads="1" noChangeShapeType="1" noTextEdit="1"/>
+          </p:cNvSpPr>
+          <p:nvPr>
+            <p:extLst>
+              <p:ext uri="{386F3935-93C4-4BCD-93E2-E3B085C9AB24}">
+                <p16:designElem xmlns:p16="http://schemas.microsoft.com/office/powerpoint/2015/main" val="1"/>
+              </p:ext>
+            </p:extLst>
+          </p:nvPr>
+        </p:nvSpPr>
+        <p:spPr>
+          <a:xfrm>
+            <a:off x="643278" y="2372868"/>
+            <a:ext cx="3255095" cy="18288"/>
+          </a:xfrm>
+          <a:custGeom>
+            <a:avLst/>
+            <a:gdLst>
+              <a:gd name="connsiteX0" fmla="*/ 0 w 3255095"/>
+              <a:gd name="connsiteY0" fmla="*/ 0 h 18288"/>
+              <a:gd name="connsiteX1" fmla="*/ 618468 w 3255095"/>
+              <a:gd name="connsiteY1" fmla="*/ 0 h 18288"/>
+              <a:gd name="connsiteX2" fmla="*/ 1269487 w 3255095"/>
+              <a:gd name="connsiteY2" fmla="*/ 0 h 18288"/>
+              <a:gd name="connsiteX3" fmla="*/ 1953057 w 3255095"/>
+              <a:gd name="connsiteY3" fmla="*/ 0 h 18288"/>
+              <a:gd name="connsiteX4" fmla="*/ 2636627 w 3255095"/>
+              <a:gd name="connsiteY4" fmla="*/ 0 h 18288"/>
+              <a:gd name="connsiteX5" fmla="*/ 3255095 w 3255095"/>
+              <a:gd name="connsiteY5" fmla="*/ 0 h 18288"/>
+              <a:gd name="connsiteX6" fmla="*/ 3255095 w 3255095"/>
+              <a:gd name="connsiteY6" fmla="*/ 18288 h 18288"/>
+              <a:gd name="connsiteX7" fmla="*/ 2538974 w 3255095"/>
+              <a:gd name="connsiteY7" fmla="*/ 18288 h 18288"/>
+              <a:gd name="connsiteX8" fmla="*/ 1822853 w 3255095"/>
+              <a:gd name="connsiteY8" fmla="*/ 18288 h 18288"/>
+              <a:gd name="connsiteX9" fmla="*/ 1171834 w 3255095"/>
+              <a:gd name="connsiteY9" fmla="*/ 18288 h 18288"/>
+              <a:gd name="connsiteX10" fmla="*/ 0 w 3255095"/>
+              <a:gd name="connsiteY10" fmla="*/ 18288 h 18288"/>
+              <a:gd name="connsiteX11" fmla="*/ 0 w 3255095"/>
+              <a:gd name="connsiteY11" fmla="*/ 0 h 18288"/>
+            </a:gdLst>
+            <a:ahLst/>
+            <a:cxnLst>
+              <a:cxn ang="0">
+                <a:pos x="connsiteX0" y="connsiteY0"/>
+              </a:cxn>
+              <a:cxn ang="0">
+                <a:pos x="connsiteX1" y="connsiteY1"/>
+              </a:cxn>
+              <a:cxn ang="0">
+                <a:pos x="connsiteX2" y="connsiteY2"/>
+              </a:cxn>
+              <a:cxn ang="0">
+                <a:pos x="connsiteX3" y="connsiteY3"/>
+              </a:cxn>
+              <a:cxn ang="0">
+                <a:pos x="connsiteX4" y="connsiteY4"/>
+              </a:cxn>
+              <a:cxn ang="0">
+                <a:pos x="connsiteX5" y="connsiteY5"/>
+              </a:cxn>
+              <a:cxn ang="0">
+                <a:pos x="connsiteX6" y="connsiteY6"/>
+              </a:cxn>
+              <a:cxn ang="0">
+                <a:pos x="connsiteX7" y="connsiteY7"/>
+              </a:cxn>
+              <a:cxn ang="0">
+                <a:pos x="connsiteX8" y="connsiteY8"/>
+              </a:cxn>
+              <a:cxn ang="0">
+                <a:pos x="connsiteX9" y="connsiteY9"/>
+              </a:cxn>
+              <a:cxn ang="0">
+                <a:pos x="connsiteX10" y="connsiteY10"/>
+              </a:cxn>
+              <a:cxn ang="0">
+                <a:pos x="connsiteX11" y="connsiteY11"/>
+              </a:cxn>
+            </a:cxnLst>
+            <a:rect l="l" t="t" r="r" b="b"/>
+            <a:pathLst>
+              <a:path w="3255095" h="18288" fill="none" extrusionOk="0">
+                <a:moveTo>
+                  <a:pt x="0" y="0"/>
+                </a:moveTo>
+                <a:cubicBezTo>
+                  <a:pt x="240201" y="-22123"/>
+                  <a:pt x="462021" y="-19623"/>
+                  <a:pt x="618468" y="0"/>
+                </a:cubicBezTo>
+                <a:cubicBezTo>
+                  <a:pt x="774915" y="19623"/>
+                  <a:pt x="974734" y="2035"/>
+                  <a:pt x="1269487" y="0"/>
+                </a:cubicBezTo>
+                <a:cubicBezTo>
+                  <a:pt x="1564240" y="-2035"/>
+                  <a:pt x="1733579" y="10639"/>
+                  <a:pt x="1953057" y="0"/>
+                </a:cubicBezTo>
+                <a:cubicBezTo>
+                  <a:pt x="2172535" y="-10639"/>
+                  <a:pt x="2453962" y="14018"/>
+                  <a:pt x="2636627" y="0"/>
+                </a:cubicBezTo>
+                <a:cubicBezTo>
+                  <a:pt x="2819292" y="-14018"/>
+                  <a:pt x="3121375" y="5399"/>
+                  <a:pt x="3255095" y="0"/>
+                </a:cubicBezTo>
+                <a:cubicBezTo>
+                  <a:pt x="3254386" y="8157"/>
+                  <a:pt x="3254682" y="12125"/>
+                  <a:pt x="3255095" y="18288"/>
+                </a:cubicBezTo>
+                <a:cubicBezTo>
+                  <a:pt x="3088545" y="23203"/>
+                  <a:pt x="2687475" y="7419"/>
+                  <a:pt x="2538974" y="18288"/>
+                </a:cubicBezTo>
+                <a:cubicBezTo>
+                  <a:pt x="2390473" y="29157"/>
+                  <a:pt x="2137381" y="-8959"/>
+                  <a:pt x="1822853" y="18288"/>
+                </a:cubicBezTo>
+                <a:cubicBezTo>
+                  <a:pt x="1508325" y="45535"/>
+                  <a:pt x="1466437" y="20385"/>
+                  <a:pt x="1171834" y="18288"/>
+                </a:cubicBezTo>
+                <a:cubicBezTo>
+                  <a:pt x="877231" y="16191"/>
+                  <a:pt x="561097" y="37643"/>
+                  <a:pt x="0" y="18288"/>
+                </a:cubicBezTo>
+                <a:cubicBezTo>
+                  <a:pt x="-46" y="12483"/>
+                  <a:pt x="-203" y="6491"/>
+                  <a:pt x="0" y="0"/>
+                </a:cubicBezTo>
+                <a:close/>
+              </a:path>
+              <a:path w="3255095" h="18288" stroke="0" extrusionOk="0">
+                <a:moveTo>
+                  <a:pt x="0" y="0"/>
+                </a:moveTo>
+                <a:cubicBezTo>
+                  <a:pt x="291965" y="19429"/>
+                  <a:pt x="363155" y="8568"/>
+                  <a:pt x="618468" y="0"/>
+                </a:cubicBezTo>
+                <a:cubicBezTo>
+                  <a:pt x="873781" y="-8568"/>
+                  <a:pt x="904459" y="-19505"/>
+                  <a:pt x="1171834" y="0"/>
+                </a:cubicBezTo>
+                <a:cubicBezTo>
+                  <a:pt x="1439209" y="19505"/>
+                  <a:pt x="1744369" y="9790"/>
+                  <a:pt x="1887955" y="0"/>
+                </a:cubicBezTo>
+                <a:cubicBezTo>
+                  <a:pt x="2031541" y="-9790"/>
+                  <a:pt x="2346378" y="21240"/>
+                  <a:pt x="2506423" y="0"/>
+                </a:cubicBezTo>
+                <a:cubicBezTo>
+                  <a:pt x="2666468" y="-21240"/>
+                  <a:pt x="2990257" y="30414"/>
+                  <a:pt x="3255095" y="0"/>
+                </a:cubicBezTo>
+                <a:cubicBezTo>
+                  <a:pt x="3254831" y="4493"/>
+                  <a:pt x="3255479" y="9472"/>
+                  <a:pt x="3255095" y="18288"/>
+                </a:cubicBezTo>
+                <a:cubicBezTo>
+                  <a:pt x="3120743" y="16690"/>
+                  <a:pt x="2759628" y="42462"/>
+                  <a:pt x="2604076" y="18288"/>
+                </a:cubicBezTo>
+                <a:cubicBezTo>
+                  <a:pt x="2448524" y="-5886"/>
+                  <a:pt x="2184336" y="19599"/>
+                  <a:pt x="1887955" y="18288"/>
+                </a:cubicBezTo>
+                <a:cubicBezTo>
+                  <a:pt x="1591574" y="16977"/>
+                  <a:pt x="1548845" y="6870"/>
+                  <a:pt x="1334589" y="18288"/>
+                </a:cubicBezTo>
+                <a:cubicBezTo>
+                  <a:pt x="1120333" y="29706"/>
+                  <a:pt x="996014" y="9662"/>
+                  <a:pt x="683570" y="18288"/>
+                </a:cubicBezTo>
+                <a:cubicBezTo>
+                  <a:pt x="371126" y="26914"/>
+                  <a:pt x="198687" y="16167"/>
+                  <a:pt x="0" y="18288"/>
+                </a:cubicBezTo>
+                <a:cubicBezTo>
+                  <a:pt x="843" y="9577"/>
+                  <a:pt x="371" y="6900"/>
+                  <a:pt x="0" y="0"/>
+                </a:cubicBezTo>
+                <a:close/>
+              </a:path>
+            </a:pathLst>
+          </a:custGeom>
+          <a:solidFill>
+            <a:schemeClr val="accent2"/>
+          </a:solidFill>
+          <a:ln w="38100" cap="rnd">
+            <a:solidFill>
+              <a:schemeClr val="accent2"/>
+            </a:solidFill>
+            <a:round/>
+            <a:extLst>
+              <a:ext uri="{C807C97D-BFC1-408E-A445-0C87EB9F89A2}">
+                <ask:lineSketchStyleProps xmlns:ask="http://schemas.microsoft.com/office/drawing/2018/sketchyshapes" sd="1219033472">
+                  <a:prstGeom prst="rect">
+                    <a:avLst/>
+                  </a:prstGeom>
+                  <ask:type>
+                    <ask:lineSketchFreehand/>
+                  </ask:type>
+                </ask:lineSketchStyleProps>
+              </a:ext>
+            </a:extLst>
+          </a:ln>
+        </p:spPr>
+        <p:style>
+          <a:lnRef idx="2">
+            <a:schemeClr val="accent1">
+              <a:shade val="50000"/>
+            </a:schemeClr>
+          </a:lnRef>
+          <a:fillRef idx="1">
+            <a:schemeClr val="accent1"/>
+          </a:fillRef>
+          <a:effectRef idx="0">
+            <a:schemeClr val="accent1"/>
+          </a:effectRef>
+          <a:fontRef idx="minor">
+            <a:schemeClr val="lt1"/>
+          </a:fontRef>
+        </p:style>
+        <p:txBody>
+          <a:bodyPr rtlCol="0" anchor="ctr"/>
+          <a:lstStyle/>
+          <a:p>
+            <a:pPr algn="ctr"/>
+            <a:endParaRPr lang="en-US"/>
+          </a:p>
+        </p:txBody>
+      </p:sp>
+      <p:sp>
+        <p:nvSpPr>
+          <p:cNvPr id="7" name="Объект 2"/>
+          <p:cNvSpPr>
+            <a:spLocks noGrp="1"/>
+          </p:cNvSpPr>
+          <p:nvPr>
+            <p:ph sz="half" idx="1"/>
+          </p:nvPr>
+        </p:nvSpPr>
+        <p:spPr>
+          <a:xfrm>
+            <a:off x="630936" y="2660904"/>
+            <a:ext cx="4818888" cy="3547872"/>
+          </a:xfrm>
+        </p:spPr>
+        <p:txBody>
+          <a:bodyPr vert="horz" lIns="91440" tIns="45720" rIns="91440" bIns="45720" rtlCol="0" anchor="t">
+            <a:normAutofit/>
+          </a:bodyPr>
+          <a:lstStyle/>
+          <a:p>
+            <a:pPr marL="0"/>
+            <a:r>
+              <a:rPr lang="en-US" sz="1700" dirty="0"/>
+              <a:t>Workflow steps:</a:t>
+            </a:r>
+          </a:p>
+          <a:p>
+            <a:pPr marL="342900"/>
+            <a:r>
+              <a:rPr lang="en-US" sz="1700" dirty="0"/>
+              <a:t>User creates a job container, uploads the container to the Amazon Elastic Container Registry or another container registry (for example, </a:t>
+            </a:r>
+            <a:r>
+              <a:rPr lang="en-US" sz="1700" dirty="0" err="1"/>
+              <a:t>DockerHub</a:t>
+            </a:r>
+            <a:r>
+              <a:rPr lang="en-US" sz="1700" dirty="0"/>
+              <a:t>), and creates a job definition to AWS Batch.</a:t>
+            </a:r>
+          </a:p>
+          <a:p>
+            <a:pPr marL="342900"/>
+            <a:r>
+              <a:rPr lang="en-US" sz="1700" dirty="0"/>
+              <a:t>User submits jobs to a job queue in AWS Batch.</a:t>
+            </a:r>
+          </a:p>
+          <a:p>
+            <a:pPr marL="342900"/>
+            <a:r>
+              <a:rPr lang="en-US" sz="1700" dirty="0"/>
+              <a:t>AWS Batch pulls the image from the container registry and processes the jobs in the queue</a:t>
+            </a:r>
+          </a:p>
+          <a:p>
+            <a:pPr marL="342900"/>
+            <a:r>
+              <a:rPr lang="en-US" sz="1700" dirty="0"/>
+              <a:t>Input and output data from each job is stored in an S3 bucket.</a:t>
+            </a:r>
+          </a:p>
+          <a:p>
+            <a:pPr marL="342900"/>
+            <a:endParaRPr lang="en-US" sz="1700" dirty="0"/>
           </a:p>
         </p:txBody>
       </p:sp>
@@ -4613,102 +8296,14 @@
         </p:blipFill>
         <p:spPr>
           <a:xfrm>
-            <a:off x="5459362" y="1690688"/>
-            <a:ext cx="6732638" cy="3733609"/>
+            <a:off x="6099048" y="1914136"/>
+            <a:ext cx="5458968" cy="3029727"/>
           </a:xfrm>
           <a:prstGeom prst="rect">
             <a:avLst/>
           </a:prstGeom>
         </p:spPr>
       </p:pic>
-      <p:sp>
-        <p:nvSpPr>
-          <p:cNvPr id="7" name="Объект 2"/>
-          <p:cNvSpPr>
-            <a:spLocks noGrp="1"/>
-          </p:cNvSpPr>
-          <p:nvPr>
-            <p:ph sz="half" idx="1"/>
-          </p:nvPr>
-        </p:nvSpPr>
-        <p:spPr>
-          <a:xfrm>
-            <a:off x="106680" y="1825624"/>
-            <a:ext cx="5443728" cy="4721479"/>
-          </a:xfrm>
-        </p:spPr>
-        <p:txBody>
-          <a:bodyPr>
-            <a:normAutofit/>
-          </a:bodyPr>
-          <a:lstStyle/>
-          <a:p>
-            <a:pPr marL="0" indent="0">
-              <a:buNone/>
-            </a:pPr>
-            <a:r>
-              <a:rPr lang="en-US" sz="1400" dirty="0"/>
-              <a:t>Workflow steps:</a:t>
-            </a:r>
-            <a:endParaRPr lang="ru-RU" sz="1400" dirty="0"/>
-          </a:p>
-          <a:p>
-            <a:pPr marL="342900" indent="-342900">
-              <a:buFont typeface="+mj-lt"/>
-              <a:buAutoNum type="arabicPeriod"/>
-            </a:pPr>
-            <a:r>
-              <a:rPr lang="en-US" sz="1400" dirty="0"/>
-              <a:t>User creates a job container, uploads the container to the Amazon Elastic Container Registry or another container registry (for example, </a:t>
-            </a:r>
-            <a:r>
-              <a:rPr lang="en-US" sz="1400" dirty="0" err="1"/>
-              <a:t>DockerHub</a:t>
-            </a:r>
-            <a:r>
-              <a:rPr lang="en-US" sz="1400" dirty="0"/>
-              <a:t>), and creates a job definition to AWS Batch.</a:t>
-            </a:r>
-          </a:p>
-          <a:p>
-            <a:pPr marL="342900" indent="-342900">
-              <a:buFont typeface="+mj-lt"/>
-              <a:buAutoNum type="arabicPeriod"/>
-            </a:pPr>
-            <a:r>
-              <a:rPr lang="en-US" sz="1400" dirty="0"/>
-              <a:t>User submits jobs to a job queue in AWS Batch.</a:t>
-            </a:r>
-          </a:p>
-          <a:p>
-            <a:pPr marL="342900" indent="-342900">
-              <a:buFont typeface="+mj-lt"/>
-              <a:buAutoNum type="arabicPeriod"/>
-            </a:pPr>
-            <a:r>
-              <a:rPr lang="en-US" sz="1400" dirty="0"/>
-              <a:t>AWS Batch pulls the image from the container registry and processes the jobs in the queue</a:t>
-            </a:r>
-          </a:p>
-          <a:p>
-            <a:pPr marL="342900" indent="-342900">
-              <a:buFont typeface="+mj-lt"/>
-              <a:buAutoNum type="arabicPeriod"/>
-            </a:pPr>
-            <a:r>
-              <a:rPr lang="en-US" sz="1400" dirty="0"/>
-              <a:t>Input and output data from each job is stored in an S3 bucket.</a:t>
-            </a:r>
-          </a:p>
-          <a:p>
-            <a:pPr marL="342900" indent="-342900">
-              <a:buFont typeface="+mj-lt"/>
-              <a:buAutoNum type="arabicPeriod"/>
-            </a:pPr>
-            <a:endParaRPr lang="en-US" sz="1400" dirty="0"/>
-          </a:p>
-        </p:txBody>
-      </p:sp>
     </p:spTree>
     <p:extLst>
       <p:ext uri="{BB962C8B-B14F-4D97-AF65-F5344CB8AC3E}">
@@ -4722,9 +8317,17 @@
 </p:sld>
 </file>
 
-<file path=ppt/slides/slide4.xml><?xml version="1.0" encoding="utf-8"?>
+<file path=ppt/slides/slide6.xml><?xml version="1.0" encoding="utf-8"?>
 <p:sld xmlns:a="http://schemas.openxmlformats.org/drawingml/2006/main" xmlns:r="http://schemas.openxmlformats.org/officeDocument/2006/relationships" xmlns:p="http://schemas.openxmlformats.org/presentationml/2006/main">
   <p:cSld>
+    <p:bg>
+      <p:bgPr>
+        <a:solidFill>
+          <a:schemeClr val="bg1"/>
+        </a:solidFill>
+        <a:effectLst/>
+      </p:bgPr>
+    </p:bg>
     <p:spTree>
       <p:nvGrpSpPr>
         <p:cNvPr id="1" name=""/>
@@ -4739,6 +8342,66 @@
           <a:chExt cx="0" cy="0"/>
         </a:xfrm>
       </p:grpSpPr>
+      <p:sp useBgFill="1">
+        <p:nvSpPr>
+          <p:cNvPr id="9" name="Rectangle 8">
+            <a:extLst>
+              <a:ext uri="{FF2B5EF4-FFF2-40B4-BE49-F238E27FC236}">
+                <a16:creationId xmlns:a16="http://schemas.microsoft.com/office/drawing/2014/main" id="{743AA782-23D1-4521-8CAD-47662984AA08}"/>
+              </a:ext>
+              <a:ext uri="{C183D7F6-B498-43B3-948B-1728B52AA6E4}">
+                <adec:decorative xmlns:adec="http://schemas.microsoft.com/office/drawing/2017/decorative" val="1"/>
+              </a:ext>
+            </a:extLst>
+          </p:cNvPr>
+          <p:cNvSpPr>
+            <a:spLocks noGrp="1" noRot="1" noChangeAspect="1" noMove="1" noResize="1" noEditPoints="1" noAdjustHandles="1" noChangeArrowheads="1" noChangeShapeType="1" noTextEdit="1"/>
+          </p:cNvSpPr>
+          <p:nvPr>
+            <p:extLst>
+              <p:ext uri="{386F3935-93C4-4BCD-93E2-E3B085C9AB24}">
+                <p16:designElem xmlns:p16="http://schemas.microsoft.com/office/powerpoint/2015/main" val="1"/>
+              </p:ext>
+            </p:extLst>
+          </p:nvPr>
+        </p:nvSpPr>
+        <p:spPr>
+          <a:xfrm>
+            <a:off x="0" y="0"/>
+            <a:ext cx="12192000" cy="6858000"/>
+          </a:xfrm>
+          <a:prstGeom prst="rect">
+            <a:avLst/>
+          </a:prstGeom>
+          <a:ln>
+            <a:noFill/>
+          </a:ln>
+        </p:spPr>
+        <p:style>
+          <a:lnRef idx="2">
+            <a:schemeClr val="accent1">
+              <a:shade val="50000"/>
+            </a:schemeClr>
+          </a:lnRef>
+          <a:fillRef idx="1">
+            <a:schemeClr val="accent1"/>
+          </a:fillRef>
+          <a:effectRef idx="0">
+            <a:schemeClr val="accent1"/>
+          </a:effectRef>
+          <a:fontRef idx="minor">
+            <a:schemeClr val="lt1"/>
+          </a:fontRef>
+        </p:style>
+        <p:txBody>
+          <a:bodyPr rtlCol="0" anchor="ctr"/>
+          <a:lstStyle/>
+          <a:p>
+            <a:pPr algn="ctr"/>
+            <a:endParaRPr lang="en-US"/>
+          </a:p>
+        </p:txBody>
+      </p:sp>
       <p:sp>
         <p:nvSpPr>
           <p:cNvPr id="2" name="Заголовок 1"/>
@@ -4749,15 +8412,27 @@
             <p:ph type="title"/>
           </p:nvPr>
         </p:nvSpPr>
-        <p:spPr/>
-        <p:txBody>
-          <a:bodyPr>
+        <p:spPr>
+          <a:xfrm>
+            <a:off x="630936" y="640080"/>
+            <a:ext cx="4818888" cy="1481328"/>
+          </a:xfrm>
+        </p:spPr>
+        <p:txBody>
+          <a:bodyPr vert="horz" lIns="91440" tIns="45720" rIns="91440" bIns="45720" rtlCol="0" anchor="b">
             <a:normAutofit/>
           </a:bodyPr>
           <a:lstStyle/>
           <a:p>
             <a:r>
-              <a:rPr lang="en-US" sz="3200" dirty="0"/>
+              <a:rPr lang="en-US" sz="3000" kern="1200">
+                <a:solidFill>
+                  <a:schemeClr val="tx1"/>
+                </a:solidFill>
+                <a:latin typeface="+mj-lt"/>
+                <a:ea typeface="+mj-ea"/>
+                <a:cs typeface="+mj-cs"/>
+              </a:rPr>
               <a:t>Amazon SQS deployed for a loosely coupled workload</a:t>
             </a:r>
           </a:p>
@@ -4765,108 +8440,350 @@
       </p:sp>
       <p:sp>
         <p:nvSpPr>
-          <p:cNvPr id="3" name="Объект 2"/>
-          <p:cNvSpPr>
-            <a:spLocks noGrp="1"/>
-          </p:cNvSpPr>
-          <p:nvPr>
-            <p:ph sz="half" idx="1"/>
+          <p:cNvPr id="11" name="sketch line">
+            <a:extLst>
+              <a:ext uri="{FF2B5EF4-FFF2-40B4-BE49-F238E27FC236}">
+                <a16:creationId xmlns:a16="http://schemas.microsoft.com/office/drawing/2014/main" id="{650D18FE-0824-4A46-B22C-A86B52E5780A}"/>
+              </a:ext>
+              <a:ext uri="{C183D7F6-B498-43B3-948B-1728B52AA6E4}">
+                <adec:decorative xmlns:adec="http://schemas.microsoft.com/office/drawing/2017/decorative" val="1"/>
+              </a:ext>
+            </a:extLst>
+          </p:cNvPr>
+          <p:cNvSpPr>
+            <a:spLocks noGrp="1" noRot="1" noChangeAspect="1" noMove="1" noResize="1" noEditPoints="1" noAdjustHandles="1" noChangeArrowheads="1" noChangeShapeType="1" noTextEdit="1"/>
+          </p:cNvSpPr>
+          <p:nvPr>
+            <p:extLst>
+              <p:ext uri="{386F3935-93C4-4BCD-93E2-E3B085C9AB24}">
+                <p16:designElem xmlns:p16="http://schemas.microsoft.com/office/powerpoint/2015/main" val="1"/>
+              </p:ext>
+            </p:extLst>
           </p:nvPr>
         </p:nvSpPr>
         <p:spPr>
           <a:xfrm>
-            <a:off x="162110" y="1831594"/>
-            <a:ext cx="5900362" cy="4880102"/>
+            <a:off x="643278" y="2372868"/>
+            <a:ext cx="3255095" cy="18288"/>
+          </a:xfrm>
+          <a:custGeom>
+            <a:avLst/>
+            <a:gdLst>
+              <a:gd name="connsiteX0" fmla="*/ 0 w 3255095"/>
+              <a:gd name="connsiteY0" fmla="*/ 0 h 18288"/>
+              <a:gd name="connsiteX1" fmla="*/ 618468 w 3255095"/>
+              <a:gd name="connsiteY1" fmla="*/ 0 h 18288"/>
+              <a:gd name="connsiteX2" fmla="*/ 1269487 w 3255095"/>
+              <a:gd name="connsiteY2" fmla="*/ 0 h 18288"/>
+              <a:gd name="connsiteX3" fmla="*/ 1953057 w 3255095"/>
+              <a:gd name="connsiteY3" fmla="*/ 0 h 18288"/>
+              <a:gd name="connsiteX4" fmla="*/ 2636627 w 3255095"/>
+              <a:gd name="connsiteY4" fmla="*/ 0 h 18288"/>
+              <a:gd name="connsiteX5" fmla="*/ 3255095 w 3255095"/>
+              <a:gd name="connsiteY5" fmla="*/ 0 h 18288"/>
+              <a:gd name="connsiteX6" fmla="*/ 3255095 w 3255095"/>
+              <a:gd name="connsiteY6" fmla="*/ 18288 h 18288"/>
+              <a:gd name="connsiteX7" fmla="*/ 2538974 w 3255095"/>
+              <a:gd name="connsiteY7" fmla="*/ 18288 h 18288"/>
+              <a:gd name="connsiteX8" fmla="*/ 1822853 w 3255095"/>
+              <a:gd name="connsiteY8" fmla="*/ 18288 h 18288"/>
+              <a:gd name="connsiteX9" fmla="*/ 1171834 w 3255095"/>
+              <a:gd name="connsiteY9" fmla="*/ 18288 h 18288"/>
+              <a:gd name="connsiteX10" fmla="*/ 0 w 3255095"/>
+              <a:gd name="connsiteY10" fmla="*/ 18288 h 18288"/>
+              <a:gd name="connsiteX11" fmla="*/ 0 w 3255095"/>
+              <a:gd name="connsiteY11" fmla="*/ 0 h 18288"/>
+            </a:gdLst>
+            <a:ahLst/>
+            <a:cxnLst>
+              <a:cxn ang="0">
+                <a:pos x="connsiteX0" y="connsiteY0"/>
+              </a:cxn>
+              <a:cxn ang="0">
+                <a:pos x="connsiteX1" y="connsiteY1"/>
+              </a:cxn>
+              <a:cxn ang="0">
+                <a:pos x="connsiteX2" y="connsiteY2"/>
+              </a:cxn>
+              <a:cxn ang="0">
+                <a:pos x="connsiteX3" y="connsiteY3"/>
+              </a:cxn>
+              <a:cxn ang="0">
+                <a:pos x="connsiteX4" y="connsiteY4"/>
+              </a:cxn>
+              <a:cxn ang="0">
+                <a:pos x="connsiteX5" y="connsiteY5"/>
+              </a:cxn>
+              <a:cxn ang="0">
+                <a:pos x="connsiteX6" y="connsiteY6"/>
+              </a:cxn>
+              <a:cxn ang="0">
+                <a:pos x="connsiteX7" y="connsiteY7"/>
+              </a:cxn>
+              <a:cxn ang="0">
+                <a:pos x="connsiteX8" y="connsiteY8"/>
+              </a:cxn>
+              <a:cxn ang="0">
+                <a:pos x="connsiteX9" y="connsiteY9"/>
+              </a:cxn>
+              <a:cxn ang="0">
+                <a:pos x="connsiteX10" y="connsiteY10"/>
+              </a:cxn>
+              <a:cxn ang="0">
+                <a:pos x="connsiteX11" y="connsiteY11"/>
+              </a:cxn>
+            </a:cxnLst>
+            <a:rect l="l" t="t" r="r" b="b"/>
+            <a:pathLst>
+              <a:path w="3255095" h="18288" fill="none" extrusionOk="0">
+                <a:moveTo>
+                  <a:pt x="0" y="0"/>
+                </a:moveTo>
+                <a:cubicBezTo>
+                  <a:pt x="240201" y="-22123"/>
+                  <a:pt x="462021" y="-19623"/>
+                  <a:pt x="618468" y="0"/>
+                </a:cubicBezTo>
+                <a:cubicBezTo>
+                  <a:pt x="774915" y="19623"/>
+                  <a:pt x="974734" y="2035"/>
+                  <a:pt x="1269487" y="0"/>
+                </a:cubicBezTo>
+                <a:cubicBezTo>
+                  <a:pt x="1564240" y="-2035"/>
+                  <a:pt x="1733579" y="10639"/>
+                  <a:pt x="1953057" y="0"/>
+                </a:cubicBezTo>
+                <a:cubicBezTo>
+                  <a:pt x="2172535" y="-10639"/>
+                  <a:pt x="2453962" y="14018"/>
+                  <a:pt x="2636627" y="0"/>
+                </a:cubicBezTo>
+                <a:cubicBezTo>
+                  <a:pt x="2819292" y="-14018"/>
+                  <a:pt x="3121375" y="5399"/>
+                  <a:pt x="3255095" y="0"/>
+                </a:cubicBezTo>
+                <a:cubicBezTo>
+                  <a:pt x="3254386" y="8157"/>
+                  <a:pt x="3254682" y="12125"/>
+                  <a:pt x="3255095" y="18288"/>
+                </a:cubicBezTo>
+                <a:cubicBezTo>
+                  <a:pt x="3088545" y="23203"/>
+                  <a:pt x="2687475" y="7419"/>
+                  <a:pt x="2538974" y="18288"/>
+                </a:cubicBezTo>
+                <a:cubicBezTo>
+                  <a:pt x="2390473" y="29157"/>
+                  <a:pt x="2137381" y="-8959"/>
+                  <a:pt x="1822853" y="18288"/>
+                </a:cubicBezTo>
+                <a:cubicBezTo>
+                  <a:pt x="1508325" y="45535"/>
+                  <a:pt x="1466437" y="20385"/>
+                  <a:pt x="1171834" y="18288"/>
+                </a:cubicBezTo>
+                <a:cubicBezTo>
+                  <a:pt x="877231" y="16191"/>
+                  <a:pt x="561097" y="37643"/>
+                  <a:pt x="0" y="18288"/>
+                </a:cubicBezTo>
+                <a:cubicBezTo>
+                  <a:pt x="-46" y="12483"/>
+                  <a:pt x="-203" y="6491"/>
+                  <a:pt x="0" y="0"/>
+                </a:cubicBezTo>
+                <a:close/>
+              </a:path>
+              <a:path w="3255095" h="18288" stroke="0" extrusionOk="0">
+                <a:moveTo>
+                  <a:pt x="0" y="0"/>
+                </a:moveTo>
+                <a:cubicBezTo>
+                  <a:pt x="291965" y="19429"/>
+                  <a:pt x="363155" y="8568"/>
+                  <a:pt x="618468" y="0"/>
+                </a:cubicBezTo>
+                <a:cubicBezTo>
+                  <a:pt x="873781" y="-8568"/>
+                  <a:pt x="904459" y="-19505"/>
+                  <a:pt x="1171834" y="0"/>
+                </a:cubicBezTo>
+                <a:cubicBezTo>
+                  <a:pt x="1439209" y="19505"/>
+                  <a:pt x="1744369" y="9790"/>
+                  <a:pt x="1887955" y="0"/>
+                </a:cubicBezTo>
+                <a:cubicBezTo>
+                  <a:pt x="2031541" y="-9790"/>
+                  <a:pt x="2346378" y="21240"/>
+                  <a:pt x="2506423" y="0"/>
+                </a:cubicBezTo>
+                <a:cubicBezTo>
+                  <a:pt x="2666468" y="-21240"/>
+                  <a:pt x="2990257" y="30414"/>
+                  <a:pt x="3255095" y="0"/>
+                </a:cubicBezTo>
+                <a:cubicBezTo>
+                  <a:pt x="3254831" y="4493"/>
+                  <a:pt x="3255479" y="9472"/>
+                  <a:pt x="3255095" y="18288"/>
+                </a:cubicBezTo>
+                <a:cubicBezTo>
+                  <a:pt x="3120743" y="16690"/>
+                  <a:pt x="2759628" y="42462"/>
+                  <a:pt x="2604076" y="18288"/>
+                </a:cubicBezTo>
+                <a:cubicBezTo>
+                  <a:pt x="2448524" y="-5886"/>
+                  <a:pt x="2184336" y="19599"/>
+                  <a:pt x="1887955" y="18288"/>
+                </a:cubicBezTo>
+                <a:cubicBezTo>
+                  <a:pt x="1591574" y="16977"/>
+                  <a:pt x="1548845" y="6870"/>
+                  <a:pt x="1334589" y="18288"/>
+                </a:cubicBezTo>
+                <a:cubicBezTo>
+                  <a:pt x="1120333" y="29706"/>
+                  <a:pt x="996014" y="9662"/>
+                  <a:pt x="683570" y="18288"/>
+                </a:cubicBezTo>
+                <a:cubicBezTo>
+                  <a:pt x="371126" y="26914"/>
+                  <a:pt x="198687" y="16167"/>
+                  <a:pt x="0" y="18288"/>
+                </a:cubicBezTo>
+                <a:cubicBezTo>
+                  <a:pt x="843" y="9577"/>
+                  <a:pt x="371" y="6900"/>
+                  <a:pt x="0" y="0"/>
+                </a:cubicBezTo>
+                <a:close/>
+              </a:path>
+            </a:pathLst>
+          </a:custGeom>
+          <a:solidFill>
+            <a:schemeClr val="accent2"/>
+          </a:solidFill>
+          <a:ln w="38100" cap="rnd">
+            <a:solidFill>
+              <a:schemeClr val="accent2"/>
+            </a:solidFill>
+            <a:round/>
+            <a:extLst>
+              <a:ext uri="{C807C97D-BFC1-408E-A445-0C87EB9F89A2}">
+                <ask:lineSketchStyleProps xmlns:ask="http://schemas.microsoft.com/office/drawing/2018/sketchyshapes" sd="1219033472">
+                  <a:prstGeom prst="rect">
+                    <a:avLst/>
+                  </a:prstGeom>
+                  <ask:type>
+                    <ask:lineSketchFreehand/>
+                  </ask:type>
+                </ask:lineSketchStyleProps>
+              </a:ext>
+            </a:extLst>
+          </a:ln>
+        </p:spPr>
+        <p:style>
+          <a:lnRef idx="2">
+            <a:schemeClr val="accent1">
+              <a:shade val="50000"/>
+            </a:schemeClr>
+          </a:lnRef>
+          <a:fillRef idx="1">
+            <a:schemeClr val="accent1"/>
+          </a:fillRef>
+          <a:effectRef idx="0">
+            <a:schemeClr val="accent1"/>
+          </a:effectRef>
+          <a:fontRef idx="minor">
+            <a:schemeClr val="lt1"/>
+          </a:fontRef>
+        </p:style>
+        <p:txBody>
+          <a:bodyPr rtlCol="0" anchor="ctr"/>
+          <a:lstStyle/>
+          <a:p>
+            <a:pPr algn="ctr"/>
+            <a:endParaRPr lang="en-US"/>
+          </a:p>
+        </p:txBody>
+      </p:sp>
+      <p:sp>
+        <p:nvSpPr>
+          <p:cNvPr id="3" name="Объект 2"/>
+          <p:cNvSpPr>
+            <a:spLocks noGrp="1"/>
+          </p:cNvSpPr>
+          <p:nvPr>
+            <p:ph sz="half" idx="1"/>
+          </p:nvPr>
+        </p:nvSpPr>
+        <p:spPr>
+          <a:xfrm>
+            <a:off x="630936" y="2660904"/>
+            <a:ext cx="4818888" cy="3547872"/>
           </a:xfrm>
         </p:spPr>
         <p:txBody>
-          <a:bodyPr>
+          <a:bodyPr vert="horz" lIns="91440" tIns="45720" rIns="91440" bIns="45720" rtlCol="0" anchor="t">
             <a:normAutofit/>
           </a:bodyPr>
           <a:lstStyle/>
           <a:p>
-            <a:pPr marL="0" indent="0">
-              <a:buNone/>
-            </a:pPr>
-            <a:r>
-              <a:rPr lang="en-US" sz="1400" dirty="0"/>
+            <a:pPr marL="0"/>
+            <a:r>
+              <a:rPr lang="en-US" sz="1500"/>
               <a:t>Workflow steps:</a:t>
             </a:r>
-            <a:endParaRPr lang="ru-RU" sz="1400" dirty="0"/>
-          </a:p>
-          <a:p>
-            <a:pPr marL="342900" indent="-342900">
-              <a:buFont typeface="+mj-lt"/>
-              <a:buAutoNum type="arabicPeriod"/>
-            </a:pPr>
-            <a:r>
-              <a:rPr lang="en-US" sz="1400" dirty="0"/>
+          </a:p>
+          <a:p>
+            <a:pPr marL="342900"/>
+            <a:r>
+              <a:rPr lang="en-US" sz="1500"/>
               <a:t>Multiple users submit jobs with the AWS CLI or SDK.</a:t>
             </a:r>
           </a:p>
           <a:p>
-            <a:pPr marL="342900" indent="-342900">
-              <a:buFont typeface="+mj-lt"/>
-              <a:buAutoNum type="arabicPeriod"/>
-            </a:pPr>
-            <a:r>
-              <a:rPr lang="en-US" sz="1400" dirty="0"/>
+            <a:pPr marL="342900"/>
+            <a:r>
+              <a:rPr lang="en-US" sz="1500"/>
               <a:t>The jobs are queued as messages in Amazon SQS.</a:t>
             </a:r>
           </a:p>
           <a:p>
-            <a:pPr marL="342900" indent="-342900">
-              <a:buFont typeface="+mj-lt"/>
-              <a:buAutoNum type="arabicPeriod"/>
-            </a:pPr>
-            <a:r>
-              <a:rPr lang="en-US" sz="1400" dirty="0"/>
+            <a:pPr marL="342900"/>
+            <a:r>
+              <a:rPr lang="en-US" sz="1500"/>
               <a:t>EC2 Instances poll the queue and start processing jobs.</a:t>
             </a:r>
           </a:p>
           <a:p>
-            <a:pPr marL="342900" indent="-342900">
-              <a:buFont typeface="+mj-lt"/>
-              <a:buAutoNum type="arabicPeriod"/>
-            </a:pPr>
-            <a:r>
-              <a:rPr lang="en-US" sz="1400" dirty="0"/>
+            <a:pPr marL="342900"/>
+            <a:r>
+              <a:rPr lang="en-US" sz="1500"/>
               <a:t>Amazon SQS emits metrics based on the number of messages (jobs) in the queue.</a:t>
             </a:r>
           </a:p>
           <a:p>
-            <a:pPr marL="342900" indent="-342900">
-              <a:buFont typeface="+mj-lt"/>
-              <a:buAutoNum type="arabicPeriod"/>
-            </a:pPr>
-            <a:r>
-              <a:rPr lang="en-US" sz="1400" dirty="0"/>
-              <a:t>An Amazon </a:t>
-            </a:r>
-            <a:r>
-              <a:rPr lang="en-US" sz="1400" dirty="0" err="1"/>
-              <a:t>CloudWatch</a:t>
-            </a:r>
-            <a:r>
-              <a:rPr lang="en-US" sz="1400" dirty="0"/>
-              <a:t> alarm is configured to notify Auto Scaling if the queue is longer than a specified length. Auto Scaling increases the number of EC2 instances.</a:t>
-            </a:r>
-          </a:p>
-          <a:p>
-            <a:pPr marL="342900" indent="-342900">
-              <a:buFont typeface="+mj-lt"/>
-              <a:buAutoNum type="arabicPeriod"/>
-            </a:pPr>
-            <a:r>
-              <a:rPr lang="en-US" sz="1400" dirty="0"/>
+            <a:pPr marL="342900"/>
+            <a:r>
+              <a:rPr lang="en-US" sz="1500"/>
+              <a:t>An Amazon CloudWatch alarm is configured to notify Auto Scaling if the queue is longer than a specified length. Auto Scaling increases the number of EC2 instances.</a:t>
+            </a:r>
+          </a:p>
+          <a:p>
+            <a:pPr marL="342900"/>
+            <a:r>
+              <a:rPr lang="en-US" sz="1500"/>
               <a:t>The EC2 instances pull source data and store result data in an S3 bucket.</a:t>
             </a:r>
           </a:p>
           <a:p>
-            <a:pPr marL="0" indent="0">
-              <a:buNone/>
-            </a:pPr>
-            <a:endParaRPr lang="en-US" sz="1400" dirty="0"/>
+            <a:pPr marL="0"/>
+            <a:endParaRPr lang="en-US" sz="1500"/>
           </a:p>
         </p:txBody>
       </p:sp>
@@ -4886,8 +8803,8 @@
         </p:blipFill>
         <p:spPr>
           <a:xfrm>
-            <a:off x="5989886" y="1825625"/>
-            <a:ext cx="6202114" cy="3531679"/>
+            <a:off x="6099048" y="1873194"/>
+            <a:ext cx="5458968" cy="3111611"/>
           </a:xfrm>
           <a:prstGeom prst="rect">
             <a:avLst/>
@@ -4907,9 +8824,17 @@
 </p:sld>
 </file>
 
-<file path=ppt/slides/slide5.xml><?xml version="1.0" encoding="utf-8"?>
+<file path=ppt/slides/slide7.xml><?xml version="1.0" encoding="utf-8"?>
 <p:sld xmlns:a="http://schemas.openxmlformats.org/drawingml/2006/main" xmlns:r="http://schemas.openxmlformats.org/officeDocument/2006/relationships" xmlns:p="http://schemas.openxmlformats.org/presentationml/2006/main">
   <p:cSld>
+    <p:bg>
+      <p:bgPr>
+        <a:solidFill>
+          <a:schemeClr val="bg1"/>
+        </a:solidFill>
+        <a:effectLst/>
+      </p:bgPr>
+    </p:bg>
     <p:spTree>
       <p:nvGrpSpPr>
         <p:cNvPr id="1" name=""/>
@@ -4924,6 +8849,66 @@
           <a:chExt cx="0" cy="0"/>
         </a:xfrm>
       </p:grpSpPr>
+      <p:sp useBgFill="1">
+        <p:nvSpPr>
+          <p:cNvPr id="8" name="Rectangle 7">
+            <a:extLst>
+              <a:ext uri="{FF2B5EF4-FFF2-40B4-BE49-F238E27FC236}">
+                <a16:creationId xmlns:a16="http://schemas.microsoft.com/office/drawing/2014/main" id="{100EDD19-6802-4EC3-95CE-CFFAB042CFD6}"/>
+              </a:ext>
+              <a:ext uri="{C183D7F6-B498-43B3-948B-1728B52AA6E4}">
+                <adec:decorative xmlns:adec="http://schemas.microsoft.com/office/drawing/2017/decorative" val="1"/>
+              </a:ext>
+            </a:extLst>
+          </p:cNvPr>
+          <p:cNvSpPr>
+            <a:spLocks noGrp="1" noRot="1" noChangeAspect="1" noMove="1" noResize="1" noEditPoints="1" noAdjustHandles="1" noChangeArrowheads="1" noChangeShapeType="1" noTextEdit="1"/>
+          </p:cNvSpPr>
+          <p:nvPr>
+            <p:extLst>
+              <p:ext uri="{386F3935-93C4-4BCD-93E2-E3B085C9AB24}">
+                <p16:designElem xmlns:p16="http://schemas.microsoft.com/office/powerpoint/2015/main" val="1"/>
+              </p:ext>
+            </p:extLst>
+          </p:nvPr>
+        </p:nvSpPr>
+        <p:spPr>
+          <a:xfrm>
+            <a:off x="0" y="0"/>
+            <a:ext cx="12188952" cy="6858000"/>
+          </a:xfrm>
+          <a:prstGeom prst="rect">
+            <a:avLst/>
+          </a:prstGeom>
+          <a:ln>
+            <a:noFill/>
+          </a:ln>
+        </p:spPr>
+        <p:style>
+          <a:lnRef idx="2">
+            <a:schemeClr val="accent1">
+              <a:shade val="50000"/>
+            </a:schemeClr>
+          </a:lnRef>
+          <a:fillRef idx="1">
+            <a:schemeClr val="accent1"/>
+          </a:fillRef>
+          <a:effectRef idx="0">
+            <a:schemeClr val="accent1"/>
+          </a:effectRef>
+          <a:fontRef idx="minor">
+            <a:schemeClr val="lt1"/>
+          </a:fontRef>
+        </p:style>
+        <p:txBody>
+          <a:bodyPr rtlCol="0" anchor="ctr"/>
+          <a:lstStyle/>
+          <a:p>
+            <a:pPr algn="ctr"/>
+            <a:endParaRPr lang="en-US"/>
+          </a:p>
+        </p:txBody>
+      </p:sp>
       <p:sp>
         <p:nvSpPr>
           <p:cNvPr id="2" name="Заголовок 1"/>
@@ -4934,15 +8919,27 @@
             <p:ph type="title"/>
           </p:nvPr>
         </p:nvSpPr>
-        <p:spPr/>
-        <p:txBody>
-          <a:bodyPr>
+        <p:spPr>
+          <a:xfrm>
+            <a:off x="838200" y="365125"/>
+            <a:ext cx="10515600" cy="1325563"/>
+          </a:xfrm>
+        </p:spPr>
+        <p:txBody>
+          <a:bodyPr vert="horz" lIns="91440" tIns="45720" rIns="91440" bIns="45720" rtlCol="0" anchor="ctr">
             <a:normAutofit/>
           </a:bodyPr>
           <a:lstStyle/>
           <a:p>
             <a:r>
-              <a:rPr lang="en-US" sz="3200" dirty="0"/>
+              <a:rPr lang="en-US" sz="5400" kern="1200">
+                <a:solidFill>
+                  <a:schemeClr val="tx1"/>
+                </a:solidFill>
+                <a:latin typeface="+mj-lt"/>
+                <a:ea typeface="+mj-ea"/>
+                <a:cs typeface="+mj-cs"/>
+              </a:rPr>
               <a:t>Benefits</a:t>
             </a:r>
           </a:p>
@@ -4950,52 +8947,699 @@
       </p:sp>
       <p:sp>
         <p:nvSpPr>
-          <p:cNvPr id="3" name="Объект 2"/>
-          <p:cNvSpPr>
-            <a:spLocks noGrp="1"/>
-          </p:cNvSpPr>
-          <p:nvPr>
-            <p:ph sz="half" idx="1"/>
+          <p:cNvPr id="10" name="sketch line">
+            <a:extLst>
+              <a:ext uri="{FF2B5EF4-FFF2-40B4-BE49-F238E27FC236}">
+                <a16:creationId xmlns:a16="http://schemas.microsoft.com/office/drawing/2014/main" id="{DB17E863-922E-4C26-BD64-E8FD41D28661}"/>
+              </a:ext>
+              <a:ext uri="{C183D7F6-B498-43B3-948B-1728B52AA6E4}">
+                <adec:decorative xmlns:adec="http://schemas.microsoft.com/office/drawing/2017/decorative" val="1"/>
+              </a:ext>
+            </a:extLst>
+          </p:cNvPr>
+          <p:cNvSpPr>
+            <a:spLocks noGrp="1" noRot="1" noChangeAspect="1" noMove="1" noResize="1" noEditPoints="1" noAdjustHandles="1" noChangeArrowheads="1" noChangeShapeType="1" noTextEdit="1"/>
+          </p:cNvSpPr>
+          <p:nvPr>
+            <p:extLst>
+              <p:ext uri="{386F3935-93C4-4BCD-93E2-E3B085C9AB24}">
+                <p16:designElem xmlns:p16="http://schemas.microsoft.com/office/powerpoint/2015/main" val="1"/>
+              </p:ext>
+            </p:extLst>
           </p:nvPr>
         </p:nvSpPr>
         <p:spPr>
           <a:xfrm>
-            <a:off x="838200" y="1825625"/>
-            <a:ext cx="8049768" cy="4351338"/>
+            <a:off x="669036" y="1677373"/>
+            <a:ext cx="10853928" cy="18288"/>
+          </a:xfrm>
+          <a:custGeom>
+            <a:avLst/>
+            <a:gdLst>
+              <a:gd name="connsiteX0" fmla="*/ 0 w 10853928"/>
+              <a:gd name="connsiteY0" fmla="*/ 0 h 18288"/>
+              <a:gd name="connsiteX1" fmla="*/ 461292 w 10853928"/>
+              <a:gd name="connsiteY1" fmla="*/ 0 h 18288"/>
+              <a:gd name="connsiteX2" fmla="*/ 1139662 w 10853928"/>
+              <a:gd name="connsiteY2" fmla="*/ 0 h 18288"/>
+              <a:gd name="connsiteX3" fmla="*/ 1926572 w 10853928"/>
+              <a:gd name="connsiteY3" fmla="*/ 0 h 18288"/>
+              <a:gd name="connsiteX4" fmla="*/ 2279325 w 10853928"/>
+              <a:gd name="connsiteY4" fmla="*/ 0 h 18288"/>
+              <a:gd name="connsiteX5" fmla="*/ 2632078 w 10853928"/>
+              <a:gd name="connsiteY5" fmla="*/ 0 h 18288"/>
+              <a:gd name="connsiteX6" fmla="*/ 3527527 w 10853928"/>
+              <a:gd name="connsiteY6" fmla="*/ 0 h 18288"/>
+              <a:gd name="connsiteX7" fmla="*/ 4205897 w 10853928"/>
+              <a:gd name="connsiteY7" fmla="*/ 0 h 18288"/>
+              <a:gd name="connsiteX8" fmla="*/ 4558650 w 10853928"/>
+              <a:gd name="connsiteY8" fmla="*/ 0 h 18288"/>
+              <a:gd name="connsiteX9" fmla="*/ 5237020 w 10853928"/>
+              <a:gd name="connsiteY9" fmla="*/ 0 h 18288"/>
+              <a:gd name="connsiteX10" fmla="*/ 6132469 w 10853928"/>
+              <a:gd name="connsiteY10" fmla="*/ 0 h 18288"/>
+              <a:gd name="connsiteX11" fmla="*/ 6702301 w 10853928"/>
+              <a:gd name="connsiteY11" fmla="*/ 0 h 18288"/>
+              <a:gd name="connsiteX12" fmla="*/ 7272132 w 10853928"/>
+              <a:gd name="connsiteY12" fmla="*/ 0 h 18288"/>
+              <a:gd name="connsiteX13" fmla="*/ 7950502 w 10853928"/>
+              <a:gd name="connsiteY13" fmla="*/ 0 h 18288"/>
+              <a:gd name="connsiteX14" fmla="*/ 8737412 w 10853928"/>
+              <a:gd name="connsiteY14" fmla="*/ 0 h 18288"/>
+              <a:gd name="connsiteX15" fmla="*/ 9524322 w 10853928"/>
+              <a:gd name="connsiteY15" fmla="*/ 0 h 18288"/>
+              <a:gd name="connsiteX16" fmla="*/ 10853928 w 10853928"/>
+              <a:gd name="connsiteY16" fmla="*/ 0 h 18288"/>
+              <a:gd name="connsiteX17" fmla="*/ 10853928 w 10853928"/>
+              <a:gd name="connsiteY17" fmla="*/ 18288 h 18288"/>
+              <a:gd name="connsiteX18" fmla="*/ 10392636 w 10853928"/>
+              <a:gd name="connsiteY18" fmla="*/ 18288 h 18288"/>
+              <a:gd name="connsiteX19" fmla="*/ 9497187 w 10853928"/>
+              <a:gd name="connsiteY19" fmla="*/ 18288 h 18288"/>
+              <a:gd name="connsiteX20" fmla="*/ 8818817 w 10853928"/>
+              <a:gd name="connsiteY20" fmla="*/ 18288 h 18288"/>
+              <a:gd name="connsiteX21" fmla="*/ 8466064 w 10853928"/>
+              <a:gd name="connsiteY21" fmla="*/ 18288 h 18288"/>
+              <a:gd name="connsiteX22" fmla="*/ 7787693 w 10853928"/>
+              <a:gd name="connsiteY22" fmla="*/ 18288 h 18288"/>
+              <a:gd name="connsiteX23" fmla="*/ 7217862 w 10853928"/>
+              <a:gd name="connsiteY23" fmla="*/ 18288 h 18288"/>
+              <a:gd name="connsiteX24" fmla="*/ 6648031 w 10853928"/>
+              <a:gd name="connsiteY24" fmla="*/ 18288 h 18288"/>
+              <a:gd name="connsiteX25" fmla="*/ 6078200 w 10853928"/>
+              <a:gd name="connsiteY25" fmla="*/ 18288 h 18288"/>
+              <a:gd name="connsiteX26" fmla="*/ 5508368 w 10853928"/>
+              <a:gd name="connsiteY26" fmla="*/ 18288 h 18288"/>
+              <a:gd name="connsiteX27" fmla="*/ 4721459 w 10853928"/>
+              <a:gd name="connsiteY27" fmla="*/ 18288 h 18288"/>
+              <a:gd name="connsiteX28" fmla="*/ 4043088 w 10853928"/>
+              <a:gd name="connsiteY28" fmla="*/ 18288 h 18288"/>
+              <a:gd name="connsiteX29" fmla="*/ 3690336 w 10853928"/>
+              <a:gd name="connsiteY29" fmla="*/ 18288 h 18288"/>
+              <a:gd name="connsiteX30" fmla="*/ 3120504 w 10853928"/>
+              <a:gd name="connsiteY30" fmla="*/ 18288 h 18288"/>
+              <a:gd name="connsiteX31" fmla="*/ 2333595 w 10853928"/>
+              <a:gd name="connsiteY31" fmla="*/ 18288 h 18288"/>
+              <a:gd name="connsiteX32" fmla="*/ 1872303 w 10853928"/>
+              <a:gd name="connsiteY32" fmla="*/ 18288 h 18288"/>
+              <a:gd name="connsiteX33" fmla="*/ 976854 w 10853928"/>
+              <a:gd name="connsiteY33" fmla="*/ 18288 h 18288"/>
+              <a:gd name="connsiteX34" fmla="*/ 0 w 10853928"/>
+              <a:gd name="connsiteY34" fmla="*/ 18288 h 18288"/>
+              <a:gd name="connsiteX35" fmla="*/ 0 w 10853928"/>
+              <a:gd name="connsiteY35" fmla="*/ 0 h 18288"/>
+            </a:gdLst>
+            <a:ahLst/>
+            <a:cxnLst>
+              <a:cxn ang="0">
+                <a:pos x="connsiteX0" y="connsiteY0"/>
+              </a:cxn>
+              <a:cxn ang="0">
+                <a:pos x="connsiteX1" y="connsiteY1"/>
+              </a:cxn>
+              <a:cxn ang="0">
+                <a:pos x="connsiteX2" y="connsiteY2"/>
+              </a:cxn>
+              <a:cxn ang="0">
+                <a:pos x="connsiteX3" y="connsiteY3"/>
+              </a:cxn>
+              <a:cxn ang="0">
+                <a:pos x="connsiteX4" y="connsiteY4"/>
+              </a:cxn>
+              <a:cxn ang="0">
+                <a:pos x="connsiteX5" y="connsiteY5"/>
+              </a:cxn>
+              <a:cxn ang="0">
+                <a:pos x="connsiteX6" y="connsiteY6"/>
+              </a:cxn>
+              <a:cxn ang="0">
+                <a:pos x="connsiteX7" y="connsiteY7"/>
+              </a:cxn>
+              <a:cxn ang="0">
+                <a:pos x="connsiteX8" y="connsiteY8"/>
+              </a:cxn>
+              <a:cxn ang="0">
+                <a:pos x="connsiteX9" y="connsiteY9"/>
+              </a:cxn>
+              <a:cxn ang="0">
+                <a:pos x="connsiteX10" y="connsiteY10"/>
+              </a:cxn>
+              <a:cxn ang="0">
+                <a:pos x="connsiteX11" y="connsiteY11"/>
+              </a:cxn>
+              <a:cxn ang="0">
+                <a:pos x="connsiteX12" y="connsiteY12"/>
+              </a:cxn>
+              <a:cxn ang="0">
+                <a:pos x="connsiteX13" y="connsiteY13"/>
+              </a:cxn>
+              <a:cxn ang="0">
+                <a:pos x="connsiteX14" y="connsiteY14"/>
+              </a:cxn>
+              <a:cxn ang="0">
+                <a:pos x="connsiteX15" y="connsiteY15"/>
+              </a:cxn>
+              <a:cxn ang="0">
+                <a:pos x="connsiteX16" y="connsiteY16"/>
+              </a:cxn>
+              <a:cxn ang="0">
+                <a:pos x="connsiteX17" y="connsiteY17"/>
+              </a:cxn>
+              <a:cxn ang="0">
+                <a:pos x="connsiteX18" y="connsiteY18"/>
+              </a:cxn>
+              <a:cxn ang="0">
+                <a:pos x="connsiteX19" y="connsiteY19"/>
+              </a:cxn>
+              <a:cxn ang="0">
+                <a:pos x="connsiteX20" y="connsiteY20"/>
+              </a:cxn>
+              <a:cxn ang="0">
+                <a:pos x="connsiteX21" y="connsiteY21"/>
+              </a:cxn>
+              <a:cxn ang="0">
+                <a:pos x="connsiteX22" y="connsiteY22"/>
+              </a:cxn>
+              <a:cxn ang="0">
+                <a:pos x="connsiteX23" y="connsiteY23"/>
+              </a:cxn>
+              <a:cxn ang="0">
+                <a:pos x="connsiteX24" y="connsiteY24"/>
+              </a:cxn>
+              <a:cxn ang="0">
+                <a:pos x="connsiteX25" y="connsiteY25"/>
+              </a:cxn>
+              <a:cxn ang="0">
+                <a:pos x="connsiteX26" y="connsiteY26"/>
+              </a:cxn>
+              <a:cxn ang="0">
+                <a:pos x="connsiteX27" y="connsiteY27"/>
+              </a:cxn>
+              <a:cxn ang="0">
+                <a:pos x="connsiteX28" y="connsiteY28"/>
+              </a:cxn>
+              <a:cxn ang="0">
+                <a:pos x="connsiteX29" y="connsiteY29"/>
+              </a:cxn>
+              <a:cxn ang="0">
+                <a:pos x="connsiteX30" y="connsiteY30"/>
+              </a:cxn>
+              <a:cxn ang="0">
+                <a:pos x="connsiteX31" y="connsiteY31"/>
+              </a:cxn>
+              <a:cxn ang="0">
+                <a:pos x="connsiteX32" y="connsiteY32"/>
+              </a:cxn>
+              <a:cxn ang="0">
+                <a:pos x="connsiteX33" y="connsiteY33"/>
+              </a:cxn>
+              <a:cxn ang="0">
+                <a:pos x="connsiteX34" y="connsiteY34"/>
+              </a:cxn>
+              <a:cxn ang="0">
+                <a:pos x="connsiteX35" y="connsiteY35"/>
+              </a:cxn>
+            </a:cxnLst>
+            <a:rect l="l" t="t" r="r" b="b"/>
+            <a:pathLst>
+              <a:path w="10853928" h="18288" fill="none" extrusionOk="0">
+                <a:moveTo>
+                  <a:pt x="0" y="0"/>
+                </a:moveTo>
+                <a:cubicBezTo>
+                  <a:pt x="146993" y="-19076"/>
+                  <a:pt x="347684" y="-4790"/>
+                  <a:pt x="461292" y="0"/>
+                </a:cubicBezTo>
+                <a:cubicBezTo>
+                  <a:pt x="574900" y="4790"/>
+                  <a:pt x="808367" y="19821"/>
+                  <a:pt x="1139662" y="0"/>
+                </a:cubicBezTo>
+                <a:cubicBezTo>
+                  <a:pt x="1470957" y="-19821"/>
+                  <a:pt x="1627405" y="5721"/>
+                  <a:pt x="1926572" y="0"/>
+                </a:cubicBezTo>
+                <a:cubicBezTo>
+                  <a:pt x="2225739" y="-5721"/>
+                  <a:pt x="2137730" y="-3235"/>
+                  <a:pt x="2279325" y="0"/>
+                </a:cubicBezTo>
+                <a:cubicBezTo>
+                  <a:pt x="2420920" y="3235"/>
+                  <a:pt x="2456518" y="9685"/>
+                  <a:pt x="2632078" y="0"/>
+                </a:cubicBezTo>
+                <a:cubicBezTo>
+                  <a:pt x="2807638" y="-9685"/>
+                  <a:pt x="3211516" y="-43007"/>
+                  <a:pt x="3527527" y="0"/>
+                </a:cubicBezTo>
+                <a:cubicBezTo>
+                  <a:pt x="3843538" y="43007"/>
+                  <a:pt x="4058833" y="22042"/>
+                  <a:pt x="4205897" y="0"/>
+                </a:cubicBezTo>
+                <a:cubicBezTo>
+                  <a:pt x="4352961" y="-22042"/>
+                  <a:pt x="4474805" y="-11846"/>
+                  <a:pt x="4558650" y="0"/>
+                </a:cubicBezTo>
+                <a:cubicBezTo>
+                  <a:pt x="4642495" y="11846"/>
+                  <a:pt x="5041928" y="-6069"/>
+                  <a:pt x="5237020" y="0"/>
+                </a:cubicBezTo>
+                <a:cubicBezTo>
+                  <a:pt x="5432112" y="6069"/>
+                  <a:pt x="5943266" y="-17479"/>
+                  <a:pt x="6132469" y="0"/>
+                </a:cubicBezTo>
+                <a:cubicBezTo>
+                  <a:pt x="6321672" y="17479"/>
+                  <a:pt x="6483872" y="26234"/>
+                  <a:pt x="6702301" y="0"/>
+                </a:cubicBezTo>
+                <a:cubicBezTo>
+                  <a:pt x="6920730" y="-26234"/>
+                  <a:pt x="6991194" y="-15156"/>
+                  <a:pt x="7272132" y="0"/>
+                </a:cubicBezTo>
+                <a:cubicBezTo>
+                  <a:pt x="7553070" y="15156"/>
+                  <a:pt x="7684444" y="-32961"/>
+                  <a:pt x="7950502" y="0"/>
+                </a:cubicBezTo>
+                <a:cubicBezTo>
+                  <a:pt x="8216560" y="32961"/>
+                  <a:pt x="8493290" y="-10491"/>
+                  <a:pt x="8737412" y="0"/>
+                </a:cubicBezTo>
+                <a:cubicBezTo>
+                  <a:pt x="8981534" y="10491"/>
+                  <a:pt x="9191586" y="-13899"/>
+                  <a:pt x="9524322" y="0"/>
+                </a:cubicBezTo>
+                <a:cubicBezTo>
+                  <a:pt x="9857058" y="13899"/>
+                  <a:pt x="10297509" y="7485"/>
+                  <a:pt x="10853928" y="0"/>
+                </a:cubicBezTo>
+                <a:cubicBezTo>
+                  <a:pt x="10854574" y="4451"/>
+                  <a:pt x="10854418" y="9226"/>
+                  <a:pt x="10853928" y="18288"/>
+                </a:cubicBezTo>
+                <a:cubicBezTo>
+                  <a:pt x="10691638" y="28522"/>
+                  <a:pt x="10574319" y="29578"/>
+                  <a:pt x="10392636" y="18288"/>
+                </a:cubicBezTo>
+                <a:cubicBezTo>
+                  <a:pt x="10210953" y="6998"/>
+                  <a:pt x="9836277" y="-16742"/>
+                  <a:pt x="9497187" y="18288"/>
+                </a:cubicBezTo>
+                <a:cubicBezTo>
+                  <a:pt x="9158097" y="53318"/>
+                  <a:pt x="9119479" y="30714"/>
+                  <a:pt x="8818817" y="18288"/>
+                </a:cubicBezTo>
+                <a:cubicBezTo>
+                  <a:pt x="8518155" y="5863"/>
+                  <a:pt x="8640037" y="6483"/>
+                  <a:pt x="8466064" y="18288"/>
+                </a:cubicBezTo>
+                <a:cubicBezTo>
+                  <a:pt x="8292091" y="30093"/>
+                  <a:pt x="7997656" y="18914"/>
+                  <a:pt x="7787693" y="18288"/>
+                </a:cubicBezTo>
+                <a:cubicBezTo>
+                  <a:pt x="7577730" y="17662"/>
+                  <a:pt x="7412468" y="21416"/>
+                  <a:pt x="7217862" y="18288"/>
+                </a:cubicBezTo>
+                <a:cubicBezTo>
+                  <a:pt x="7023256" y="15160"/>
+                  <a:pt x="6898018" y="14824"/>
+                  <a:pt x="6648031" y="18288"/>
+                </a:cubicBezTo>
+                <a:cubicBezTo>
+                  <a:pt x="6398044" y="21752"/>
+                  <a:pt x="6254402" y="38625"/>
+                  <a:pt x="6078200" y="18288"/>
+                </a:cubicBezTo>
+                <a:cubicBezTo>
+                  <a:pt x="5901998" y="-2049"/>
+                  <a:pt x="5622886" y="3213"/>
+                  <a:pt x="5508368" y="18288"/>
+                </a:cubicBezTo>
+                <a:cubicBezTo>
+                  <a:pt x="5393850" y="33363"/>
+                  <a:pt x="5036260" y="26830"/>
+                  <a:pt x="4721459" y="18288"/>
+                </a:cubicBezTo>
+                <a:cubicBezTo>
+                  <a:pt x="4406658" y="9746"/>
+                  <a:pt x="4239221" y="41551"/>
+                  <a:pt x="4043088" y="18288"/>
+                </a:cubicBezTo>
+                <a:cubicBezTo>
+                  <a:pt x="3846955" y="-4975"/>
+                  <a:pt x="3818802" y="34658"/>
+                  <a:pt x="3690336" y="18288"/>
+                </a:cubicBezTo>
+                <a:cubicBezTo>
+                  <a:pt x="3561870" y="1918"/>
+                  <a:pt x="3265491" y="42194"/>
+                  <a:pt x="3120504" y="18288"/>
+                </a:cubicBezTo>
+                <a:cubicBezTo>
+                  <a:pt x="2975517" y="-5618"/>
+                  <a:pt x="2720254" y="36673"/>
+                  <a:pt x="2333595" y="18288"/>
+                </a:cubicBezTo>
+                <a:cubicBezTo>
+                  <a:pt x="1946936" y="-97"/>
+                  <a:pt x="2097241" y="5776"/>
+                  <a:pt x="1872303" y="18288"/>
+                </a:cubicBezTo>
+                <a:cubicBezTo>
+                  <a:pt x="1647365" y="30800"/>
+                  <a:pt x="1282708" y="45380"/>
+                  <a:pt x="976854" y="18288"/>
+                </a:cubicBezTo>
+                <a:cubicBezTo>
+                  <a:pt x="671000" y="-8804"/>
+                  <a:pt x="408401" y="-12775"/>
+                  <a:pt x="0" y="18288"/>
+                </a:cubicBezTo>
+                <a:cubicBezTo>
+                  <a:pt x="-213" y="9468"/>
+                  <a:pt x="187" y="4459"/>
+                  <a:pt x="0" y="0"/>
+                </a:cubicBezTo>
+                <a:close/>
+              </a:path>
+              <a:path w="10853928" h="18288" stroke="0" extrusionOk="0">
+                <a:moveTo>
+                  <a:pt x="0" y="0"/>
+                </a:moveTo>
+                <a:cubicBezTo>
+                  <a:pt x="267322" y="15284"/>
+                  <a:pt x="415388" y="-21048"/>
+                  <a:pt x="569831" y="0"/>
+                </a:cubicBezTo>
+                <a:cubicBezTo>
+                  <a:pt x="724274" y="21048"/>
+                  <a:pt x="769333" y="-2353"/>
+                  <a:pt x="922584" y="0"/>
+                </a:cubicBezTo>
+                <a:cubicBezTo>
+                  <a:pt x="1075835" y="2353"/>
+                  <a:pt x="1399490" y="-145"/>
+                  <a:pt x="1818033" y="0"/>
+                </a:cubicBezTo>
+                <a:cubicBezTo>
+                  <a:pt x="2236576" y="145"/>
+                  <a:pt x="2145330" y="5482"/>
+                  <a:pt x="2387864" y="0"/>
+                </a:cubicBezTo>
+                <a:cubicBezTo>
+                  <a:pt x="2630398" y="-5482"/>
+                  <a:pt x="2793207" y="18487"/>
+                  <a:pt x="2957695" y="0"/>
+                </a:cubicBezTo>
+                <a:cubicBezTo>
+                  <a:pt x="3122183" y="-18487"/>
+                  <a:pt x="3579141" y="19003"/>
+                  <a:pt x="3853144" y="0"/>
+                </a:cubicBezTo>
+                <a:cubicBezTo>
+                  <a:pt x="4127147" y="-19003"/>
+                  <a:pt x="4209857" y="12211"/>
+                  <a:pt x="4314436" y="0"/>
+                </a:cubicBezTo>
+                <a:cubicBezTo>
+                  <a:pt x="4419015" y="-12211"/>
+                  <a:pt x="4762459" y="-17220"/>
+                  <a:pt x="5209885" y="0"/>
+                </a:cubicBezTo>
+                <a:cubicBezTo>
+                  <a:pt x="5657311" y="17220"/>
+                  <a:pt x="5692663" y="-3290"/>
+                  <a:pt x="6105335" y="0"/>
+                </a:cubicBezTo>
+                <a:cubicBezTo>
+                  <a:pt x="6518007" y="3290"/>
+                  <a:pt x="6455516" y="-5124"/>
+                  <a:pt x="6783705" y="0"/>
+                </a:cubicBezTo>
+                <a:cubicBezTo>
+                  <a:pt x="7111894" y="5124"/>
+                  <a:pt x="7441941" y="-17829"/>
+                  <a:pt x="7679154" y="0"/>
+                </a:cubicBezTo>
+                <a:cubicBezTo>
+                  <a:pt x="7916367" y="17829"/>
+                  <a:pt x="8102967" y="-24363"/>
+                  <a:pt x="8248985" y="0"/>
+                </a:cubicBezTo>
+                <a:cubicBezTo>
+                  <a:pt x="8395003" y="24363"/>
+                  <a:pt x="8552393" y="25505"/>
+                  <a:pt x="8818817" y="0"/>
+                </a:cubicBezTo>
+                <a:cubicBezTo>
+                  <a:pt x="9085241" y="-25505"/>
+                  <a:pt x="9411308" y="38000"/>
+                  <a:pt x="9605726" y="0"/>
+                </a:cubicBezTo>
+                <a:cubicBezTo>
+                  <a:pt x="9800144" y="-38000"/>
+                  <a:pt x="10006468" y="-25741"/>
+                  <a:pt x="10175558" y="0"/>
+                </a:cubicBezTo>
+                <a:cubicBezTo>
+                  <a:pt x="10344648" y="25741"/>
+                  <a:pt x="10696282" y="695"/>
+                  <a:pt x="10853928" y="0"/>
+                </a:cubicBezTo>
+                <a:cubicBezTo>
+                  <a:pt x="10853521" y="8690"/>
+                  <a:pt x="10853774" y="14141"/>
+                  <a:pt x="10853928" y="18288"/>
+                </a:cubicBezTo>
+                <a:cubicBezTo>
+                  <a:pt x="10608124" y="24255"/>
+                  <a:pt x="10343415" y="22307"/>
+                  <a:pt x="10067018" y="18288"/>
+                </a:cubicBezTo>
+                <a:cubicBezTo>
+                  <a:pt x="9790621" y="14270"/>
+                  <a:pt x="9843266" y="3564"/>
+                  <a:pt x="9714266" y="18288"/>
+                </a:cubicBezTo>
+                <a:cubicBezTo>
+                  <a:pt x="9585266" y="33012"/>
+                  <a:pt x="9379484" y="1875"/>
+                  <a:pt x="9252974" y="18288"/>
+                </a:cubicBezTo>
+                <a:cubicBezTo>
+                  <a:pt x="9126464" y="34701"/>
+                  <a:pt x="8580678" y="-4904"/>
+                  <a:pt x="8357525" y="18288"/>
+                </a:cubicBezTo>
+                <a:cubicBezTo>
+                  <a:pt x="8134372" y="41480"/>
+                  <a:pt x="7903199" y="26458"/>
+                  <a:pt x="7679154" y="18288"/>
+                </a:cubicBezTo>
+                <a:cubicBezTo>
+                  <a:pt x="7455109" y="10118"/>
+                  <a:pt x="7435944" y="27109"/>
+                  <a:pt x="7217862" y="18288"/>
+                </a:cubicBezTo>
+                <a:cubicBezTo>
+                  <a:pt x="6999780" y="9467"/>
+                  <a:pt x="6680409" y="18985"/>
+                  <a:pt x="6539492" y="18288"/>
+                </a:cubicBezTo>
+                <a:cubicBezTo>
+                  <a:pt x="6398575" y="17592"/>
+                  <a:pt x="6312077" y="33018"/>
+                  <a:pt x="6186739" y="18288"/>
+                </a:cubicBezTo>
+                <a:cubicBezTo>
+                  <a:pt x="6061401" y="3558"/>
+                  <a:pt x="5947033" y="12075"/>
+                  <a:pt x="5833986" y="18288"/>
+                </a:cubicBezTo>
+                <a:cubicBezTo>
+                  <a:pt x="5720939" y="24501"/>
+                  <a:pt x="5482226" y="8586"/>
+                  <a:pt x="5155616" y="18288"/>
+                </a:cubicBezTo>
+                <a:cubicBezTo>
+                  <a:pt x="4829006" y="27991"/>
+                  <a:pt x="4841274" y="29316"/>
+                  <a:pt x="4694324" y="18288"/>
+                </a:cubicBezTo>
+                <a:cubicBezTo>
+                  <a:pt x="4547374" y="7260"/>
+                  <a:pt x="4077675" y="7013"/>
+                  <a:pt x="3907414" y="18288"/>
+                </a:cubicBezTo>
+                <a:cubicBezTo>
+                  <a:pt x="3737153" y="29564"/>
+                  <a:pt x="3538393" y="21630"/>
+                  <a:pt x="3446122" y="18288"/>
+                </a:cubicBezTo>
+                <a:cubicBezTo>
+                  <a:pt x="3353851" y="14946"/>
+                  <a:pt x="2990320" y="-8091"/>
+                  <a:pt x="2659212" y="18288"/>
+                </a:cubicBezTo>
+                <a:cubicBezTo>
+                  <a:pt x="2328104" y="44667"/>
+                  <a:pt x="2427653" y="9607"/>
+                  <a:pt x="2306460" y="18288"/>
+                </a:cubicBezTo>
+                <a:cubicBezTo>
+                  <a:pt x="2185267" y="26969"/>
+                  <a:pt x="1719763" y="3717"/>
+                  <a:pt x="1519550" y="18288"/>
+                </a:cubicBezTo>
+                <a:cubicBezTo>
+                  <a:pt x="1319337" y="32860"/>
+                  <a:pt x="1167371" y="17040"/>
+                  <a:pt x="1058258" y="18288"/>
+                </a:cubicBezTo>
+                <a:cubicBezTo>
+                  <a:pt x="949145" y="19536"/>
+                  <a:pt x="780234" y="31447"/>
+                  <a:pt x="705505" y="18288"/>
+                </a:cubicBezTo>
+                <a:cubicBezTo>
+                  <a:pt x="630776" y="5129"/>
+                  <a:pt x="215796" y="30056"/>
+                  <a:pt x="0" y="18288"/>
+                </a:cubicBezTo>
+                <a:cubicBezTo>
+                  <a:pt x="-53" y="11301"/>
+                  <a:pt x="-649" y="7756"/>
+                  <a:pt x="0" y="0"/>
+                </a:cubicBezTo>
+                <a:close/>
+              </a:path>
+            </a:pathLst>
+          </a:custGeom>
+          <a:solidFill>
+            <a:schemeClr val="accent2"/>
+          </a:solidFill>
+          <a:ln w="41275" cap="rnd">
+            <a:solidFill>
+              <a:schemeClr val="accent2"/>
+            </a:solidFill>
+            <a:round/>
+            <a:extLst>
+              <a:ext uri="{C807C97D-BFC1-408E-A445-0C87EB9F89A2}">
+                <ask:lineSketchStyleProps xmlns:ask="http://schemas.microsoft.com/office/drawing/2018/sketchyshapes" sd="1219033472">
+                  <a:prstGeom prst="rect">
+                    <a:avLst/>
+                  </a:prstGeom>
+                  <ask:type>
+                    <ask:lineSketchFreehand/>
+                  </ask:type>
+                </ask:lineSketchStyleProps>
+              </a:ext>
+            </a:extLst>
+          </a:ln>
+        </p:spPr>
+        <p:style>
+          <a:lnRef idx="2">
+            <a:schemeClr val="accent1">
+              <a:shade val="50000"/>
+            </a:schemeClr>
+          </a:lnRef>
+          <a:fillRef idx="1">
+            <a:schemeClr val="accent1"/>
+          </a:fillRef>
+          <a:effectRef idx="0">
+            <a:schemeClr val="accent1"/>
+          </a:effectRef>
+          <a:fontRef idx="minor">
+            <a:schemeClr val="lt1"/>
+          </a:fontRef>
+        </p:style>
+        <p:txBody>
+          <a:bodyPr rtlCol="0" anchor="ctr"/>
+          <a:lstStyle/>
+          <a:p>
+            <a:pPr algn="ctr"/>
+            <a:endParaRPr lang="en-US"/>
+          </a:p>
+        </p:txBody>
+      </p:sp>
+      <p:sp>
+        <p:nvSpPr>
+          <p:cNvPr id="3" name="Объект 2"/>
+          <p:cNvSpPr>
+            <a:spLocks noGrp="1"/>
+          </p:cNvSpPr>
+          <p:nvPr>
+            <p:ph sz="half" idx="1"/>
+          </p:nvPr>
+        </p:nvSpPr>
+        <p:spPr>
+          <a:xfrm>
+            <a:off x="838200" y="1929384"/>
+            <a:ext cx="10515600" cy="4251960"/>
           </a:xfrm>
         </p:spPr>
         <p:txBody>
-          <a:bodyPr>
+          <a:bodyPr vert="horz" lIns="91440" tIns="45720" rIns="91440" bIns="45720" rtlCol="0">
             <a:normAutofit/>
           </a:bodyPr>
           <a:lstStyle/>
           <a:p>
-            <a:pPr marL="0" indent="0">
-              <a:buNone/>
-            </a:pPr>
-            <a:r>
-              <a:rPr lang="en-US" sz="1400" dirty="0"/>
-              <a:t>Operating third-party commercial or open-source batch processing systems is no longer necessary thanks to AWS Batch. Because it is fully connected with the AWS platform, you can leverage its networking, scalability, and administration features. It enables users to take advantage of the services without worrying about setting up and managing the required infrastructure.</a:t>
-            </a:r>
-            <a:endParaRPr lang="ru-RU" sz="1400" dirty="0"/>
-          </a:p>
-          <a:p>
-            <a:r>
-              <a:rPr lang="en-US" sz="1400" i="1" u="sng" dirty="0"/>
+            <a:pPr marL="0"/>
+            <a:r>
+              <a:rPr lang="en-US" sz="2200" dirty="0"/>
+              <a:t>Operating third-party commercial or open-source batch processing systems is no longer necessary thanks to AWS Batch. </a:t>
+            </a:r>
+          </a:p>
+          <a:p>
+            <a:pPr marL="0"/>
+            <a:r>
+              <a:rPr lang="en-US" sz="2200" dirty="0"/>
+              <a:t>Because it is fully connected with the AWS platform, you can leverage its networking, scalability, and administration features. </a:t>
+            </a:r>
+          </a:p>
+          <a:p>
+            <a:pPr marL="0"/>
+            <a:r>
+              <a:rPr lang="en-US" sz="2200" dirty="0"/>
+              <a:t>It enables users to take advantage of the services without worrying about setting up and managing the required infrastructure.</a:t>
+            </a:r>
+          </a:p>
+          <a:p>
+            <a:r>
+              <a:rPr lang="en-US" sz="2200" i="1" u="sng" dirty="0"/>
               <a:t>Fully managed</a:t>
             </a:r>
-            <a:endParaRPr lang="ru-RU" sz="1400" i="1" u="sng" dirty="0"/>
-          </a:p>
-          <a:p>
-            <a:r>
-              <a:rPr lang="en-US" sz="1400" i="1" u="sng" dirty="0"/>
+          </a:p>
+          <a:p>
+            <a:r>
+              <a:rPr lang="en-US" sz="2200" i="1" u="sng" dirty="0"/>
               <a:t>Integrated with AWS</a:t>
             </a:r>
-            <a:endParaRPr lang="ru-RU" sz="1400" i="1" u="sng" dirty="0"/>
-          </a:p>
-          <a:p>
-            <a:r>
-              <a:rPr lang="en-US" sz="1400" i="1" u="sng" dirty="0"/>
+          </a:p>
+          <a:p>
+            <a:r>
+              <a:rPr lang="en-US" sz="2200" i="1" u="sng" dirty="0"/>
               <a:t>Cost-optimized resource provisioning</a:t>
             </a:r>
           </a:p>
@@ -5014,9 +9658,17 @@
 </p:sld>
 </file>
 
-<file path=ppt/slides/slide6.xml><?xml version="1.0" encoding="utf-8"?>
+<file path=ppt/slides/slide8.xml><?xml version="1.0" encoding="utf-8"?>
 <p:sld xmlns:a="http://schemas.openxmlformats.org/drawingml/2006/main" xmlns:r="http://schemas.openxmlformats.org/officeDocument/2006/relationships" xmlns:p="http://schemas.openxmlformats.org/presentationml/2006/main">
   <p:cSld>
+    <p:bg>
+      <p:bgPr>
+        <a:solidFill>
+          <a:schemeClr val="bg1"/>
+        </a:solidFill>
+        <a:effectLst/>
+      </p:bgPr>
+    </p:bg>
     <p:spTree>
       <p:nvGrpSpPr>
         <p:cNvPr id="1" name=""/>
@@ -5031,6 +9683,66 @@
           <a:chExt cx="0" cy="0"/>
         </a:xfrm>
       </p:grpSpPr>
+      <p:sp useBgFill="1">
+        <p:nvSpPr>
+          <p:cNvPr id="9" name="Rectangle 8">
+            <a:extLst>
+              <a:ext uri="{FF2B5EF4-FFF2-40B4-BE49-F238E27FC236}">
+                <a16:creationId xmlns:a16="http://schemas.microsoft.com/office/drawing/2014/main" id="{2B97F24A-32CE-4C1C-A50D-3016B394DCFB}"/>
+              </a:ext>
+              <a:ext uri="{C183D7F6-B498-43B3-948B-1728B52AA6E4}">
+                <adec:decorative xmlns:adec="http://schemas.microsoft.com/office/drawing/2017/decorative" val="1"/>
+              </a:ext>
+            </a:extLst>
+          </p:cNvPr>
+          <p:cNvSpPr>
+            <a:spLocks noGrp="1" noRot="1" noChangeAspect="1" noMove="1" noResize="1" noEditPoints="1" noAdjustHandles="1" noChangeArrowheads="1" noChangeShapeType="1" noTextEdit="1"/>
+          </p:cNvSpPr>
+          <p:nvPr>
+            <p:extLst>
+              <p:ext uri="{386F3935-93C4-4BCD-93E2-E3B085C9AB24}">
+                <p16:designElem xmlns:p16="http://schemas.microsoft.com/office/powerpoint/2015/main" val="1"/>
+              </p:ext>
+            </p:extLst>
+          </p:nvPr>
+        </p:nvSpPr>
+        <p:spPr>
+          <a:xfrm>
+            <a:off x="0" y="0"/>
+            <a:ext cx="12192000" cy="6858000"/>
+          </a:xfrm>
+          <a:prstGeom prst="rect">
+            <a:avLst/>
+          </a:prstGeom>
+          <a:ln>
+            <a:noFill/>
+          </a:ln>
+        </p:spPr>
+        <p:style>
+          <a:lnRef idx="2">
+            <a:schemeClr val="accent1">
+              <a:shade val="50000"/>
+            </a:schemeClr>
+          </a:lnRef>
+          <a:fillRef idx="1">
+            <a:schemeClr val="accent1"/>
+          </a:fillRef>
+          <a:effectRef idx="0">
+            <a:schemeClr val="accent1"/>
+          </a:effectRef>
+          <a:fontRef idx="minor">
+            <a:schemeClr val="lt1"/>
+          </a:fontRef>
+        </p:style>
+        <p:txBody>
+          <a:bodyPr rtlCol="0" anchor="ctr"/>
+          <a:lstStyle/>
+          <a:p>
+            <a:pPr algn="ctr"/>
+            <a:endParaRPr lang="en-US"/>
+          </a:p>
+        </p:txBody>
+      </p:sp>
       <p:sp>
         <p:nvSpPr>
           <p:cNvPr id="2" name="Заголовок 1"/>
@@ -5041,15 +9753,27 @@
             <p:ph type="title"/>
           </p:nvPr>
         </p:nvSpPr>
-        <p:spPr/>
-        <p:txBody>
-          <a:bodyPr>
+        <p:spPr>
+          <a:xfrm>
+            <a:off x="630936" y="639520"/>
+            <a:ext cx="3429000" cy="1719072"/>
+          </a:xfrm>
+        </p:spPr>
+        <p:txBody>
+          <a:bodyPr vert="horz" lIns="91440" tIns="45720" rIns="91440" bIns="45720" rtlCol="0" anchor="b">
             <a:normAutofit/>
           </a:bodyPr>
           <a:lstStyle/>
           <a:p>
             <a:r>
-              <a:rPr lang="en-US" sz="3200" dirty="0"/>
+              <a:rPr lang="en-US" sz="5400" kern="1200">
+                <a:solidFill>
+                  <a:schemeClr val="tx1"/>
+                </a:solidFill>
+                <a:latin typeface="+mj-lt"/>
+                <a:ea typeface="+mj-ea"/>
+                <a:cs typeface="+mj-cs"/>
+              </a:rPr>
               <a:t>AWS Batch Use Cases</a:t>
             </a:r>
           </a:p>
@@ -5057,48 +9781,309 @@
       </p:sp>
       <p:sp>
         <p:nvSpPr>
-          <p:cNvPr id="3" name="Объект 2"/>
-          <p:cNvSpPr>
-            <a:spLocks noGrp="1"/>
-          </p:cNvSpPr>
-          <p:nvPr>
-            <p:ph sz="half" idx="1"/>
+          <p:cNvPr id="11" name="sketch line">
+            <a:extLst>
+              <a:ext uri="{FF2B5EF4-FFF2-40B4-BE49-F238E27FC236}">
+                <a16:creationId xmlns:a16="http://schemas.microsoft.com/office/drawing/2014/main" id="{6357EC4F-235E-4222-A36F-C7878ACE37F2}"/>
+              </a:ext>
+              <a:ext uri="{C183D7F6-B498-43B3-948B-1728B52AA6E4}">
+                <adec:decorative xmlns:adec="http://schemas.microsoft.com/office/drawing/2017/decorative" val="1"/>
+              </a:ext>
+            </a:extLst>
+          </p:cNvPr>
+          <p:cNvSpPr>
+            <a:spLocks noGrp="1" noRot="1" noChangeAspect="1" noMove="1" noResize="1" noEditPoints="1" noAdjustHandles="1" noChangeArrowheads="1" noChangeShapeType="1" noTextEdit="1"/>
+          </p:cNvSpPr>
+          <p:nvPr>
+            <p:extLst>
+              <p:ext uri="{386F3935-93C4-4BCD-93E2-E3B085C9AB24}">
+                <p16:designElem xmlns:p16="http://schemas.microsoft.com/office/powerpoint/2015/main" val="1"/>
+              </p:ext>
+            </p:extLst>
           </p:nvPr>
         </p:nvSpPr>
         <p:spPr>
           <a:xfrm>
-            <a:off x="210312" y="1825625"/>
-            <a:ext cx="4407408" cy="1155319"/>
+            <a:off x="643278" y="2573756"/>
+            <a:ext cx="3255095" cy="18288"/>
+          </a:xfrm>
+          <a:custGeom>
+            <a:avLst/>
+            <a:gdLst>
+              <a:gd name="connsiteX0" fmla="*/ 0 w 3255095"/>
+              <a:gd name="connsiteY0" fmla="*/ 0 h 18288"/>
+              <a:gd name="connsiteX1" fmla="*/ 618468 w 3255095"/>
+              <a:gd name="connsiteY1" fmla="*/ 0 h 18288"/>
+              <a:gd name="connsiteX2" fmla="*/ 1269487 w 3255095"/>
+              <a:gd name="connsiteY2" fmla="*/ 0 h 18288"/>
+              <a:gd name="connsiteX3" fmla="*/ 1953057 w 3255095"/>
+              <a:gd name="connsiteY3" fmla="*/ 0 h 18288"/>
+              <a:gd name="connsiteX4" fmla="*/ 2636627 w 3255095"/>
+              <a:gd name="connsiteY4" fmla="*/ 0 h 18288"/>
+              <a:gd name="connsiteX5" fmla="*/ 3255095 w 3255095"/>
+              <a:gd name="connsiteY5" fmla="*/ 0 h 18288"/>
+              <a:gd name="connsiteX6" fmla="*/ 3255095 w 3255095"/>
+              <a:gd name="connsiteY6" fmla="*/ 18288 h 18288"/>
+              <a:gd name="connsiteX7" fmla="*/ 2538974 w 3255095"/>
+              <a:gd name="connsiteY7" fmla="*/ 18288 h 18288"/>
+              <a:gd name="connsiteX8" fmla="*/ 1822853 w 3255095"/>
+              <a:gd name="connsiteY8" fmla="*/ 18288 h 18288"/>
+              <a:gd name="connsiteX9" fmla="*/ 1171834 w 3255095"/>
+              <a:gd name="connsiteY9" fmla="*/ 18288 h 18288"/>
+              <a:gd name="connsiteX10" fmla="*/ 0 w 3255095"/>
+              <a:gd name="connsiteY10" fmla="*/ 18288 h 18288"/>
+              <a:gd name="connsiteX11" fmla="*/ 0 w 3255095"/>
+              <a:gd name="connsiteY11" fmla="*/ 0 h 18288"/>
+            </a:gdLst>
+            <a:ahLst/>
+            <a:cxnLst>
+              <a:cxn ang="0">
+                <a:pos x="connsiteX0" y="connsiteY0"/>
+              </a:cxn>
+              <a:cxn ang="0">
+                <a:pos x="connsiteX1" y="connsiteY1"/>
+              </a:cxn>
+              <a:cxn ang="0">
+                <a:pos x="connsiteX2" y="connsiteY2"/>
+              </a:cxn>
+              <a:cxn ang="0">
+                <a:pos x="connsiteX3" y="connsiteY3"/>
+              </a:cxn>
+              <a:cxn ang="0">
+                <a:pos x="connsiteX4" y="connsiteY4"/>
+              </a:cxn>
+              <a:cxn ang="0">
+                <a:pos x="connsiteX5" y="connsiteY5"/>
+              </a:cxn>
+              <a:cxn ang="0">
+                <a:pos x="connsiteX6" y="connsiteY6"/>
+              </a:cxn>
+              <a:cxn ang="0">
+                <a:pos x="connsiteX7" y="connsiteY7"/>
+              </a:cxn>
+              <a:cxn ang="0">
+                <a:pos x="connsiteX8" y="connsiteY8"/>
+              </a:cxn>
+              <a:cxn ang="0">
+                <a:pos x="connsiteX9" y="connsiteY9"/>
+              </a:cxn>
+              <a:cxn ang="0">
+                <a:pos x="connsiteX10" y="connsiteY10"/>
+              </a:cxn>
+              <a:cxn ang="0">
+                <a:pos x="connsiteX11" y="connsiteY11"/>
+              </a:cxn>
+            </a:cxnLst>
+            <a:rect l="l" t="t" r="r" b="b"/>
+            <a:pathLst>
+              <a:path w="3255095" h="18288" fill="none" extrusionOk="0">
+                <a:moveTo>
+                  <a:pt x="0" y="0"/>
+                </a:moveTo>
+                <a:cubicBezTo>
+                  <a:pt x="240201" y="-22123"/>
+                  <a:pt x="462021" y="-19623"/>
+                  <a:pt x="618468" y="0"/>
+                </a:cubicBezTo>
+                <a:cubicBezTo>
+                  <a:pt x="774915" y="19623"/>
+                  <a:pt x="974734" y="2035"/>
+                  <a:pt x="1269487" y="0"/>
+                </a:cubicBezTo>
+                <a:cubicBezTo>
+                  <a:pt x="1564240" y="-2035"/>
+                  <a:pt x="1733579" y="10639"/>
+                  <a:pt x="1953057" y="0"/>
+                </a:cubicBezTo>
+                <a:cubicBezTo>
+                  <a:pt x="2172535" y="-10639"/>
+                  <a:pt x="2453962" y="14018"/>
+                  <a:pt x="2636627" y="0"/>
+                </a:cubicBezTo>
+                <a:cubicBezTo>
+                  <a:pt x="2819292" y="-14018"/>
+                  <a:pt x="3121375" y="5399"/>
+                  <a:pt x="3255095" y="0"/>
+                </a:cubicBezTo>
+                <a:cubicBezTo>
+                  <a:pt x="3254386" y="8157"/>
+                  <a:pt x="3254682" y="12125"/>
+                  <a:pt x="3255095" y="18288"/>
+                </a:cubicBezTo>
+                <a:cubicBezTo>
+                  <a:pt x="3088545" y="23203"/>
+                  <a:pt x="2687475" y="7419"/>
+                  <a:pt x="2538974" y="18288"/>
+                </a:cubicBezTo>
+                <a:cubicBezTo>
+                  <a:pt x="2390473" y="29157"/>
+                  <a:pt x="2137381" y="-8959"/>
+                  <a:pt x="1822853" y="18288"/>
+                </a:cubicBezTo>
+                <a:cubicBezTo>
+                  <a:pt x="1508325" y="45535"/>
+                  <a:pt x="1466437" y="20385"/>
+                  <a:pt x="1171834" y="18288"/>
+                </a:cubicBezTo>
+                <a:cubicBezTo>
+                  <a:pt x="877231" y="16191"/>
+                  <a:pt x="561097" y="37643"/>
+                  <a:pt x="0" y="18288"/>
+                </a:cubicBezTo>
+                <a:cubicBezTo>
+                  <a:pt x="-46" y="12483"/>
+                  <a:pt x="-203" y="6491"/>
+                  <a:pt x="0" y="0"/>
+                </a:cubicBezTo>
+                <a:close/>
+              </a:path>
+              <a:path w="3255095" h="18288" stroke="0" extrusionOk="0">
+                <a:moveTo>
+                  <a:pt x="0" y="0"/>
+                </a:moveTo>
+                <a:cubicBezTo>
+                  <a:pt x="291965" y="19429"/>
+                  <a:pt x="363155" y="8568"/>
+                  <a:pt x="618468" y="0"/>
+                </a:cubicBezTo>
+                <a:cubicBezTo>
+                  <a:pt x="873781" y="-8568"/>
+                  <a:pt x="904459" y="-19505"/>
+                  <a:pt x="1171834" y="0"/>
+                </a:cubicBezTo>
+                <a:cubicBezTo>
+                  <a:pt x="1439209" y="19505"/>
+                  <a:pt x="1744369" y="9790"/>
+                  <a:pt x="1887955" y="0"/>
+                </a:cubicBezTo>
+                <a:cubicBezTo>
+                  <a:pt x="2031541" y="-9790"/>
+                  <a:pt x="2346378" y="21240"/>
+                  <a:pt x="2506423" y="0"/>
+                </a:cubicBezTo>
+                <a:cubicBezTo>
+                  <a:pt x="2666468" y="-21240"/>
+                  <a:pt x="2990257" y="30414"/>
+                  <a:pt x="3255095" y="0"/>
+                </a:cubicBezTo>
+                <a:cubicBezTo>
+                  <a:pt x="3254831" y="4493"/>
+                  <a:pt x="3255479" y="9472"/>
+                  <a:pt x="3255095" y="18288"/>
+                </a:cubicBezTo>
+                <a:cubicBezTo>
+                  <a:pt x="3120743" y="16690"/>
+                  <a:pt x="2759628" y="42462"/>
+                  <a:pt x="2604076" y="18288"/>
+                </a:cubicBezTo>
+                <a:cubicBezTo>
+                  <a:pt x="2448524" y="-5886"/>
+                  <a:pt x="2184336" y="19599"/>
+                  <a:pt x="1887955" y="18288"/>
+                </a:cubicBezTo>
+                <a:cubicBezTo>
+                  <a:pt x="1591574" y="16977"/>
+                  <a:pt x="1548845" y="6870"/>
+                  <a:pt x="1334589" y="18288"/>
+                </a:cubicBezTo>
+                <a:cubicBezTo>
+                  <a:pt x="1120333" y="29706"/>
+                  <a:pt x="996014" y="9662"/>
+                  <a:pt x="683570" y="18288"/>
+                </a:cubicBezTo>
+                <a:cubicBezTo>
+                  <a:pt x="371126" y="26914"/>
+                  <a:pt x="198687" y="16167"/>
+                  <a:pt x="0" y="18288"/>
+                </a:cubicBezTo>
+                <a:cubicBezTo>
+                  <a:pt x="843" y="9577"/>
+                  <a:pt x="371" y="6900"/>
+                  <a:pt x="0" y="0"/>
+                </a:cubicBezTo>
+                <a:close/>
+              </a:path>
+            </a:pathLst>
+          </a:custGeom>
+          <a:solidFill>
+            <a:schemeClr val="accent2"/>
+          </a:solidFill>
+          <a:ln w="38100" cap="rnd">
+            <a:solidFill>
+              <a:schemeClr val="accent2"/>
+            </a:solidFill>
+            <a:round/>
+            <a:extLst>
+              <a:ext uri="{C807C97D-BFC1-408E-A445-0C87EB9F89A2}">
+                <ask:lineSketchStyleProps xmlns:ask="http://schemas.microsoft.com/office/drawing/2018/sketchyshapes" sd="1219033472">
+                  <a:prstGeom prst="rect">
+                    <a:avLst/>
+                  </a:prstGeom>
+                  <ask:type>
+                    <ask:lineSketchFreehand/>
+                  </ask:type>
+                </ask:lineSketchStyleProps>
+              </a:ext>
+            </a:extLst>
+          </a:ln>
+        </p:spPr>
+        <p:style>
+          <a:lnRef idx="2">
+            <a:schemeClr val="accent1">
+              <a:shade val="50000"/>
+            </a:schemeClr>
+          </a:lnRef>
+          <a:fillRef idx="1">
+            <a:schemeClr val="accent1"/>
+          </a:fillRef>
+          <a:effectRef idx="0">
+            <a:schemeClr val="accent1"/>
+          </a:effectRef>
+          <a:fontRef idx="minor">
+            <a:schemeClr val="lt1"/>
+          </a:fontRef>
+        </p:style>
+        <p:txBody>
+          <a:bodyPr rtlCol="0" anchor="ctr"/>
+          <a:lstStyle/>
+          <a:p>
+            <a:pPr algn="ctr"/>
+            <a:endParaRPr lang="en-US"/>
+          </a:p>
+        </p:txBody>
+      </p:sp>
+      <p:sp>
+        <p:nvSpPr>
+          <p:cNvPr id="3" name="Объект 2"/>
+          <p:cNvSpPr>
+            <a:spLocks noGrp="1"/>
+          </p:cNvSpPr>
+          <p:nvPr>
+            <p:ph sz="half" idx="1"/>
+          </p:nvPr>
+        </p:nvSpPr>
+        <p:spPr>
+          <a:xfrm>
+            <a:off x="630936" y="2807208"/>
+            <a:ext cx="3429000" cy="3410712"/>
           </a:xfrm>
         </p:spPr>
         <p:txBody>
-          <a:bodyPr>
+          <a:bodyPr vert="horz" lIns="91440" tIns="45720" rIns="91440" bIns="45720" rtlCol="0" anchor="t">
             <a:normAutofit/>
           </a:bodyPr>
           <a:lstStyle/>
           <a:p>
-            <a:pPr marL="0" indent="0">
-              <a:buNone/>
-            </a:pPr>
-            <a:r>
-              <a:rPr lang="en-US" sz="1400" b="1" dirty="0"/>
-              <a:t>Financial services: Post-trade analytics</a:t>
-            </a:r>
-            <a:r>
-              <a:rPr lang="ru-RU" sz="1400" b="1" dirty="0"/>
-              <a:t> </a:t>
-            </a:r>
-            <a:r>
-              <a:rPr lang="en-US" sz="1400" b="1" dirty="0"/>
-              <a:t>:</a:t>
-            </a:r>
-          </a:p>
-          <a:p>
-            <a:pPr marL="0" indent="0">
-              <a:buNone/>
-            </a:pPr>
-            <a:r>
-              <a:rPr lang="en-US" sz="1400" dirty="0"/>
+            <a:pPr marL="0"/>
+            <a:r>
+              <a:rPr lang="en-US" sz="2200" b="1"/>
+              <a:t>Financial services: Post-trade analytics :</a:t>
+            </a:r>
+          </a:p>
+          <a:p>
+            <a:pPr marL="0"/>
+            <a:r>
+              <a:rPr lang="en-US" sz="2200"/>
               <a:t>It automates the evaluation of market performance, execution reporting, and transaction expenses for the day.</a:t>
             </a:r>
           </a:p>
@@ -5120,8 +10105,8 @@
         </p:blipFill>
         <p:spPr>
           <a:xfrm>
-            <a:off x="1304958" y="3115881"/>
-            <a:ext cx="9582084" cy="2304288"/>
+            <a:off x="4654296" y="2600553"/>
+            <a:ext cx="6903720" cy="1656893"/>
           </a:xfrm>
           <a:prstGeom prst="rect">
             <a:avLst/>
@@ -5141,9 +10126,17 @@
 </p:sld>
 </file>
 
-<file path=ppt/slides/slide7.xml><?xml version="1.0" encoding="utf-8"?>
+<file path=ppt/slides/slide9.xml><?xml version="1.0" encoding="utf-8"?>
 <p:sld xmlns:a="http://schemas.openxmlformats.org/drawingml/2006/main" xmlns:r="http://schemas.openxmlformats.org/officeDocument/2006/relationships" xmlns:p="http://schemas.openxmlformats.org/presentationml/2006/main">
   <p:cSld>
+    <p:bg>
+      <p:bgPr>
+        <a:solidFill>
+          <a:schemeClr val="bg1"/>
+        </a:solidFill>
+        <a:effectLst/>
+      </p:bgPr>
+    </p:bg>
     <p:spTree>
       <p:nvGrpSpPr>
         <p:cNvPr id="1" name=""/>
@@ -5158,130 +10151,66 @@
           <a:chExt cx="0" cy="0"/>
         </a:xfrm>
       </p:grpSpPr>
-      <p:sp>
-        <p:nvSpPr>
-          <p:cNvPr id="2" name="Заголовок 1"/>
-          <p:cNvSpPr>
-            <a:spLocks noGrp="1"/>
-          </p:cNvSpPr>
-          <p:nvPr>
-            <p:ph type="title"/>
-          </p:nvPr>
-        </p:nvSpPr>
-        <p:spPr/>
-        <p:txBody>
-          <a:bodyPr>
-            <a:normAutofit/>
-          </a:bodyPr>
-          <a:lstStyle/>
-          <a:p>
-            <a:r>
-              <a:rPr lang="en-US" sz="3200" dirty="0"/>
-              <a:t>AWS Batch Use Cases</a:t>
-            </a:r>
-          </a:p>
-        </p:txBody>
-      </p:sp>
-      <p:sp>
-        <p:nvSpPr>
-          <p:cNvPr id="3" name="Объект 2"/>
-          <p:cNvSpPr>
-            <a:spLocks noGrp="1"/>
-          </p:cNvSpPr>
-          <p:nvPr>
-            <p:ph sz="half" idx="1"/>
+      <p:sp useBgFill="1">
+        <p:nvSpPr>
+          <p:cNvPr id="8" name="Rectangle 7">
+            <a:extLst>
+              <a:ext uri="{FF2B5EF4-FFF2-40B4-BE49-F238E27FC236}">
+                <a16:creationId xmlns:a16="http://schemas.microsoft.com/office/drawing/2014/main" id="{100EDD19-6802-4EC3-95CE-CFFAB042CFD6}"/>
+              </a:ext>
+              <a:ext uri="{C183D7F6-B498-43B3-948B-1728B52AA6E4}">
+                <adec:decorative xmlns:adec="http://schemas.microsoft.com/office/drawing/2017/decorative" val="1"/>
+              </a:ext>
+            </a:extLst>
+          </p:cNvPr>
+          <p:cNvSpPr>
+            <a:spLocks noGrp="1" noRot="1" noChangeAspect="1" noMove="1" noResize="1" noEditPoints="1" noAdjustHandles="1" noChangeArrowheads="1" noChangeShapeType="1" noTextEdit="1"/>
+          </p:cNvSpPr>
+          <p:nvPr>
+            <p:extLst>
+              <p:ext uri="{386F3935-93C4-4BCD-93E2-E3B085C9AB24}">
+                <p16:designElem xmlns:p16="http://schemas.microsoft.com/office/powerpoint/2015/main" val="1"/>
+              </p:ext>
+            </p:extLst>
           </p:nvPr>
         </p:nvSpPr>
         <p:spPr>
           <a:xfrm>
-            <a:off x="274320" y="1825625"/>
-            <a:ext cx="6391656" cy="4351338"/>
-          </a:xfrm>
-        </p:spPr>
-        <p:txBody>
-          <a:bodyPr>
-            <a:normAutofit/>
-          </a:bodyPr>
-          <a:lstStyle/>
-          <a:p>
-            <a:pPr marL="0" indent="0">
-              <a:buNone/>
-            </a:pPr>
-            <a:r>
-              <a:rPr lang="en-US" sz="1400" b="1" dirty="0"/>
-              <a:t>Life sciences: Drug screening for </a:t>
-            </a:r>
-            <a:r>
-              <a:rPr lang="en-US" sz="1400" b="1" dirty="0" err="1"/>
-              <a:t>biopharma</a:t>
-            </a:r>
-            <a:endParaRPr lang="en-US" sz="1400" b="1" dirty="0"/>
-          </a:p>
-          <a:p>
-            <a:pPr marL="0" indent="0">
-              <a:buNone/>
-            </a:pPr>
-            <a:r>
-              <a:rPr lang="en-US" sz="1400" dirty="0"/>
-              <a:t>It rapidly goes through smaller molecule libraries in search of new drugs.</a:t>
-            </a:r>
-          </a:p>
-        </p:txBody>
-      </p:sp>
-      <p:pic>
-        <p:nvPicPr>
-          <p:cNvPr id="4" name="Рисунок 3"/>
-          <p:cNvPicPr>
-            <a:picLocks noChangeAspect="1"/>
-          </p:cNvPicPr>
-          <p:nvPr/>
-        </p:nvPicPr>
-        <p:blipFill>
-          <a:blip r:embed="rId3"/>
-          <a:stretch>
-            <a:fillRect/>
-          </a:stretch>
-        </p:blipFill>
-        <p:spPr>
-          <a:xfrm>
-            <a:off x="1214818" y="3553206"/>
-            <a:ext cx="9773333" cy="1823466"/>
+            <a:off x="0" y="0"/>
+            <a:ext cx="12188952" cy="6858000"/>
           </a:xfrm>
           <a:prstGeom prst="rect">
             <a:avLst/>
           </a:prstGeom>
+          <a:ln>
+            <a:noFill/>
+          </a:ln>
         </p:spPr>
-      </p:pic>
-    </p:spTree>
-    <p:extLst>
-      <p:ext uri="{BB962C8B-B14F-4D97-AF65-F5344CB8AC3E}">
-        <p14:creationId xmlns:p14="http://schemas.microsoft.com/office/powerpoint/2010/main" val="1896901676"/>
-      </p:ext>
-    </p:extLst>
-  </p:cSld>
-  <p:clrMapOvr>
-    <a:masterClrMapping/>
-  </p:clrMapOvr>
-</p:sld>
-</file>
-
-<file path=ppt/slides/slide8.xml><?xml version="1.0" encoding="utf-8"?>
-<p:sld xmlns:a="http://schemas.openxmlformats.org/drawingml/2006/main" xmlns:r="http://schemas.openxmlformats.org/officeDocument/2006/relationships" xmlns:p="http://schemas.openxmlformats.org/presentationml/2006/main">
-  <p:cSld>
-    <p:spTree>
-      <p:nvGrpSpPr>
-        <p:cNvPr id="1" name=""/>
-        <p:cNvGrpSpPr/>
-        <p:nvPr/>
-      </p:nvGrpSpPr>
-      <p:grpSpPr>
-        <a:xfrm>
-          <a:off x="0" y="0"/>
-          <a:ext cx="0" cy="0"/>
-          <a:chOff x="0" y="0"/>
-          <a:chExt cx="0" cy="0"/>
-        </a:xfrm>
-      </p:grpSpPr>
+        <p:style>
+          <a:lnRef idx="2">
+            <a:schemeClr val="accent1">
+              <a:shade val="50000"/>
+            </a:schemeClr>
+          </a:lnRef>
+          <a:fillRef idx="1">
+            <a:schemeClr val="accent1"/>
+          </a:fillRef>
+          <a:effectRef idx="0">
+            <a:schemeClr val="accent1"/>
+          </a:effectRef>
+          <a:fontRef idx="minor">
+            <a:schemeClr val="lt1"/>
+          </a:fontRef>
+        </p:style>
+        <p:txBody>
+          <a:bodyPr rtlCol="0" anchor="ctr"/>
+          <a:lstStyle/>
+          <a:p>
+            <a:pPr algn="ctr"/>
+            <a:endParaRPr lang="en-US"/>
+          </a:p>
+        </p:txBody>
+      </p:sp>
       <p:sp>
         <p:nvSpPr>
           <p:cNvPr id="2" name="Заголовок 1"/>
@@ -5292,183 +10221,712 @@
             <p:ph type="title"/>
           </p:nvPr>
         </p:nvSpPr>
-        <p:spPr/>
-        <p:txBody>
-          <a:bodyPr>
+        <p:spPr>
+          <a:xfrm>
+            <a:off x="838200" y="365125"/>
+            <a:ext cx="10515600" cy="1325563"/>
+          </a:xfrm>
+        </p:spPr>
+        <p:txBody>
+          <a:bodyPr vert="horz" lIns="91440" tIns="45720" rIns="91440" bIns="45720" rtlCol="0" anchor="ctr">
             <a:normAutofit/>
           </a:bodyPr>
           <a:lstStyle/>
           <a:p>
             <a:r>
-              <a:rPr lang="en-US" sz="3200" dirty="0"/>
-              <a:t>AWS Batch Use Cases</a:t>
-            </a:r>
-          </a:p>
-        </p:txBody>
-      </p:sp>
-      <p:sp>
-        <p:nvSpPr>
-          <p:cNvPr id="3" name="Объект 2"/>
-          <p:cNvSpPr>
-            <a:spLocks noGrp="1"/>
-          </p:cNvSpPr>
-          <p:nvPr>
-            <p:ph sz="half" idx="1"/>
+              <a:rPr lang="en-US" sz="5400" kern="1200">
+                <a:solidFill>
+                  <a:schemeClr val="tx1"/>
+                </a:solidFill>
+                <a:latin typeface="+mj-lt"/>
+                <a:ea typeface="+mj-ea"/>
+                <a:cs typeface="+mj-cs"/>
+              </a:rPr>
+              <a:t>AWS Batch Security</a:t>
+            </a:r>
+          </a:p>
+        </p:txBody>
+      </p:sp>
+      <p:sp>
+        <p:nvSpPr>
+          <p:cNvPr id="10" name="sketch line">
+            <a:extLst>
+              <a:ext uri="{FF2B5EF4-FFF2-40B4-BE49-F238E27FC236}">
+                <a16:creationId xmlns:a16="http://schemas.microsoft.com/office/drawing/2014/main" id="{DB17E863-922E-4C26-BD64-E8FD41D28661}"/>
+              </a:ext>
+              <a:ext uri="{C183D7F6-B498-43B3-948B-1728B52AA6E4}">
+                <adec:decorative xmlns:adec="http://schemas.microsoft.com/office/drawing/2017/decorative" val="1"/>
+              </a:ext>
+            </a:extLst>
+          </p:cNvPr>
+          <p:cNvSpPr>
+            <a:spLocks noGrp="1" noRot="1" noChangeAspect="1" noMove="1" noResize="1" noEditPoints="1" noAdjustHandles="1" noChangeArrowheads="1" noChangeShapeType="1" noTextEdit="1"/>
+          </p:cNvSpPr>
+          <p:nvPr>
+            <p:extLst>
+              <p:ext uri="{386F3935-93C4-4BCD-93E2-E3B085C9AB24}">
+                <p16:designElem xmlns:p16="http://schemas.microsoft.com/office/powerpoint/2015/main" val="1"/>
+              </p:ext>
+            </p:extLst>
           </p:nvPr>
         </p:nvSpPr>
         <p:spPr>
           <a:xfrm>
-            <a:off x="219456" y="1825625"/>
-            <a:ext cx="6446520" cy="4351338"/>
+            <a:off x="669036" y="1677373"/>
+            <a:ext cx="10853928" cy="18288"/>
+          </a:xfrm>
+          <a:custGeom>
+            <a:avLst/>
+            <a:gdLst>
+              <a:gd name="connsiteX0" fmla="*/ 0 w 10853928"/>
+              <a:gd name="connsiteY0" fmla="*/ 0 h 18288"/>
+              <a:gd name="connsiteX1" fmla="*/ 461292 w 10853928"/>
+              <a:gd name="connsiteY1" fmla="*/ 0 h 18288"/>
+              <a:gd name="connsiteX2" fmla="*/ 1139662 w 10853928"/>
+              <a:gd name="connsiteY2" fmla="*/ 0 h 18288"/>
+              <a:gd name="connsiteX3" fmla="*/ 1926572 w 10853928"/>
+              <a:gd name="connsiteY3" fmla="*/ 0 h 18288"/>
+              <a:gd name="connsiteX4" fmla="*/ 2279325 w 10853928"/>
+              <a:gd name="connsiteY4" fmla="*/ 0 h 18288"/>
+              <a:gd name="connsiteX5" fmla="*/ 2632078 w 10853928"/>
+              <a:gd name="connsiteY5" fmla="*/ 0 h 18288"/>
+              <a:gd name="connsiteX6" fmla="*/ 3527527 w 10853928"/>
+              <a:gd name="connsiteY6" fmla="*/ 0 h 18288"/>
+              <a:gd name="connsiteX7" fmla="*/ 4205897 w 10853928"/>
+              <a:gd name="connsiteY7" fmla="*/ 0 h 18288"/>
+              <a:gd name="connsiteX8" fmla="*/ 4558650 w 10853928"/>
+              <a:gd name="connsiteY8" fmla="*/ 0 h 18288"/>
+              <a:gd name="connsiteX9" fmla="*/ 5237020 w 10853928"/>
+              <a:gd name="connsiteY9" fmla="*/ 0 h 18288"/>
+              <a:gd name="connsiteX10" fmla="*/ 6132469 w 10853928"/>
+              <a:gd name="connsiteY10" fmla="*/ 0 h 18288"/>
+              <a:gd name="connsiteX11" fmla="*/ 6702301 w 10853928"/>
+              <a:gd name="connsiteY11" fmla="*/ 0 h 18288"/>
+              <a:gd name="connsiteX12" fmla="*/ 7272132 w 10853928"/>
+              <a:gd name="connsiteY12" fmla="*/ 0 h 18288"/>
+              <a:gd name="connsiteX13" fmla="*/ 7950502 w 10853928"/>
+              <a:gd name="connsiteY13" fmla="*/ 0 h 18288"/>
+              <a:gd name="connsiteX14" fmla="*/ 8737412 w 10853928"/>
+              <a:gd name="connsiteY14" fmla="*/ 0 h 18288"/>
+              <a:gd name="connsiteX15" fmla="*/ 9524322 w 10853928"/>
+              <a:gd name="connsiteY15" fmla="*/ 0 h 18288"/>
+              <a:gd name="connsiteX16" fmla="*/ 10853928 w 10853928"/>
+              <a:gd name="connsiteY16" fmla="*/ 0 h 18288"/>
+              <a:gd name="connsiteX17" fmla="*/ 10853928 w 10853928"/>
+              <a:gd name="connsiteY17" fmla="*/ 18288 h 18288"/>
+              <a:gd name="connsiteX18" fmla="*/ 10392636 w 10853928"/>
+              <a:gd name="connsiteY18" fmla="*/ 18288 h 18288"/>
+              <a:gd name="connsiteX19" fmla="*/ 9497187 w 10853928"/>
+              <a:gd name="connsiteY19" fmla="*/ 18288 h 18288"/>
+              <a:gd name="connsiteX20" fmla="*/ 8818817 w 10853928"/>
+              <a:gd name="connsiteY20" fmla="*/ 18288 h 18288"/>
+              <a:gd name="connsiteX21" fmla="*/ 8466064 w 10853928"/>
+              <a:gd name="connsiteY21" fmla="*/ 18288 h 18288"/>
+              <a:gd name="connsiteX22" fmla="*/ 7787693 w 10853928"/>
+              <a:gd name="connsiteY22" fmla="*/ 18288 h 18288"/>
+              <a:gd name="connsiteX23" fmla="*/ 7217862 w 10853928"/>
+              <a:gd name="connsiteY23" fmla="*/ 18288 h 18288"/>
+              <a:gd name="connsiteX24" fmla="*/ 6648031 w 10853928"/>
+              <a:gd name="connsiteY24" fmla="*/ 18288 h 18288"/>
+              <a:gd name="connsiteX25" fmla="*/ 6078200 w 10853928"/>
+              <a:gd name="connsiteY25" fmla="*/ 18288 h 18288"/>
+              <a:gd name="connsiteX26" fmla="*/ 5508368 w 10853928"/>
+              <a:gd name="connsiteY26" fmla="*/ 18288 h 18288"/>
+              <a:gd name="connsiteX27" fmla="*/ 4721459 w 10853928"/>
+              <a:gd name="connsiteY27" fmla="*/ 18288 h 18288"/>
+              <a:gd name="connsiteX28" fmla="*/ 4043088 w 10853928"/>
+              <a:gd name="connsiteY28" fmla="*/ 18288 h 18288"/>
+              <a:gd name="connsiteX29" fmla="*/ 3690336 w 10853928"/>
+              <a:gd name="connsiteY29" fmla="*/ 18288 h 18288"/>
+              <a:gd name="connsiteX30" fmla="*/ 3120504 w 10853928"/>
+              <a:gd name="connsiteY30" fmla="*/ 18288 h 18288"/>
+              <a:gd name="connsiteX31" fmla="*/ 2333595 w 10853928"/>
+              <a:gd name="connsiteY31" fmla="*/ 18288 h 18288"/>
+              <a:gd name="connsiteX32" fmla="*/ 1872303 w 10853928"/>
+              <a:gd name="connsiteY32" fmla="*/ 18288 h 18288"/>
+              <a:gd name="connsiteX33" fmla="*/ 976854 w 10853928"/>
+              <a:gd name="connsiteY33" fmla="*/ 18288 h 18288"/>
+              <a:gd name="connsiteX34" fmla="*/ 0 w 10853928"/>
+              <a:gd name="connsiteY34" fmla="*/ 18288 h 18288"/>
+              <a:gd name="connsiteX35" fmla="*/ 0 w 10853928"/>
+              <a:gd name="connsiteY35" fmla="*/ 0 h 18288"/>
+            </a:gdLst>
+            <a:ahLst/>
+            <a:cxnLst>
+              <a:cxn ang="0">
+                <a:pos x="connsiteX0" y="connsiteY0"/>
+              </a:cxn>
+              <a:cxn ang="0">
+                <a:pos x="connsiteX1" y="connsiteY1"/>
+              </a:cxn>
+              <a:cxn ang="0">
+                <a:pos x="connsiteX2" y="connsiteY2"/>
+              </a:cxn>
+              <a:cxn ang="0">
+                <a:pos x="connsiteX3" y="connsiteY3"/>
+              </a:cxn>
+              <a:cxn ang="0">
+                <a:pos x="connsiteX4" y="connsiteY4"/>
+              </a:cxn>
+              <a:cxn ang="0">
+                <a:pos x="connsiteX5" y="connsiteY5"/>
+              </a:cxn>
+              <a:cxn ang="0">
+                <a:pos x="connsiteX6" y="connsiteY6"/>
+              </a:cxn>
+              <a:cxn ang="0">
+                <a:pos x="connsiteX7" y="connsiteY7"/>
+              </a:cxn>
+              <a:cxn ang="0">
+                <a:pos x="connsiteX8" y="connsiteY8"/>
+              </a:cxn>
+              <a:cxn ang="0">
+                <a:pos x="connsiteX9" y="connsiteY9"/>
+              </a:cxn>
+              <a:cxn ang="0">
+                <a:pos x="connsiteX10" y="connsiteY10"/>
+              </a:cxn>
+              <a:cxn ang="0">
+                <a:pos x="connsiteX11" y="connsiteY11"/>
+              </a:cxn>
+              <a:cxn ang="0">
+                <a:pos x="connsiteX12" y="connsiteY12"/>
+              </a:cxn>
+              <a:cxn ang="0">
+                <a:pos x="connsiteX13" y="connsiteY13"/>
+              </a:cxn>
+              <a:cxn ang="0">
+                <a:pos x="connsiteX14" y="connsiteY14"/>
+              </a:cxn>
+              <a:cxn ang="0">
+                <a:pos x="connsiteX15" y="connsiteY15"/>
+              </a:cxn>
+              <a:cxn ang="0">
+                <a:pos x="connsiteX16" y="connsiteY16"/>
+              </a:cxn>
+              <a:cxn ang="0">
+                <a:pos x="connsiteX17" y="connsiteY17"/>
+              </a:cxn>
+              <a:cxn ang="0">
+                <a:pos x="connsiteX18" y="connsiteY18"/>
+              </a:cxn>
+              <a:cxn ang="0">
+                <a:pos x="connsiteX19" y="connsiteY19"/>
+              </a:cxn>
+              <a:cxn ang="0">
+                <a:pos x="connsiteX20" y="connsiteY20"/>
+              </a:cxn>
+              <a:cxn ang="0">
+                <a:pos x="connsiteX21" y="connsiteY21"/>
+              </a:cxn>
+              <a:cxn ang="0">
+                <a:pos x="connsiteX22" y="connsiteY22"/>
+              </a:cxn>
+              <a:cxn ang="0">
+                <a:pos x="connsiteX23" y="connsiteY23"/>
+              </a:cxn>
+              <a:cxn ang="0">
+                <a:pos x="connsiteX24" y="connsiteY24"/>
+              </a:cxn>
+              <a:cxn ang="0">
+                <a:pos x="connsiteX25" y="connsiteY25"/>
+              </a:cxn>
+              <a:cxn ang="0">
+                <a:pos x="connsiteX26" y="connsiteY26"/>
+              </a:cxn>
+              <a:cxn ang="0">
+                <a:pos x="connsiteX27" y="connsiteY27"/>
+              </a:cxn>
+              <a:cxn ang="0">
+                <a:pos x="connsiteX28" y="connsiteY28"/>
+              </a:cxn>
+              <a:cxn ang="0">
+                <a:pos x="connsiteX29" y="connsiteY29"/>
+              </a:cxn>
+              <a:cxn ang="0">
+                <a:pos x="connsiteX30" y="connsiteY30"/>
+              </a:cxn>
+              <a:cxn ang="0">
+                <a:pos x="connsiteX31" y="connsiteY31"/>
+              </a:cxn>
+              <a:cxn ang="0">
+                <a:pos x="connsiteX32" y="connsiteY32"/>
+              </a:cxn>
+              <a:cxn ang="0">
+                <a:pos x="connsiteX33" y="connsiteY33"/>
+              </a:cxn>
+              <a:cxn ang="0">
+                <a:pos x="connsiteX34" y="connsiteY34"/>
+              </a:cxn>
+              <a:cxn ang="0">
+                <a:pos x="connsiteX35" y="connsiteY35"/>
+              </a:cxn>
+            </a:cxnLst>
+            <a:rect l="l" t="t" r="r" b="b"/>
+            <a:pathLst>
+              <a:path w="10853928" h="18288" fill="none" extrusionOk="0">
+                <a:moveTo>
+                  <a:pt x="0" y="0"/>
+                </a:moveTo>
+                <a:cubicBezTo>
+                  <a:pt x="146993" y="-19076"/>
+                  <a:pt x="347684" y="-4790"/>
+                  <a:pt x="461292" y="0"/>
+                </a:cubicBezTo>
+                <a:cubicBezTo>
+                  <a:pt x="574900" y="4790"/>
+                  <a:pt x="808367" y="19821"/>
+                  <a:pt x="1139662" y="0"/>
+                </a:cubicBezTo>
+                <a:cubicBezTo>
+                  <a:pt x="1470957" y="-19821"/>
+                  <a:pt x="1627405" y="5721"/>
+                  <a:pt x="1926572" y="0"/>
+                </a:cubicBezTo>
+                <a:cubicBezTo>
+                  <a:pt x="2225739" y="-5721"/>
+                  <a:pt x="2137730" y="-3235"/>
+                  <a:pt x="2279325" y="0"/>
+                </a:cubicBezTo>
+                <a:cubicBezTo>
+                  <a:pt x="2420920" y="3235"/>
+                  <a:pt x="2456518" y="9685"/>
+                  <a:pt x="2632078" y="0"/>
+                </a:cubicBezTo>
+                <a:cubicBezTo>
+                  <a:pt x="2807638" y="-9685"/>
+                  <a:pt x="3211516" y="-43007"/>
+                  <a:pt x="3527527" y="0"/>
+                </a:cubicBezTo>
+                <a:cubicBezTo>
+                  <a:pt x="3843538" y="43007"/>
+                  <a:pt x="4058833" y="22042"/>
+                  <a:pt x="4205897" y="0"/>
+                </a:cubicBezTo>
+                <a:cubicBezTo>
+                  <a:pt x="4352961" y="-22042"/>
+                  <a:pt x="4474805" y="-11846"/>
+                  <a:pt x="4558650" y="0"/>
+                </a:cubicBezTo>
+                <a:cubicBezTo>
+                  <a:pt x="4642495" y="11846"/>
+                  <a:pt x="5041928" y="-6069"/>
+                  <a:pt x="5237020" y="0"/>
+                </a:cubicBezTo>
+                <a:cubicBezTo>
+                  <a:pt x="5432112" y="6069"/>
+                  <a:pt x="5943266" y="-17479"/>
+                  <a:pt x="6132469" y="0"/>
+                </a:cubicBezTo>
+                <a:cubicBezTo>
+                  <a:pt x="6321672" y="17479"/>
+                  <a:pt x="6483872" y="26234"/>
+                  <a:pt x="6702301" y="0"/>
+                </a:cubicBezTo>
+                <a:cubicBezTo>
+                  <a:pt x="6920730" y="-26234"/>
+                  <a:pt x="6991194" y="-15156"/>
+                  <a:pt x="7272132" y="0"/>
+                </a:cubicBezTo>
+                <a:cubicBezTo>
+                  <a:pt x="7553070" y="15156"/>
+                  <a:pt x="7684444" y="-32961"/>
+                  <a:pt x="7950502" y="0"/>
+                </a:cubicBezTo>
+                <a:cubicBezTo>
+                  <a:pt x="8216560" y="32961"/>
+                  <a:pt x="8493290" y="-10491"/>
+                  <a:pt x="8737412" y="0"/>
+                </a:cubicBezTo>
+                <a:cubicBezTo>
+                  <a:pt x="8981534" y="10491"/>
+                  <a:pt x="9191586" y="-13899"/>
+                  <a:pt x="9524322" y="0"/>
+                </a:cubicBezTo>
+                <a:cubicBezTo>
+                  <a:pt x="9857058" y="13899"/>
+                  <a:pt x="10297509" y="7485"/>
+                  <a:pt x="10853928" y="0"/>
+                </a:cubicBezTo>
+                <a:cubicBezTo>
+                  <a:pt x="10854574" y="4451"/>
+                  <a:pt x="10854418" y="9226"/>
+                  <a:pt x="10853928" y="18288"/>
+                </a:cubicBezTo>
+                <a:cubicBezTo>
+                  <a:pt x="10691638" y="28522"/>
+                  <a:pt x="10574319" y="29578"/>
+                  <a:pt x="10392636" y="18288"/>
+                </a:cubicBezTo>
+                <a:cubicBezTo>
+                  <a:pt x="10210953" y="6998"/>
+                  <a:pt x="9836277" y="-16742"/>
+                  <a:pt x="9497187" y="18288"/>
+                </a:cubicBezTo>
+                <a:cubicBezTo>
+                  <a:pt x="9158097" y="53318"/>
+                  <a:pt x="9119479" y="30714"/>
+                  <a:pt x="8818817" y="18288"/>
+                </a:cubicBezTo>
+                <a:cubicBezTo>
+                  <a:pt x="8518155" y="5863"/>
+                  <a:pt x="8640037" y="6483"/>
+                  <a:pt x="8466064" y="18288"/>
+                </a:cubicBezTo>
+                <a:cubicBezTo>
+                  <a:pt x="8292091" y="30093"/>
+                  <a:pt x="7997656" y="18914"/>
+                  <a:pt x="7787693" y="18288"/>
+                </a:cubicBezTo>
+                <a:cubicBezTo>
+                  <a:pt x="7577730" y="17662"/>
+                  <a:pt x="7412468" y="21416"/>
+                  <a:pt x="7217862" y="18288"/>
+                </a:cubicBezTo>
+                <a:cubicBezTo>
+                  <a:pt x="7023256" y="15160"/>
+                  <a:pt x="6898018" y="14824"/>
+                  <a:pt x="6648031" y="18288"/>
+                </a:cubicBezTo>
+                <a:cubicBezTo>
+                  <a:pt x="6398044" y="21752"/>
+                  <a:pt x="6254402" y="38625"/>
+                  <a:pt x="6078200" y="18288"/>
+                </a:cubicBezTo>
+                <a:cubicBezTo>
+                  <a:pt x="5901998" y="-2049"/>
+                  <a:pt x="5622886" y="3213"/>
+                  <a:pt x="5508368" y="18288"/>
+                </a:cubicBezTo>
+                <a:cubicBezTo>
+                  <a:pt x="5393850" y="33363"/>
+                  <a:pt x="5036260" y="26830"/>
+                  <a:pt x="4721459" y="18288"/>
+                </a:cubicBezTo>
+                <a:cubicBezTo>
+                  <a:pt x="4406658" y="9746"/>
+                  <a:pt x="4239221" y="41551"/>
+                  <a:pt x="4043088" y="18288"/>
+                </a:cubicBezTo>
+                <a:cubicBezTo>
+                  <a:pt x="3846955" y="-4975"/>
+                  <a:pt x="3818802" y="34658"/>
+                  <a:pt x="3690336" y="18288"/>
+                </a:cubicBezTo>
+                <a:cubicBezTo>
+                  <a:pt x="3561870" y="1918"/>
+                  <a:pt x="3265491" y="42194"/>
+                  <a:pt x="3120504" y="18288"/>
+                </a:cubicBezTo>
+                <a:cubicBezTo>
+                  <a:pt x="2975517" y="-5618"/>
+                  <a:pt x="2720254" y="36673"/>
+                  <a:pt x="2333595" y="18288"/>
+                </a:cubicBezTo>
+                <a:cubicBezTo>
+                  <a:pt x="1946936" y="-97"/>
+                  <a:pt x="2097241" y="5776"/>
+                  <a:pt x="1872303" y="18288"/>
+                </a:cubicBezTo>
+                <a:cubicBezTo>
+                  <a:pt x="1647365" y="30800"/>
+                  <a:pt x="1282708" y="45380"/>
+                  <a:pt x="976854" y="18288"/>
+                </a:cubicBezTo>
+                <a:cubicBezTo>
+                  <a:pt x="671000" y="-8804"/>
+                  <a:pt x="408401" y="-12775"/>
+                  <a:pt x="0" y="18288"/>
+                </a:cubicBezTo>
+                <a:cubicBezTo>
+                  <a:pt x="-213" y="9468"/>
+                  <a:pt x="187" y="4459"/>
+                  <a:pt x="0" y="0"/>
+                </a:cubicBezTo>
+                <a:close/>
+              </a:path>
+              <a:path w="10853928" h="18288" stroke="0" extrusionOk="0">
+                <a:moveTo>
+                  <a:pt x="0" y="0"/>
+                </a:moveTo>
+                <a:cubicBezTo>
+                  <a:pt x="267322" y="15284"/>
+                  <a:pt x="415388" y="-21048"/>
+                  <a:pt x="569831" y="0"/>
+                </a:cubicBezTo>
+                <a:cubicBezTo>
+                  <a:pt x="724274" y="21048"/>
+                  <a:pt x="769333" y="-2353"/>
+                  <a:pt x="922584" y="0"/>
+                </a:cubicBezTo>
+                <a:cubicBezTo>
+                  <a:pt x="1075835" y="2353"/>
+                  <a:pt x="1399490" y="-145"/>
+                  <a:pt x="1818033" y="0"/>
+                </a:cubicBezTo>
+                <a:cubicBezTo>
+                  <a:pt x="2236576" y="145"/>
+                  <a:pt x="2145330" y="5482"/>
+                  <a:pt x="2387864" y="0"/>
+                </a:cubicBezTo>
+                <a:cubicBezTo>
+                  <a:pt x="2630398" y="-5482"/>
+                  <a:pt x="2793207" y="18487"/>
+                  <a:pt x="2957695" y="0"/>
+                </a:cubicBezTo>
+                <a:cubicBezTo>
+                  <a:pt x="3122183" y="-18487"/>
+                  <a:pt x="3579141" y="19003"/>
+                  <a:pt x="3853144" y="0"/>
+                </a:cubicBezTo>
+                <a:cubicBezTo>
+                  <a:pt x="4127147" y="-19003"/>
+                  <a:pt x="4209857" y="12211"/>
+                  <a:pt x="4314436" y="0"/>
+                </a:cubicBezTo>
+                <a:cubicBezTo>
+                  <a:pt x="4419015" y="-12211"/>
+                  <a:pt x="4762459" y="-17220"/>
+                  <a:pt x="5209885" y="0"/>
+                </a:cubicBezTo>
+                <a:cubicBezTo>
+                  <a:pt x="5657311" y="17220"/>
+                  <a:pt x="5692663" y="-3290"/>
+                  <a:pt x="6105335" y="0"/>
+                </a:cubicBezTo>
+                <a:cubicBezTo>
+                  <a:pt x="6518007" y="3290"/>
+                  <a:pt x="6455516" y="-5124"/>
+                  <a:pt x="6783705" y="0"/>
+                </a:cubicBezTo>
+                <a:cubicBezTo>
+                  <a:pt x="7111894" y="5124"/>
+                  <a:pt x="7441941" y="-17829"/>
+                  <a:pt x="7679154" y="0"/>
+                </a:cubicBezTo>
+                <a:cubicBezTo>
+                  <a:pt x="7916367" y="17829"/>
+                  <a:pt x="8102967" y="-24363"/>
+                  <a:pt x="8248985" y="0"/>
+                </a:cubicBezTo>
+                <a:cubicBezTo>
+                  <a:pt x="8395003" y="24363"/>
+                  <a:pt x="8552393" y="25505"/>
+                  <a:pt x="8818817" y="0"/>
+                </a:cubicBezTo>
+                <a:cubicBezTo>
+                  <a:pt x="9085241" y="-25505"/>
+                  <a:pt x="9411308" y="38000"/>
+                  <a:pt x="9605726" y="0"/>
+                </a:cubicBezTo>
+                <a:cubicBezTo>
+                  <a:pt x="9800144" y="-38000"/>
+                  <a:pt x="10006468" y="-25741"/>
+                  <a:pt x="10175558" y="0"/>
+                </a:cubicBezTo>
+                <a:cubicBezTo>
+                  <a:pt x="10344648" y="25741"/>
+                  <a:pt x="10696282" y="695"/>
+                  <a:pt x="10853928" y="0"/>
+                </a:cubicBezTo>
+                <a:cubicBezTo>
+                  <a:pt x="10853521" y="8690"/>
+                  <a:pt x="10853774" y="14141"/>
+                  <a:pt x="10853928" y="18288"/>
+                </a:cubicBezTo>
+                <a:cubicBezTo>
+                  <a:pt x="10608124" y="24255"/>
+                  <a:pt x="10343415" y="22307"/>
+                  <a:pt x="10067018" y="18288"/>
+                </a:cubicBezTo>
+                <a:cubicBezTo>
+                  <a:pt x="9790621" y="14270"/>
+                  <a:pt x="9843266" y="3564"/>
+                  <a:pt x="9714266" y="18288"/>
+                </a:cubicBezTo>
+                <a:cubicBezTo>
+                  <a:pt x="9585266" y="33012"/>
+                  <a:pt x="9379484" y="1875"/>
+                  <a:pt x="9252974" y="18288"/>
+                </a:cubicBezTo>
+                <a:cubicBezTo>
+                  <a:pt x="9126464" y="34701"/>
+                  <a:pt x="8580678" y="-4904"/>
+                  <a:pt x="8357525" y="18288"/>
+                </a:cubicBezTo>
+                <a:cubicBezTo>
+                  <a:pt x="8134372" y="41480"/>
+                  <a:pt x="7903199" y="26458"/>
+                  <a:pt x="7679154" y="18288"/>
+                </a:cubicBezTo>
+                <a:cubicBezTo>
+                  <a:pt x="7455109" y="10118"/>
+                  <a:pt x="7435944" y="27109"/>
+                  <a:pt x="7217862" y="18288"/>
+                </a:cubicBezTo>
+                <a:cubicBezTo>
+                  <a:pt x="6999780" y="9467"/>
+                  <a:pt x="6680409" y="18985"/>
+                  <a:pt x="6539492" y="18288"/>
+                </a:cubicBezTo>
+                <a:cubicBezTo>
+                  <a:pt x="6398575" y="17592"/>
+                  <a:pt x="6312077" y="33018"/>
+                  <a:pt x="6186739" y="18288"/>
+                </a:cubicBezTo>
+                <a:cubicBezTo>
+                  <a:pt x="6061401" y="3558"/>
+                  <a:pt x="5947033" y="12075"/>
+                  <a:pt x="5833986" y="18288"/>
+                </a:cubicBezTo>
+                <a:cubicBezTo>
+                  <a:pt x="5720939" y="24501"/>
+                  <a:pt x="5482226" y="8586"/>
+                  <a:pt x="5155616" y="18288"/>
+                </a:cubicBezTo>
+                <a:cubicBezTo>
+                  <a:pt x="4829006" y="27991"/>
+                  <a:pt x="4841274" y="29316"/>
+                  <a:pt x="4694324" y="18288"/>
+                </a:cubicBezTo>
+                <a:cubicBezTo>
+                  <a:pt x="4547374" y="7260"/>
+                  <a:pt x="4077675" y="7013"/>
+                  <a:pt x="3907414" y="18288"/>
+                </a:cubicBezTo>
+                <a:cubicBezTo>
+                  <a:pt x="3737153" y="29564"/>
+                  <a:pt x="3538393" y="21630"/>
+                  <a:pt x="3446122" y="18288"/>
+                </a:cubicBezTo>
+                <a:cubicBezTo>
+                  <a:pt x="3353851" y="14946"/>
+                  <a:pt x="2990320" y="-8091"/>
+                  <a:pt x="2659212" y="18288"/>
+                </a:cubicBezTo>
+                <a:cubicBezTo>
+                  <a:pt x="2328104" y="44667"/>
+                  <a:pt x="2427653" y="9607"/>
+                  <a:pt x="2306460" y="18288"/>
+                </a:cubicBezTo>
+                <a:cubicBezTo>
+                  <a:pt x="2185267" y="26969"/>
+                  <a:pt x="1719763" y="3717"/>
+                  <a:pt x="1519550" y="18288"/>
+                </a:cubicBezTo>
+                <a:cubicBezTo>
+                  <a:pt x="1319337" y="32860"/>
+                  <a:pt x="1167371" y="17040"/>
+                  <a:pt x="1058258" y="18288"/>
+                </a:cubicBezTo>
+                <a:cubicBezTo>
+                  <a:pt x="949145" y="19536"/>
+                  <a:pt x="780234" y="31447"/>
+                  <a:pt x="705505" y="18288"/>
+                </a:cubicBezTo>
+                <a:cubicBezTo>
+                  <a:pt x="630776" y="5129"/>
+                  <a:pt x="215796" y="30056"/>
+                  <a:pt x="0" y="18288"/>
+                </a:cubicBezTo>
+                <a:cubicBezTo>
+                  <a:pt x="-53" y="11301"/>
+                  <a:pt x="-649" y="7756"/>
+                  <a:pt x="0" y="0"/>
+                </a:cubicBezTo>
+                <a:close/>
+              </a:path>
+            </a:pathLst>
+          </a:custGeom>
+          <a:solidFill>
+            <a:schemeClr val="accent2"/>
+          </a:solidFill>
+          <a:ln w="41275" cap="rnd">
+            <a:solidFill>
+              <a:schemeClr val="accent2"/>
+            </a:solidFill>
+            <a:round/>
+            <a:extLst>
+              <a:ext uri="{C807C97D-BFC1-408E-A445-0C87EB9F89A2}">
+                <ask:lineSketchStyleProps xmlns:ask="http://schemas.microsoft.com/office/drawing/2018/sketchyshapes" sd="1219033472">
+                  <a:prstGeom prst="rect">
+                    <a:avLst/>
+                  </a:prstGeom>
+                  <ask:type>
+                    <ask:lineSketchFreehand/>
+                  </ask:type>
+                </ask:lineSketchStyleProps>
+              </a:ext>
+            </a:extLst>
+          </a:ln>
+        </p:spPr>
+        <p:style>
+          <a:lnRef idx="2">
+            <a:schemeClr val="accent1">
+              <a:shade val="50000"/>
+            </a:schemeClr>
+          </a:lnRef>
+          <a:fillRef idx="1">
+            <a:schemeClr val="accent1"/>
+          </a:fillRef>
+          <a:effectRef idx="0">
+            <a:schemeClr val="accent1"/>
+          </a:effectRef>
+          <a:fontRef idx="minor">
+            <a:schemeClr val="lt1"/>
+          </a:fontRef>
+        </p:style>
+        <p:txBody>
+          <a:bodyPr rtlCol="0" anchor="ctr"/>
+          <a:lstStyle/>
+          <a:p>
+            <a:pPr algn="ctr"/>
+            <a:endParaRPr lang="en-US"/>
+          </a:p>
+        </p:txBody>
+      </p:sp>
+      <p:sp>
+        <p:nvSpPr>
+          <p:cNvPr id="3" name="Объект 2"/>
+          <p:cNvSpPr>
+            <a:spLocks noGrp="1"/>
+          </p:cNvSpPr>
+          <p:nvPr>
+            <p:ph sz="half" idx="1"/>
+          </p:nvPr>
+        </p:nvSpPr>
+        <p:spPr>
+          <a:xfrm>
+            <a:off x="838200" y="1929384"/>
+            <a:ext cx="10515600" cy="4251960"/>
           </a:xfrm>
         </p:spPr>
         <p:txBody>
-          <a:bodyPr>
+          <a:bodyPr vert="horz" lIns="91440" tIns="45720" rIns="91440" bIns="45720" rtlCol="0">
             <a:normAutofit/>
           </a:bodyPr>
           <a:lstStyle/>
           <a:p>
-            <a:pPr marL="0" indent="0">
-              <a:buNone/>
-            </a:pPr>
-            <a:r>
-              <a:rPr lang="en-US" sz="1400" b="1" dirty="0"/>
-              <a:t>Digital media: Visual effects rendering</a:t>
-            </a:r>
-          </a:p>
-          <a:p>
-            <a:pPr marL="0" indent="0">
-              <a:buNone/>
-            </a:pPr>
-            <a:r>
-              <a:rPr lang="en-US" sz="1400" dirty="0"/>
-              <a:t>It reduces the requirement for human intervention by automating content rendering tasks and eliminating execution dependencies or resource scheduling.</a:t>
-            </a:r>
-          </a:p>
-        </p:txBody>
-      </p:sp>
-      <p:pic>
-        <p:nvPicPr>
-          <p:cNvPr id="4" name="Рисунок 3"/>
-          <p:cNvPicPr>
-            <a:picLocks noChangeAspect="1"/>
-          </p:cNvPicPr>
-          <p:nvPr/>
-        </p:nvPicPr>
-        <p:blipFill>
-          <a:blip r:embed="rId3"/>
-          <a:stretch>
-            <a:fillRect/>
-          </a:stretch>
-        </p:blipFill>
-        <p:spPr>
-          <a:xfrm>
-            <a:off x="1647825" y="3002089"/>
-            <a:ext cx="8896350" cy="2828925"/>
-          </a:xfrm>
-          <a:prstGeom prst="rect">
-            <a:avLst/>
-          </a:prstGeom>
-        </p:spPr>
-      </p:pic>
-    </p:spTree>
-    <p:extLst>
-      <p:ext uri="{BB962C8B-B14F-4D97-AF65-F5344CB8AC3E}">
-        <p14:creationId xmlns:p14="http://schemas.microsoft.com/office/powerpoint/2010/main" val="3289713408"/>
-      </p:ext>
-    </p:extLst>
-  </p:cSld>
-  <p:clrMapOvr>
-    <a:masterClrMapping/>
-  </p:clrMapOvr>
-</p:sld>
-</file>
-
-<file path=ppt/slides/slide9.xml><?xml version="1.0" encoding="utf-8"?>
-<p:sld xmlns:a="http://schemas.openxmlformats.org/drawingml/2006/main" xmlns:r="http://schemas.openxmlformats.org/officeDocument/2006/relationships" xmlns:p="http://schemas.openxmlformats.org/presentationml/2006/main">
-  <p:cSld>
-    <p:spTree>
-      <p:nvGrpSpPr>
-        <p:cNvPr id="1" name=""/>
-        <p:cNvGrpSpPr/>
-        <p:nvPr/>
-      </p:nvGrpSpPr>
-      <p:grpSpPr>
-        <a:xfrm>
-          <a:off x="0" y="0"/>
-          <a:ext cx="0" cy="0"/>
-          <a:chOff x="0" y="0"/>
-          <a:chExt cx="0" cy="0"/>
-        </a:xfrm>
-      </p:grpSpPr>
-      <p:sp>
-        <p:nvSpPr>
-          <p:cNvPr id="2" name="Заголовок 1"/>
-          <p:cNvSpPr>
-            <a:spLocks noGrp="1"/>
-          </p:cNvSpPr>
-          <p:nvPr>
-            <p:ph type="title"/>
-          </p:nvPr>
-        </p:nvSpPr>
-        <p:spPr/>
-        <p:txBody>
-          <a:bodyPr>
-            <a:normAutofit/>
-          </a:bodyPr>
-          <a:lstStyle/>
-          <a:p>
-            <a:r>
-              <a:rPr lang="en-US" sz="3200" dirty="0"/>
-              <a:t>AWS Batch Security</a:t>
-            </a:r>
-          </a:p>
-        </p:txBody>
-      </p:sp>
-      <p:sp>
-        <p:nvSpPr>
-          <p:cNvPr id="3" name="Объект 2"/>
-          <p:cNvSpPr>
-            <a:spLocks noGrp="1"/>
-          </p:cNvSpPr>
-          <p:nvPr>
-            <p:ph sz="half" idx="1"/>
-          </p:nvPr>
-        </p:nvSpPr>
-        <p:spPr>
-          <a:xfrm>
-            <a:off x="219456" y="1825625"/>
-            <a:ext cx="7653528" cy="4351338"/>
-          </a:xfrm>
-        </p:spPr>
-        <p:txBody>
-          <a:bodyPr>
-            <a:normAutofit/>
-          </a:bodyPr>
-          <a:lstStyle/>
-          <a:p>
-            <a:r>
-              <a:rPr lang="en-US" sz="1400" dirty="0"/>
+            <a:r>
+              <a:rPr lang="en-US" sz="2200"/>
               <a:t>By default, IAM users don’t have permission to create or modify AWS Batch resources or perform tasks using the AWS Batch API.</a:t>
             </a:r>
           </a:p>
           <a:p>
             <a:r>
-              <a:rPr lang="en-US" sz="1400" dirty="0"/>
+              <a:rPr lang="en-US" sz="2200"/>
               <a:t>Take advantage of IAM policies, roles, and permissions.</a:t>
             </a:r>
           </a:p>
           <a:p>
             <a:r>
-              <a:rPr lang="en-US" sz="1400" dirty="0"/>
+              <a:rPr lang="en-US" sz="2200"/>
               <a:t>You can control access to AWS Batch resources based on the tag values.</a:t>
             </a:r>
           </a:p>
           <a:p>
-            <a:pPr marL="0" indent="0">
-              <a:buNone/>
-            </a:pPr>
-            <a:endParaRPr lang="en-US" sz="1400" dirty="0"/>
+            <a:pPr marL="0"/>
+            <a:endParaRPr lang="en-US" sz="2200"/>
           </a:p>
         </p:txBody>
       </p:sp>
